--- a/4/slp.pptx
+++ b/4/slp.pptx
@@ -113,6 +113,11 @@
       </a:defRPr>
     </a:lvl9pPr>
   </p:defaultTextStyle>
+  <p:extLst>
+    <p:ext uri="{EFAFB233-063F-42B5-8137-9DF3F51BA10A}">
+      <p15:sldGuideLst xmlns:p15="http://schemas.microsoft.com/office/powerpoint/2012/main"/>
+    </p:ext>
+  </p:extLst>
 </p:presentation>
 </file>
 
@@ -265,7 +270,7 @@
           <a:p>
             <a:fld id="{D42786E7-2764-4862-BBBB-84175B4AF80E}" type="datetimeFigureOut">
               <a:rPr lang="en-GB" smtClean="0"/>
-              <a:t>03/03/2020</a:t>
+              <a:t>06/02/2021</a:t>
             </a:fld>
             <a:endParaRPr lang="en-GB"/>
           </a:p>
@@ -465,7 +470,7 @@
           <a:p>
             <a:fld id="{D42786E7-2764-4862-BBBB-84175B4AF80E}" type="datetimeFigureOut">
               <a:rPr lang="en-GB" smtClean="0"/>
-              <a:t>03/03/2020</a:t>
+              <a:t>06/02/2021</a:t>
             </a:fld>
             <a:endParaRPr lang="en-GB"/>
           </a:p>
@@ -675,7 +680,7 @@
           <a:p>
             <a:fld id="{D42786E7-2764-4862-BBBB-84175B4AF80E}" type="datetimeFigureOut">
               <a:rPr lang="en-GB" smtClean="0"/>
-              <a:t>03/03/2020</a:t>
+              <a:t>06/02/2021</a:t>
             </a:fld>
             <a:endParaRPr lang="en-GB"/>
           </a:p>
@@ -875,7 +880,7 @@
           <a:p>
             <a:fld id="{D42786E7-2764-4862-BBBB-84175B4AF80E}" type="datetimeFigureOut">
               <a:rPr lang="en-GB" smtClean="0"/>
-              <a:t>03/03/2020</a:t>
+              <a:t>06/02/2021</a:t>
             </a:fld>
             <a:endParaRPr lang="en-GB"/>
           </a:p>
@@ -1151,7 +1156,7 @@
           <a:p>
             <a:fld id="{D42786E7-2764-4862-BBBB-84175B4AF80E}" type="datetimeFigureOut">
               <a:rPr lang="en-GB" smtClean="0"/>
-              <a:t>03/03/2020</a:t>
+              <a:t>06/02/2021</a:t>
             </a:fld>
             <a:endParaRPr lang="en-GB"/>
           </a:p>
@@ -1419,7 +1424,7 @@
           <a:p>
             <a:fld id="{D42786E7-2764-4862-BBBB-84175B4AF80E}" type="datetimeFigureOut">
               <a:rPr lang="en-GB" smtClean="0"/>
-              <a:t>03/03/2020</a:t>
+              <a:t>06/02/2021</a:t>
             </a:fld>
             <a:endParaRPr lang="en-GB"/>
           </a:p>
@@ -1834,7 +1839,7 @@
           <a:p>
             <a:fld id="{D42786E7-2764-4862-BBBB-84175B4AF80E}" type="datetimeFigureOut">
               <a:rPr lang="en-GB" smtClean="0"/>
-              <a:t>03/03/2020</a:t>
+              <a:t>06/02/2021</a:t>
             </a:fld>
             <a:endParaRPr lang="en-GB"/>
           </a:p>
@@ -1976,7 +1981,7 @@
           <a:p>
             <a:fld id="{D42786E7-2764-4862-BBBB-84175B4AF80E}" type="datetimeFigureOut">
               <a:rPr lang="en-GB" smtClean="0"/>
-              <a:t>03/03/2020</a:t>
+              <a:t>06/02/2021</a:t>
             </a:fld>
             <a:endParaRPr lang="en-GB"/>
           </a:p>
@@ -2089,7 +2094,7 @@
           <a:p>
             <a:fld id="{D42786E7-2764-4862-BBBB-84175B4AF80E}" type="datetimeFigureOut">
               <a:rPr lang="en-GB" smtClean="0"/>
-              <a:t>03/03/2020</a:t>
+              <a:t>06/02/2021</a:t>
             </a:fld>
             <a:endParaRPr lang="en-GB"/>
           </a:p>
@@ -2402,7 +2407,7 @@
           <a:p>
             <a:fld id="{D42786E7-2764-4862-BBBB-84175B4AF80E}" type="datetimeFigureOut">
               <a:rPr lang="en-GB" smtClean="0"/>
-              <a:t>03/03/2020</a:t>
+              <a:t>06/02/2021</a:t>
             </a:fld>
             <a:endParaRPr lang="en-GB"/>
           </a:p>
@@ -2691,7 +2696,7 @@
           <a:p>
             <a:fld id="{D42786E7-2764-4862-BBBB-84175B4AF80E}" type="datetimeFigureOut">
               <a:rPr lang="en-GB" smtClean="0"/>
-              <a:t>03/03/2020</a:t>
+              <a:t>06/02/2021</a:t>
             </a:fld>
             <a:endParaRPr lang="en-GB"/>
           </a:p>
@@ -2934,7 +2939,7 @@
           <a:p>
             <a:fld id="{D42786E7-2764-4862-BBBB-84175B4AF80E}" type="datetimeFigureOut">
               <a:rPr lang="en-GB" smtClean="0"/>
-              <a:t>03/03/2020</a:t>
+              <a:t>06/02/2021</a:t>
             </a:fld>
             <a:endParaRPr lang="en-GB"/>
           </a:p>
@@ -3379,8 +3384,8 @@
           </a:p>
         </p:txBody>
       </p:sp>
-      <mc:AlternateContent xmlns:mc="http://schemas.openxmlformats.org/markup-compatibility/2006">
-        <mc:Choice xmlns:a14="http://schemas.microsoft.com/office/drawing/2010/main" Requires="a14">
+      <mc:AlternateContent xmlns:mc="http://schemas.openxmlformats.org/markup-compatibility/2006" xmlns:a14="http://schemas.microsoft.com/office/drawing/2010/main">
+        <mc:Choice Requires="a14">
           <p:sp>
             <p:nvSpPr>
               <p:cNvPr id="4" name="Oval 3">
@@ -3460,7 +3465,7 @@
             </p:txBody>
           </p:sp>
         </mc:Choice>
-        <mc:Fallback>
+        <mc:Fallback xmlns="">
           <p:sp>
             <p:nvSpPr>
               <p:cNvPr id="4" name="Oval 3">
@@ -3505,8 +3510,8 @@
           </p:sp>
         </mc:Fallback>
       </mc:AlternateContent>
-      <mc:AlternateContent xmlns:mc="http://schemas.openxmlformats.org/markup-compatibility/2006">
-        <mc:Choice xmlns:a14="http://schemas.microsoft.com/office/drawing/2010/main" Requires="a14">
+      <mc:AlternateContent xmlns:mc="http://schemas.openxmlformats.org/markup-compatibility/2006" xmlns:a14="http://schemas.microsoft.com/office/drawing/2010/main">
+        <mc:Choice Requires="a14">
           <p:sp>
             <p:nvSpPr>
               <p:cNvPr id="5" name="Oval 4">
@@ -3586,7 +3591,7 @@
             </p:txBody>
           </p:sp>
         </mc:Choice>
-        <mc:Fallback>
+        <mc:Fallback xmlns="">
           <p:sp>
             <p:nvSpPr>
               <p:cNvPr id="5" name="Oval 4">
@@ -3631,8 +3636,8 @@
           </p:sp>
         </mc:Fallback>
       </mc:AlternateContent>
-      <mc:AlternateContent xmlns:mc="http://schemas.openxmlformats.org/markup-compatibility/2006">
-        <mc:Choice xmlns:a14="http://schemas.microsoft.com/office/drawing/2010/main" Requires="a14">
+      <mc:AlternateContent xmlns:mc="http://schemas.openxmlformats.org/markup-compatibility/2006" xmlns:a14="http://schemas.microsoft.com/office/drawing/2010/main">
+        <mc:Choice Requires="a14">
           <p:sp>
             <p:nvSpPr>
               <p:cNvPr id="6" name="Oval 5">
@@ -3712,7 +3717,7 @@
             </p:txBody>
           </p:sp>
         </mc:Choice>
-        <mc:Fallback>
+        <mc:Fallback xmlns="">
           <p:sp>
             <p:nvSpPr>
               <p:cNvPr id="6" name="Oval 5">
@@ -3757,8 +3762,8 @@
           </p:sp>
         </mc:Fallback>
       </mc:AlternateContent>
-      <mc:AlternateContent xmlns:mc="http://schemas.openxmlformats.org/markup-compatibility/2006">
-        <mc:Choice xmlns:a14="http://schemas.microsoft.com/office/drawing/2010/main" Requires="a14">
+      <mc:AlternateContent xmlns:mc="http://schemas.openxmlformats.org/markup-compatibility/2006" xmlns:a14="http://schemas.microsoft.com/office/drawing/2010/main">
+        <mc:Choice Requires="a14">
           <p:sp>
             <p:nvSpPr>
               <p:cNvPr id="7" name="Oval 6">
@@ -3846,7 +3851,7 @@
             </p:txBody>
           </p:sp>
         </mc:Choice>
-        <mc:Fallback>
+        <mc:Fallback xmlns="">
           <p:sp>
             <p:nvSpPr>
               <p:cNvPr id="7" name="Oval 6">
@@ -4075,8 +4080,8 @@
           </a:fontRef>
         </p:style>
       </p:cxnSp>
-      <mc:AlternateContent xmlns:mc="http://schemas.openxmlformats.org/markup-compatibility/2006">
-        <mc:Choice xmlns:a14="http://schemas.microsoft.com/office/drawing/2010/main" Requires="a14">
+      <mc:AlternateContent xmlns:mc="http://schemas.openxmlformats.org/markup-compatibility/2006" xmlns:a14="http://schemas.microsoft.com/office/drawing/2010/main">
+        <mc:Choice Requires="a14">
           <p:sp>
             <p:nvSpPr>
               <p:cNvPr id="12" name="TextBox 11">
@@ -4105,6 +4110,7 @@
               </a:bodyPr>
               <a:lstStyle/>
               <a:p>
+                <a:pPr/>
                 <a14:m>
                   <m:oMathPara xmlns:m="http://schemas.openxmlformats.org/officeDocument/2006/math">
                     <m:oMathParaPr>
@@ -4162,7 +4168,7 @@
             </p:txBody>
           </p:sp>
         </mc:Choice>
-        <mc:Fallback>
+        <mc:Fallback xmlns="">
           <p:sp>
             <p:nvSpPr>
               <p:cNvPr id="12" name="TextBox 11">
@@ -4567,13 +4573,13 @@
   <p:clrMapOvr>
     <a:masterClrMapping/>
   </p:clrMapOvr>
-  <mc:AlternateContent xmlns:mc="http://schemas.openxmlformats.org/markup-compatibility/2006">
-    <mc:Choice xmlns:p159="http://schemas.microsoft.com/office/powerpoint/2015/09/main" Requires="p159">
+  <mc:AlternateContent xmlns:mc="http://schemas.openxmlformats.org/markup-compatibility/2006" xmlns:p159="http://schemas.microsoft.com/office/powerpoint/2015/09/main">
+    <mc:Choice Requires="p159">
       <p:transition xmlns:p14="http://schemas.microsoft.com/office/powerpoint/2010/main" spd="slow" p14:dur="2000">
         <p159:morph option="byObject"/>
       </p:transition>
     </mc:Choice>
-    <mc:Fallback>
+    <mc:Fallback xmlns="">
       <p:transition spd="slow">
         <p:fade/>
       </p:transition>
@@ -5099,7 +5105,7 @@
         </p:nvSpPr>
         <p:spPr>
           <a:xfrm>
-            <a:off x="838200" y="365125"/>
+            <a:off x="838199" y="204407"/>
             <a:ext cx="10515600" cy="1325563"/>
           </a:xfrm>
         </p:spPr>
@@ -5114,8 +5120,8 @@
           </a:p>
         </p:txBody>
       </p:sp>
-      <mc:AlternateContent xmlns:mc="http://schemas.openxmlformats.org/markup-compatibility/2006">
-        <mc:Choice xmlns:a14="http://schemas.microsoft.com/office/drawing/2010/main" Requires="a14">
+      <mc:AlternateContent xmlns:mc="http://schemas.openxmlformats.org/markup-compatibility/2006" xmlns:a14="http://schemas.microsoft.com/office/drawing/2010/main">
+        <mc:Choice Requires="a14">
           <p:sp>
             <p:nvSpPr>
               <p:cNvPr id="4" name="Oval 3">
@@ -5195,7 +5201,7 @@
             </p:txBody>
           </p:sp>
         </mc:Choice>
-        <mc:Fallback>
+        <mc:Fallback xmlns="">
           <p:sp>
             <p:nvSpPr>
               <p:cNvPr id="4" name="Oval 3">
@@ -5240,8 +5246,8 @@
           </p:sp>
         </mc:Fallback>
       </mc:AlternateContent>
-      <mc:AlternateContent xmlns:mc="http://schemas.openxmlformats.org/markup-compatibility/2006">
-        <mc:Choice xmlns:a14="http://schemas.microsoft.com/office/drawing/2010/main" Requires="a14">
+      <mc:AlternateContent xmlns:mc="http://schemas.openxmlformats.org/markup-compatibility/2006" xmlns:a14="http://schemas.microsoft.com/office/drawing/2010/main">
+        <mc:Choice Requires="a14">
           <p:sp>
             <p:nvSpPr>
               <p:cNvPr id="5" name="Oval 4">
@@ -5321,7 +5327,7 @@
             </p:txBody>
           </p:sp>
         </mc:Choice>
-        <mc:Fallback>
+        <mc:Fallback xmlns="">
           <p:sp>
             <p:nvSpPr>
               <p:cNvPr id="5" name="Oval 4">
@@ -5366,8 +5372,8 @@
           </p:sp>
         </mc:Fallback>
       </mc:AlternateContent>
-      <mc:AlternateContent xmlns:mc="http://schemas.openxmlformats.org/markup-compatibility/2006">
-        <mc:Choice xmlns:a14="http://schemas.microsoft.com/office/drawing/2010/main" Requires="a14">
+      <mc:AlternateContent xmlns:mc="http://schemas.openxmlformats.org/markup-compatibility/2006" xmlns:a14="http://schemas.microsoft.com/office/drawing/2010/main">
+        <mc:Choice Requires="a14">
           <p:sp>
             <p:nvSpPr>
               <p:cNvPr id="6" name="Oval 5">
@@ -5447,7 +5453,7 @@
             </p:txBody>
           </p:sp>
         </mc:Choice>
-        <mc:Fallback>
+        <mc:Fallback xmlns="">
           <p:sp>
             <p:nvSpPr>
               <p:cNvPr id="6" name="Oval 5">
@@ -5492,8 +5498,8 @@
           </p:sp>
         </mc:Fallback>
       </mc:AlternateContent>
-      <mc:AlternateContent xmlns:mc="http://schemas.openxmlformats.org/markup-compatibility/2006">
-        <mc:Choice xmlns:a14="http://schemas.microsoft.com/office/drawing/2010/main" Requires="a14">
+      <mc:AlternateContent xmlns:mc="http://schemas.openxmlformats.org/markup-compatibility/2006" xmlns:a14="http://schemas.microsoft.com/office/drawing/2010/main">
+        <mc:Choice Requires="a14">
           <p:sp>
             <p:nvSpPr>
               <p:cNvPr id="7" name="Oval 6">
@@ -5581,7 +5587,7 @@
             </p:txBody>
           </p:sp>
         </mc:Choice>
-        <mc:Fallback>
+        <mc:Fallback xmlns="">
           <p:sp>
             <p:nvSpPr>
               <p:cNvPr id="7" name="Oval 6">
@@ -5776,14 +5782,14 @@
           <p:cNvCxnSpPr>
             <a:cxnSpLocks/>
             <a:stCxn id="7" idx="6"/>
-            <a:endCxn id="12" idx="1"/>
+            <a:endCxn id="45" idx="2"/>
           </p:cNvCxnSpPr>
           <p:nvPr/>
         </p:nvCxnSpPr>
         <p:spPr>
           <a:xfrm>
             <a:off x="3298702" y="2336914"/>
-            <a:ext cx="982774" cy="1243348"/>
+            <a:ext cx="1167869" cy="1276723"/>
           </a:xfrm>
           <a:prstGeom prst="straightConnector1">
             <a:avLst/>
@@ -5814,138 +5820,6 @@
         <mc:Choice xmlns:a14="http://schemas.microsoft.com/office/drawing/2010/main" Requires="a14">
           <p:sp>
             <p:nvSpPr>
-              <p:cNvPr id="12" name="TextBox 11">
-                <a:extLst>
-                  <a:ext uri="{FF2B5EF4-FFF2-40B4-BE49-F238E27FC236}">
-                    <a16:creationId xmlns:a16="http://schemas.microsoft.com/office/drawing/2014/main" id="{674E9B2C-F8A3-4DA4-A1F7-793C8B01DBC5}"/>
-                  </a:ext>
-                </a:extLst>
-              </p:cNvPr>
-              <p:cNvSpPr txBox="1"/>
-              <p:nvPr/>
-            </p:nvSpPr>
-            <p:spPr>
-              <a:xfrm>
-                <a:off x="4281476" y="3395596"/>
-                <a:ext cx="810478" cy="369332"/>
-              </a:xfrm>
-              <a:prstGeom prst="rect">
-                <a:avLst/>
-              </a:prstGeom>
-              <a:noFill/>
-            </p:spPr>
-            <p:txBody>
-              <a:bodyPr wrap="none" rtlCol="0">
-                <a:spAutoFit/>
-              </a:bodyPr>
-              <a:lstStyle/>
-              <a:p>
-                <a14:m>
-                  <m:oMathPara xmlns:m="http://schemas.openxmlformats.org/officeDocument/2006/math">
-                    <m:oMathParaPr>
-                      <m:jc m:val="centerGroup"/>
-                    </m:oMathParaPr>
-                    <m:oMath xmlns:m="http://schemas.openxmlformats.org/officeDocument/2006/math">
-                      <m:sSub>
-                        <m:sSubPr>
-                          <m:ctrlPr>
-                            <a:rPr lang="en-GB" i="1" smtClean="0">
-                              <a:latin typeface="Cambria Math" panose="02040503050406030204" pitchFamily="18" charset="0"/>
-                            </a:rPr>
-                          </m:ctrlPr>
-                        </m:sSubPr>
-                        <m:e>
-                          <m:r>
-                            <a:rPr lang="en-GB" b="0" i="1" smtClean="0">
-                              <a:latin typeface="Cambria Math" panose="02040503050406030204" pitchFamily="18" charset="0"/>
-                            </a:rPr>
-                            <m:t>h</m:t>
-                          </m:r>
-                        </m:e>
-                        <m:sub>
-                          <m:r>
-                            <a:rPr lang="en-GB" b="0" i="1" smtClean="0">
-                              <a:latin typeface="Cambria Math" panose="02040503050406030204" pitchFamily="18" charset="0"/>
-                            </a:rPr>
-                            <m:t>𝜃</m:t>
-                          </m:r>
-                        </m:sub>
-                      </m:sSub>
-                      <m:r>
-                        <a:rPr lang="en-GB" b="0" i="1" smtClean="0">
-                          <a:latin typeface="Cambria Math" panose="02040503050406030204" pitchFamily="18" charset="0"/>
-                        </a:rPr>
-                        <m:t>(</m:t>
-                      </m:r>
-                      <m:r>
-                        <a:rPr lang="en-GB" b="0" i="1" smtClean="0">
-                          <a:latin typeface="Cambria Math" panose="02040503050406030204" pitchFamily="18" charset="0"/>
-                        </a:rPr>
-                        <m:t>𝑥</m:t>
-                      </m:r>
-                      <m:r>
-                        <a:rPr lang="en-GB" b="0" i="1" smtClean="0">
-                          <a:latin typeface="Cambria Math" panose="02040503050406030204" pitchFamily="18" charset="0"/>
-                        </a:rPr>
-                        <m:t>)</m:t>
-                      </m:r>
-                    </m:oMath>
-                  </m:oMathPara>
-                </a14:m>
-                <a:endParaRPr lang="en-GB" dirty="0"/>
-              </a:p>
-            </p:txBody>
-          </p:sp>
-        </mc:Choice>
-        <mc:Fallback>
-          <p:sp>
-            <p:nvSpPr>
-              <p:cNvPr id="12" name="TextBox 11">
-                <a:extLst>
-                  <a:ext uri="{FF2B5EF4-FFF2-40B4-BE49-F238E27FC236}">
-                    <a16:creationId xmlns:a16="http://schemas.microsoft.com/office/drawing/2014/main" id="{674E9B2C-F8A3-4DA4-A1F7-793C8B01DBC5}"/>
-                  </a:ext>
-                </a:extLst>
-              </p:cNvPr>
-              <p:cNvSpPr txBox="1">
-                <a:spLocks noRot="1" noChangeAspect="1" noMove="1" noResize="1" noEditPoints="1" noAdjustHandles="1" noChangeArrowheads="1" noChangeShapeType="1" noTextEdit="1"/>
-              </p:cNvSpPr>
-              <p:nvPr/>
-            </p:nvSpPr>
-            <p:spPr>
-              <a:xfrm>
-                <a:off x="4281476" y="3395596"/>
-                <a:ext cx="810478" cy="369332"/>
-              </a:xfrm>
-              <a:prstGeom prst="rect">
-                <a:avLst/>
-              </a:prstGeom>
-              <a:blipFill>
-                <a:blip r:embed="rId6"/>
-                <a:stretch>
-                  <a:fillRect b="-13115"/>
-                </a:stretch>
-              </a:blipFill>
-            </p:spPr>
-            <p:txBody>
-              <a:bodyPr/>
-              <a:lstStyle/>
-              <a:p>
-                <a:r>
-                  <a:rPr lang="en-GB">
-                    <a:noFill/>
-                  </a:rPr>
-                  <a:t> </a:t>
-                </a:r>
-              </a:p>
-            </p:txBody>
-          </p:sp>
-        </mc:Fallback>
-      </mc:AlternateContent>
-      <mc:AlternateContent xmlns:mc="http://schemas.openxmlformats.org/markup-compatibility/2006">
-        <mc:Choice xmlns:a14="http://schemas.microsoft.com/office/drawing/2010/main" Requires="a14">
-          <p:sp>
-            <p:nvSpPr>
               <p:cNvPr id="27" name="TextBox 26">
                 <a:extLst>
                   <a:ext uri="{FF2B5EF4-FFF2-40B4-BE49-F238E27FC236}">
@@ -5958,7 +5832,7 @@
             </p:nvSpPr>
             <p:spPr>
               <a:xfrm>
-                <a:off x="1261895" y="2004306"/>
+                <a:off x="1217356" y="2029749"/>
                 <a:ext cx="455446" cy="317587"/>
               </a:xfrm>
               <a:prstGeom prst="rect">
@@ -5972,6 +5846,7 @@
               </a:bodyPr>
               <a:lstStyle/>
               <a:p>
+                <a:pPr/>
                 <a14:m>
                   <m:oMathPara xmlns:m="http://schemas.openxmlformats.org/officeDocument/2006/math">
                     <m:oMathParaPr>
@@ -6036,14 +5911,14 @@
             </p:nvSpPr>
             <p:spPr>
               <a:xfrm>
-                <a:off x="1261895" y="2004306"/>
+                <a:off x="1217356" y="2029749"/>
                 <a:ext cx="455446" cy="317587"/>
               </a:xfrm>
               <a:prstGeom prst="rect">
                 <a:avLst/>
               </a:prstGeom>
               <a:blipFill>
-                <a:blip r:embed="rId7"/>
+                <a:blip r:embed="rId6"/>
                 <a:stretch>
                   <a:fillRect/>
                 </a:stretch>
@@ -6054,7 +5929,7 @@
               <a:lstStyle/>
               <a:p>
                 <a:r>
-                  <a:rPr lang="en-GB">
+                  <a:rPr lang="en-ID">
                     <a:noFill/>
                   </a:rPr>
                   <a:t> </a:t>
@@ -6064,8 +5939,8 @@
           </p:sp>
         </mc:Fallback>
       </mc:AlternateContent>
-      <mc:AlternateContent xmlns:mc="http://schemas.openxmlformats.org/markup-compatibility/2006">
-        <mc:Choice xmlns:a14="http://schemas.microsoft.com/office/drawing/2010/main" Requires="a14">
+      <mc:AlternateContent xmlns:mc="http://schemas.openxmlformats.org/markup-compatibility/2006" xmlns:a14="http://schemas.microsoft.com/office/drawing/2010/main">
+        <mc:Choice Requires="a14">
           <p:sp>
             <p:nvSpPr>
               <p:cNvPr id="19" name="TextBox 18">
@@ -6094,6 +5969,7 @@
               </a:bodyPr>
               <a:lstStyle/>
               <a:p>
+                <a:pPr/>
                 <a14:m>
                   <m:oMathPara xmlns:m="http://schemas.openxmlformats.org/officeDocument/2006/math">
                     <m:oMathParaPr>
@@ -6141,7 +6017,7 @@
             </p:txBody>
           </p:sp>
         </mc:Choice>
-        <mc:Fallback>
+        <mc:Fallback xmlns="">
           <p:sp>
             <p:nvSpPr>
               <p:cNvPr id="19" name="TextBox 18">
@@ -6186,8 +6062,8 @@
           </p:sp>
         </mc:Fallback>
       </mc:AlternateContent>
-      <mc:AlternateContent xmlns:mc="http://schemas.openxmlformats.org/markup-compatibility/2006">
-        <mc:Choice xmlns:a14="http://schemas.microsoft.com/office/drawing/2010/main" Requires="a14">
+      <mc:AlternateContent xmlns:mc="http://schemas.openxmlformats.org/markup-compatibility/2006" xmlns:a14="http://schemas.microsoft.com/office/drawing/2010/main">
+        <mc:Choice Requires="a14">
           <p:sp>
             <p:nvSpPr>
               <p:cNvPr id="21" name="TextBox 20">
@@ -6216,6 +6092,7 @@
               </a:bodyPr>
               <a:lstStyle/>
               <a:p>
+                <a:pPr/>
                 <a14:m>
                   <m:oMathPara xmlns:m="http://schemas.openxmlformats.org/officeDocument/2006/math">
                     <m:oMathParaPr>
@@ -6263,7 +6140,7 @@
             </p:txBody>
           </p:sp>
         </mc:Choice>
-        <mc:Fallback>
+        <mc:Fallback xmlns="">
           <p:sp>
             <p:nvSpPr>
               <p:cNvPr id="21" name="TextBox 20">
@@ -6308,8 +6185,8 @@
           </p:sp>
         </mc:Fallback>
       </mc:AlternateContent>
-      <mc:AlternateContent xmlns:mc="http://schemas.openxmlformats.org/markup-compatibility/2006">
-        <mc:Choice xmlns:a14="http://schemas.microsoft.com/office/drawing/2010/main" Requires="a14">
+      <mc:AlternateContent xmlns:mc="http://schemas.openxmlformats.org/markup-compatibility/2006" xmlns:a14="http://schemas.microsoft.com/office/drawing/2010/main">
+        <mc:Choice Requires="a14">
           <p:sp>
             <p:nvSpPr>
               <p:cNvPr id="33" name="Oval 32">
@@ -6397,7 +6274,7 @@
             </p:txBody>
           </p:sp>
         </mc:Choice>
-        <mc:Fallback>
+        <mc:Fallback xmlns="">
           <p:sp>
             <p:nvSpPr>
               <p:cNvPr id="33" name="Oval 32">
@@ -6442,8 +6319,8 @@
           </p:sp>
         </mc:Fallback>
       </mc:AlternateContent>
-      <mc:AlternateContent xmlns:mc="http://schemas.openxmlformats.org/markup-compatibility/2006">
-        <mc:Choice xmlns:a14="http://schemas.microsoft.com/office/drawing/2010/main" Requires="a14">
+      <mc:AlternateContent xmlns:mc="http://schemas.openxmlformats.org/markup-compatibility/2006" xmlns:a14="http://schemas.microsoft.com/office/drawing/2010/main">
+        <mc:Choice Requires="a14">
           <p:sp>
             <p:nvSpPr>
               <p:cNvPr id="34" name="Oval 33">
@@ -6531,7 +6408,7 @@
             </p:txBody>
           </p:sp>
         </mc:Choice>
-        <mc:Fallback>
+        <mc:Fallback xmlns="">
           <p:sp>
             <p:nvSpPr>
               <p:cNvPr id="34" name="Oval 33">
@@ -6852,8 +6729,8 @@
           </a:fontRef>
         </p:style>
       </p:cxnSp>
-      <mc:AlternateContent xmlns:mc="http://schemas.openxmlformats.org/markup-compatibility/2006">
-        <mc:Choice xmlns:a14="http://schemas.microsoft.com/office/drawing/2010/main" Requires="a14">
+      <mc:AlternateContent xmlns:mc="http://schemas.openxmlformats.org/markup-compatibility/2006" xmlns:a14="http://schemas.microsoft.com/office/drawing/2010/main">
+        <mc:Choice Requires="a14">
           <p:sp>
             <p:nvSpPr>
               <p:cNvPr id="63" name="TextBox 62">
@@ -6882,6 +6759,7 @@
               </a:bodyPr>
               <a:lstStyle/>
               <a:p>
+                <a:pPr/>
                 <a14:m>
                   <m:oMathPara xmlns:m="http://schemas.openxmlformats.org/officeDocument/2006/math">
                     <m:oMathParaPr>
@@ -6929,7 +6807,7 @@
             </p:txBody>
           </p:sp>
         </mc:Choice>
-        <mc:Fallback>
+        <mc:Fallback xmlns="">
           <p:sp>
             <p:nvSpPr>
               <p:cNvPr id="63" name="TextBox 62">
@@ -6974,8 +6852,8 @@
           </p:sp>
         </mc:Fallback>
       </mc:AlternateContent>
-      <mc:AlternateContent xmlns:mc="http://schemas.openxmlformats.org/markup-compatibility/2006">
-        <mc:Choice xmlns:a14="http://schemas.microsoft.com/office/drawing/2010/main" Requires="a14">
+      <mc:AlternateContent xmlns:mc="http://schemas.openxmlformats.org/markup-compatibility/2006" xmlns:a14="http://schemas.microsoft.com/office/drawing/2010/main">
+        <mc:Choice Requires="a14">
           <p:sp>
             <p:nvSpPr>
               <p:cNvPr id="64" name="TextBox 63">
@@ -7004,6 +6882,7 @@
               </a:bodyPr>
               <a:lstStyle/>
               <a:p>
+                <a:pPr/>
                 <a14:m>
                   <m:oMathPara xmlns:m="http://schemas.openxmlformats.org/officeDocument/2006/math">
                     <m:oMathParaPr>
@@ -7051,7 +6930,7 @@
             </p:txBody>
           </p:sp>
         </mc:Choice>
-        <mc:Fallback>
+        <mc:Fallback xmlns="">
           <p:sp>
             <p:nvSpPr>
               <p:cNvPr id="64" name="TextBox 63">
@@ -7096,8 +6975,8 @@
           </p:sp>
         </mc:Fallback>
       </mc:AlternateContent>
-      <mc:AlternateContent xmlns:mc="http://schemas.openxmlformats.org/markup-compatibility/2006">
-        <mc:Choice xmlns:a14="http://schemas.microsoft.com/office/drawing/2010/main" Requires="a14">
+      <mc:AlternateContent xmlns:mc="http://schemas.openxmlformats.org/markup-compatibility/2006" xmlns:a14="http://schemas.microsoft.com/office/drawing/2010/main">
+        <mc:Choice Requires="a14">
           <p:sp>
             <p:nvSpPr>
               <p:cNvPr id="65" name="TextBox 64">
@@ -7126,6 +7005,7 @@
               </a:bodyPr>
               <a:lstStyle/>
               <a:p>
+                <a:pPr/>
                 <a14:m>
                   <m:oMathPara xmlns:m="http://schemas.openxmlformats.org/officeDocument/2006/math">
                     <m:oMathParaPr>
@@ -7173,7 +7053,7 @@
             </p:txBody>
           </p:sp>
         </mc:Choice>
-        <mc:Fallback>
+        <mc:Fallback xmlns="">
           <p:sp>
             <p:nvSpPr>
               <p:cNvPr id="65" name="TextBox 64">
@@ -7218,8 +7098,8 @@
           </p:sp>
         </mc:Fallback>
       </mc:AlternateContent>
-      <mc:AlternateContent xmlns:mc="http://schemas.openxmlformats.org/markup-compatibility/2006">
-        <mc:Choice xmlns:a14="http://schemas.microsoft.com/office/drawing/2010/main" Requires="a14">
+      <mc:AlternateContent xmlns:mc="http://schemas.openxmlformats.org/markup-compatibility/2006" xmlns:a14="http://schemas.microsoft.com/office/drawing/2010/main">
+        <mc:Choice Requires="a14">
           <p:sp>
             <p:nvSpPr>
               <p:cNvPr id="66" name="TextBox 65">
@@ -7248,6 +7128,7 @@
               </a:bodyPr>
               <a:lstStyle/>
               <a:p>
+                <a:pPr/>
                 <a14:m>
                   <m:oMathPara xmlns:m="http://schemas.openxmlformats.org/officeDocument/2006/math">
                     <m:oMathParaPr>
@@ -7295,7 +7176,7 @@
             </p:txBody>
           </p:sp>
         </mc:Choice>
-        <mc:Fallback>
+        <mc:Fallback xmlns="">
           <p:sp>
             <p:nvSpPr>
               <p:cNvPr id="66" name="TextBox 65">
@@ -7340,8 +7221,8 @@
           </p:sp>
         </mc:Fallback>
       </mc:AlternateContent>
-      <mc:AlternateContent xmlns:mc="http://schemas.openxmlformats.org/markup-compatibility/2006">
-        <mc:Choice xmlns:a14="http://schemas.microsoft.com/office/drawing/2010/main" Requires="a14">
+      <mc:AlternateContent xmlns:mc="http://schemas.openxmlformats.org/markup-compatibility/2006" xmlns:a14="http://schemas.microsoft.com/office/drawing/2010/main">
+        <mc:Choice Requires="a14">
           <p:sp>
             <p:nvSpPr>
               <p:cNvPr id="67" name="TextBox 66">
@@ -7370,6 +7251,7 @@
               </a:bodyPr>
               <a:lstStyle/>
               <a:p>
+                <a:pPr/>
                 <a14:m>
                   <m:oMathPara xmlns:m="http://schemas.openxmlformats.org/officeDocument/2006/math">
                     <m:oMathParaPr>
@@ -7417,7 +7299,7 @@
             </p:txBody>
           </p:sp>
         </mc:Choice>
-        <mc:Fallback>
+        <mc:Fallback xmlns="">
           <p:sp>
             <p:nvSpPr>
               <p:cNvPr id="67" name="TextBox 66">
@@ -7462,8 +7344,8 @@
           </p:sp>
         </mc:Fallback>
       </mc:AlternateContent>
-      <mc:AlternateContent xmlns:mc="http://schemas.openxmlformats.org/markup-compatibility/2006">
-        <mc:Choice xmlns:a14="http://schemas.microsoft.com/office/drawing/2010/main" Requires="a14">
+      <mc:AlternateContent xmlns:mc="http://schemas.openxmlformats.org/markup-compatibility/2006" xmlns:a14="http://schemas.microsoft.com/office/drawing/2010/main">
+        <mc:Choice Requires="a14">
           <p:sp>
             <p:nvSpPr>
               <p:cNvPr id="68" name="TextBox 67">
@@ -7492,6 +7374,7 @@
               </a:bodyPr>
               <a:lstStyle/>
               <a:p>
+                <a:pPr/>
                 <a14:m>
                   <m:oMathPara xmlns:m="http://schemas.openxmlformats.org/officeDocument/2006/math">
                     <m:oMathParaPr>
@@ -7539,7 +7422,7 @@
             </p:txBody>
           </p:sp>
         </mc:Choice>
-        <mc:Fallback>
+        <mc:Fallback xmlns="">
           <p:sp>
             <p:nvSpPr>
               <p:cNvPr id="68" name="TextBox 67">
@@ -7596,14 +7479,14 @@
           <p:cNvCxnSpPr>
             <a:cxnSpLocks/>
             <a:stCxn id="33" idx="6"/>
-            <a:endCxn id="12" idx="1"/>
+            <a:endCxn id="45" idx="2"/>
           </p:cNvCxnSpPr>
           <p:nvPr/>
         </p:nvCxnSpPr>
         <p:spPr>
-          <a:xfrm flipV="1">
-            <a:off x="3298702" y="3580262"/>
-            <a:ext cx="982774" cy="1"/>
+          <a:xfrm>
+            <a:off x="3298702" y="3580263"/>
+            <a:ext cx="1167869" cy="33374"/>
           </a:xfrm>
           <a:prstGeom prst="straightConnector1">
             <a:avLst/>
@@ -7642,14 +7525,14 @@
           <p:cNvCxnSpPr>
             <a:cxnSpLocks/>
             <a:stCxn id="34" idx="6"/>
-            <a:endCxn id="12" idx="1"/>
+            <a:endCxn id="45" idx="2"/>
           </p:cNvCxnSpPr>
           <p:nvPr/>
         </p:nvCxnSpPr>
         <p:spPr>
           <a:xfrm flipV="1">
-            <a:off x="3298702" y="3580262"/>
-            <a:ext cx="982774" cy="1333192"/>
+            <a:off x="3298702" y="3613637"/>
+            <a:ext cx="1167869" cy="1299817"/>
           </a:xfrm>
           <a:prstGeom prst="straightConnector1">
             <a:avLst/>
@@ -7676,8 +7559,8 @@
           </a:fontRef>
         </p:style>
       </p:cxnSp>
-      <mc:AlternateContent xmlns:mc="http://schemas.openxmlformats.org/markup-compatibility/2006">
-        <mc:Choice xmlns:a14="http://schemas.microsoft.com/office/drawing/2010/main" Requires="a14">
+      <mc:AlternateContent xmlns:mc="http://schemas.openxmlformats.org/markup-compatibility/2006" xmlns:a14="http://schemas.microsoft.com/office/drawing/2010/main">
+        <mc:Choice Requires="a14">
           <p:sp>
             <p:nvSpPr>
               <p:cNvPr id="35" name="TextBox 34">
@@ -7706,6 +7589,7 @@
               </a:bodyPr>
               <a:lstStyle/>
               <a:p>
+                <a:pPr/>
                 <a14:m>
                   <m:oMathPara xmlns:m="http://schemas.openxmlformats.org/officeDocument/2006/math">
                     <m:oMathParaPr>
@@ -7899,7 +7783,7 @@
             </p:txBody>
           </p:sp>
         </mc:Choice>
-        <mc:Fallback>
+        <mc:Fallback xmlns="">
           <p:sp>
             <p:nvSpPr>
               <p:cNvPr id="35" name="TextBox 34">
@@ -7944,8 +7828,8 @@
           </p:sp>
         </mc:Fallback>
       </mc:AlternateContent>
-      <mc:AlternateContent xmlns:mc="http://schemas.openxmlformats.org/markup-compatibility/2006">
-        <mc:Choice xmlns:a14="http://schemas.microsoft.com/office/drawing/2010/main" Requires="a14">
+      <mc:AlternateContent xmlns:mc="http://schemas.openxmlformats.org/markup-compatibility/2006" xmlns:a14="http://schemas.microsoft.com/office/drawing/2010/main">
+        <mc:Choice Requires="a14">
           <p:sp>
             <p:nvSpPr>
               <p:cNvPr id="38" name="TextBox 37">
@@ -7974,6 +7858,7 @@
               </a:bodyPr>
               <a:lstStyle/>
               <a:p>
+                <a:pPr/>
                 <a14:m>
                   <m:oMathPara xmlns:m="http://schemas.openxmlformats.org/officeDocument/2006/math">
                     <m:oMathParaPr>
@@ -8079,13 +7964,7 @@
                                             <a:rPr lang="en-GB" b="0" i="1" smtClean="0">
                                               <a:latin typeface="Cambria Math" panose="02040503050406030204" pitchFamily="18" charset="0"/>
                                             </a:rPr>
-                                            <m:t>1</m:t>
-                                          </m:r>
-                                          <m:r>
-                                            <a:rPr lang="en-GB" b="0" i="1" smtClean="0">
-                                              <a:latin typeface="Cambria Math" panose="02040503050406030204" pitchFamily="18" charset="0"/>
-                                            </a:rPr>
-                                            <m:t>,0</m:t>
+                                            <m:t>1,0</m:t>
                                           </m:r>
                                         </m:sub>
                                       </m:sSub>
@@ -8112,13 +7991,7 @@
                                             <a:rPr lang="en-GB" b="0" i="1" smtClean="0">
                                               <a:latin typeface="Cambria Math" panose="02040503050406030204" pitchFamily="18" charset="0"/>
                                             </a:rPr>
-                                            <m:t>2</m:t>
-                                          </m:r>
-                                          <m:r>
-                                            <a:rPr lang="en-GB" b="0" i="1" smtClean="0">
-                                              <a:latin typeface="Cambria Math" panose="02040503050406030204" pitchFamily="18" charset="0"/>
-                                            </a:rPr>
-                                            <m:t>,0</m:t>
+                                            <m:t>2,0</m:t>
                                           </m:r>
                                         </m:sub>
                                       </m:sSub>
@@ -8145,13 +8018,7 @@
                                             <a:rPr lang="en-GB" b="0" i="1" smtClean="0">
                                               <a:latin typeface="Cambria Math" panose="02040503050406030204" pitchFamily="18" charset="0"/>
                                             </a:rPr>
-                                            <m:t>3</m:t>
-                                          </m:r>
-                                          <m:r>
-                                            <a:rPr lang="en-GB" b="0" i="1" smtClean="0">
-                                              <a:latin typeface="Cambria Math" panose="02040503050406030204" pitchFamily="18" charset="0"/>
-                                            </a:rPr>
-                                            <m:t>,0</m:t>
+                                            <m:t>3,0</m:t>
                                           </m:r>
                                         </m:sub>
                                       </m:sSub>
@@ -8201,13 +8068,7 @@
                                             <a:rPr lang="en-GB" b="0" i="1" smtClean="0">
                                               <a:latin typeface="Cambria Math" panose="02040503050406030204" pitchFamily="18" charset="0"/>
                                             </a:rPr>
-                                            <m:t>1,</m:t>
-                                          </m:r>
-                                          <m:r>
-                                            <a:rPr lang="en-GB" b="0" i="1" smtClean="0">
-                                              <a:latin typeface="Cambria Math" panose="02040503050406030204" pitchFamily="18" charset="0"/>
-                                            </a:rPr>
-                                            <m:t>1</m:t>
+                                            <m:t>1,1</m:t>
                                           </m:r>
                                         </m:sub>
                                       </m:sSub>
@@ -8234,19 +8095,7 @@
                                             <a:rPr lang="en-GB" b="0" i="1" smtClean="0">
                                               <a:latin typeface="Cambria Math" panose="02040503050406030204" pitchFamily="18" charset="0"/>
                                             </a:rPr>
-                                            <m:t>2</m:t>
-                                          </m:r>
-                                          <m:r>
-                                            <a:rPr lang="en-GB" b="0" i="1" smtClean="0">
-                                              <a:latin typeface="Cambria Math" panose="02040503050406030204" pitchFamily="18" charset="0"/>
-                                            </a:rPr>
-                                            <m:t>,</m:t>
-                                          </m:r>
-                                          <m:r>
-                                            <a:rPr lang="en-GB" b="0" i="1" smtClean="0">
-                                              <a:latin typeface="Cambria Math" panose="02040503050406030204" pitchFamily="18" charset="0"/>
-                                            </a:rPr>
-                                            <m:t>1</m:t>
+                                            <m:t>2,1</m:t>
                                           </m:r>
                                         </m:sub>
                                       </m:sSub>
@@ -8273,19 +8122,7 @@
                                             <a:rPr lang="en-GB" b="0" i="1" smtClean="0">
                                               <a:latin typeface="Cambria Math" panose="02040503050406030204" pitchFamily="18" charset="0"/>
                                             </a:rPr>
-                                            <m:t>3</m:t>
-                                          </m:r>
-                                          <m:r>
-                                            <a:rPr lang="en-GB" b="0" i="1" smtClean="0">
-                                              <a:latin typeface="Cambria Math" panose="02040503050406030204" pitchFamily="18" charset="0"/>
-                                            </a:rPr>
-                                            <m:t>,</m:t>
-                                          </m:r>
-                                          <m:r>
-                                            <a:rPr lang="en-GB" b="0" i="1" smtClean="0">
-                                              <a:latin typeface="Cambria Math" panose="02040503050406030204" pitchFamily="18" charset="0"/>
-                                            </a:rPr>
-                                            <m:t>1</m:t>
+                                            <m:t>3,1</m:t>
                                           </m:r>
                                         </m:sub>
                                       </m:sSub>
@@ -8353,13 +8190,7 @@
                                                   <a:rPr lang="en-GB" b="0" i="1" smtClean="0">
                                                     <a:latin typeface="Cambria Math" panose="02040503050406030204" pitchFamily="18" charset="0"/>
                                                   </a:rPr>
-                                                  <m:t>1,</m:t>
-                                                </m:r>
-                                                <m:r>
-                                                  <a:rPr lang="en-GB" b="0" i="1" smtClean="0">
-                                                    <a:latin typeface="Cambria Math" panose="02040503050406030204" pitchFamily="18" charset="0"/>
-                                                  </a:rPr>
-                                                  <m:t>2</m:t>
+                                                  <m:t>1,2</m:t>
                                                 </m:r>
                                               </m:sub>
                                             </m:sSub>
@@ -8386,19 +8217,7 @@
                                                   <a:rPr lang="en-GB" b="0" i="1" smtClean="0">
                                                     <a:latin typeface="Cambria Math" panose="02040503050406030204" pitchFamily="18" charset="0"/>
                                                   </a:rPr>
-                                                  <m:t>2</m:t>
-                                                </m:r>
-                                                <m:r>
-                                                  <a:rPr lang="en-GB" b="0" i="1" smtClean="0">
-                                                    <a:latin typeface="Cambria Math" panose="02040503050406030204" pitchFamily="18" charset="0"/>
-                                                  </a:rPr>
-                                                  <m:t>,</m:t>
-                                                </m:r>
-                                                <m:r>
-                                                  <a:rPr lang="en-GB" b="0" i="1" smtClean="0">
-                                                    <a:latin typeface="Cambria Math" panose="02040503050406030204" pitchFamily="18" charset="0"/>
-                                                  </a:rPr>
-                                                  <m:t>2</m:t>
+                                                  <m:t>2,2</m:t>
                                                 </m:r>
                                               </m:sub>
                                             </m:sSub>
@@ -8425,19 +8244,7 @@
                                                   <a:rPr lang="en-GB" b="0" i="1" smtClean="0">
                                                     <a:latin typeface="Cambria Math" panose="02040503050406030204" pitchFamily="18" charset="0"/>
                                                   </a:rPr>
-                                                  <m:t>3</m:t>
-                                                </m:r>
-                                                <m:r>
-                                                  <a:rPr lang="en-GB" b="0" i="1" smtClean="0">
-                                                    <a:latin typeface="Cambria Math" panose="02040503050406030204" pitchFamily="18" charset="0"/>
-                                                  </a:rPr>
-                                                  <m:t>,</m:t>
-                                                </m:r>
-                                                <m:r>
-                                                  <a:rPr lang="en-GB" b="0" i="1" smtClean="0">
-                                                    <a:latin typeface="Cambria Math" panose="02040503050406030204" pitchFamily="18" charset="0"/>
-                                                  </a:rPr>
-                                                  <m:t>2</m:t>
+                                                  <m:t>3,2</m:t>
                                                 </m:r>
                                               </m:sub>
                                             </m:sSub>
@@ -8487,13 +8294,7 @@
                                                   <a:rPr lang="en-GB" b="0" i="1" smtClean="0">
                                                     <a:latin typeface="Cambria Math" panose="02040503050406030204" pitchFamily="18" charset="0"/>
                                                   </a:rPr>
-                                                  <m:t>1,</m:t>
-                                                </m:r>
-                                                <m:r>
-                                                  <a:rPr lang="en-GB" b="0" i="1" smtClean="0">
-                                                    <a:latin typeface="Cambria Math" panose="02040503050406030204" pitchFamily="18" charset="0"/>
-                                                  </a:rPr>
-                                                  <m:t>3</m:t>
+                                                  <m:t>1,3</m:t>
                                                 </m:r>
                                               </m:sub>
                                             </m:sSub>
@@ -8520,19 +8321,7 @@
                                                   <a:rPr lang="en-GB" b="0" i="1" smtClean="0">
                                                     <a:latin typeface="Cambria Math" panose="02040503050406030204" pitchFamily="18" charset="0"/>
                                                   </a:rPr>
-                                                  <m:t>2</m:t>
-                                                </m:r>
-                                                <m:r>
-                                                  <a:rPr lang="en-GB" b="0" i="1" smtClean="0">
-                                                    <a:latin typeface="Cambria Math" panose="02040503050406030204" pitchFamily="18" charset="0"/>
-                                                  </a:rPr>
-                                                  <m:t>,</m:t>
-                                                </m:r>
-                                                <m:r>
-                                                  <a:rPr lang="en-GB" b="0" i="1" smtClean="0">
-                                                    <a:latin typeface="Cambria Math" panose="02040503050406030204" pitchFamily="18" charset="0"/>
-                                                  </a:rPr>
-                                                  <m:t>3</m:t>
+                                                  <m:t>2,3</m:t>
                                                 </m:r>
                                               </m:sub>
                                             </m:sSub>
@@ -8559,19 +8348,7 @@
                                                   <a:rPr lang="en-GB" b="0" i="1" smtClean="0">
                                                     <a:latin typeface="Cambria Math" panose="02040503050406030204" pitchFamily="18" charset="0"/>
                                                   </a:rPr>
-                                                  <m:t>3</m:t>
-                                                </m:r>
-                                                <m:r>
-                                                  <a:rPr lang="en-GB" b="0" i="1" smtClean="0">
-                                                    <a:latin typeface="Cambria Math" panose="02040503050406030204" pitchFamily="18" charset="0"/>
-                                                  </a:rPr>
-                                                  <m:t>,</m:t>
-                                                </m:r>
-                                                <m:r>
-                                                  <a:rPr lang="en-GB" b="0" i="1" smtClean="0">
-                                                    <a:latin typeface="Cambria Math" panose="02040503050406030204" pitchFamily="18" charset="0"/>
-                                                  </a:rPr>
-                                                  <m:t>3</m:t>
+                                                  <m:t>3,3</m:t>
                                                 </m:r>
                                               </m:sub>
                                             </m:sSub>
@@ -8594,7 +8371,7 @@
             </p:txBody>
           </p:sp>
         </mc:Choice>
-        <mc:Fallback>
+        <mc:Fallback xmlns="">
           <p:sp>
             <p:nvSpPr>
               <p:cNvPr id="38" name="TextBox 37">
@@ -8685,40 +8462,19 @@
               <a:p>
                 <a:pPr algn="ctr"/>
                 <a14:m>
-                  <m:oMathPara xmlns:m="http://schemas.openxmlformats.org/officeDocument/2006/math">
-                    <m:oMathParaPr>
-                      <m:jc m:val="right"/>
-                    </m:oMathParaPr>
-                    <m:oMath xmlns:m="http://schemas.openxmlformats.org/officeDocument/2006/math">
-                      <m:sSub>
-                        <m:sSubPr>
-                          <m:ctrlPr>
-                            <a:rPr lang="en-GB" i="1" smtClean="0">
-                              <a:latin typeface="Cambria Math" panose="02040503050406030204" pitchFamily="18" charset="0"/>
-                            </a:rPr>
-                          </m:ctrlPr>
-                        </m:sSubPr>
-                        <m:e>
-                          <m:r>
-                            <a:rPr lang="en-GB" b="0" i="1" smtClean="0">
-                              <a:latin typeface="Cambria Math" panose="02040503050406030204" pitchFamily="18" charset="0"/>
-                            </a:rPr>
-                            <m:t>𝑥</m:t>
-                          </m:r>
-                        </m:e>
-                        <m:sub>
-                          <m:r>
-                            <a:rPr lang="en-GB" b="0" i="1" smtClean="0">
-                              <a:latin typeface="Cambria Math" panose="02040503050406030204" pitchFamily="18" charset="0"/>
-                            </a:rPr>
-                            <m:t>0</m:t>
-                          </m:r>
-                        </m:sub>
-                      </m:sSub>
-                    </m:oMath>
-                  </m:oMathPara>
+                  <m:oMath xmlns:m="http://schemas.openxmlformats.org/officeDocument/2006/math">
+                    <m:r>
+                      <a:rPr lang="en-US" i="1" smtClean="0">
+                        <a:latin typeface="Cambria Math" panose="02040503050406030204" pitchFamily="18" charset="0"/>
+                      </a:rPr>
+                      <m:t>1</m:t>
+                    </m:r>
+                  </m:oMath>
                 </a14:m>
-                <a:endParaRPr lang="en-GB" dirty="0"/>
+                <a:r>
+                  <a:rPr lang="en-GB" dirty="0"/>
+                  <a:t> </a:t>
+                </a:r>
               </a:p>
             </p:txBody>
           </p:sp>
@@ -8761,7 +8517,7 @@
               <a:lstStyle/>
               <a:p>
                 <a:r>
-                  <a:rPr lang="en-GB">
+                  <a:rPr lang="en-ID">
                     <a:noFill/>
                   </a:rPr>
                   <a:t> </a:t>
@@ -8818,128 +8574,6 @@
           </a:fontRef>
         </p:style>
       </p:cxnSp>
-      <mc:AlternateContent xmlns:mc="http://schemas.openxmlformats.org/markup-compatibility/2006">
-        <mc:Choice xmlns:a14="http://schemas.microsoft.com/office/drawing/2010/main" Requires="a14">
-          <p:sp>
-            <p:nvSpPr>
-              <p:cNvPr id="53" name="TextBox 52">
-                <a:extLst>
-                  <a:ext uri="{FF2B5EF4-FFF2-40B4-BE49-F238E27FC236}">
-                    <a16:creationId xmlns:a16="http://schemas.microsoft.com/office/drawing/2014/main" id="{E48A1952-ABD8-4D03-A438-12732729F67D}"/>
-                  </a:ext>
-                </a:extLst>
-              </p:cNvPr>
-              <p:cNvSpPr txBox="1"/>
-              <p:nvPr/>
-            </p:nvSpPr>
-            <p:spPr>
-              <a:xfrm>
-                <a:off x="1412983" y="1320078"/>
-                <a:ext cx="455446" cy="317587"/>
-              </a:xfrm>
-              <a:prstGeom prst="rect">
-                <a:avLst/>
-              </a:prstGeom>
-              <a:noFill/>
-            </p:spPr>
-            <p:txBody>
-              <a:bodyPr wrap="none" rtlCol="0">
-                <a:spAutoFit/>
-              </a:bodyPr>
-              <a:lstStyle/>
-              <a:p>
-                <a14:m>
-                  <m:oMathPara xmlns:m="http://schemas.openxmlformats.org/officeDocument/2006/math">
-                    <m:oMathParaPr>
-                      <m:jc m:val="centerGroup"/>
-                    </m:oMathParaPr>
-                    <m:oMath xmlns:m="http://schemas.openxmlformats.org/officeDocument/2006/math">
-                      <m:sSubSup>
-                        <m:sSubSupPr>
-                          <m:ctrlPr>
-                            <a:rPr lang="en-GB" sz="1100" i="1" dirty="0" smtClean="0">
-                              <a:latin typeface="Cambria Math" panose="02040503050406030204" pitchFamily="18" charset="0"/>
-                            </a:rPr>
-                          </m:ctrlPr>
-                        </m:sSubSupPr>
-                        <m:e>
-                          <m:r>
-                            <a:rPr lang="en-GB" sz="1100" b="0" i="1" dirty="0" smtClean="0">
-                              <a:latin typeface="Cambria Math" panose="02040503050406030204" pitchFamily="18" charset="0"/>
-                            </a:rPr>
-                            <m:t>𝜃</m:t>
-                          </m:r>
-                        </m:e>
-                        <m:sub>
-                          <m:r>
-                            <a:rPr lang="en-GB" sz="1100" b="0" i="1" dirty="0" smtClean="0">
-                              <a:latin typeface="Cambria Math" panose="02040503050406030204" pitchFamily="18" charset="0"/>
-                            </a:rPr>
-                            <m:t>1,0</m:t>
-                          </m:r>
-                        </m:sub>
-                        <m:sup>
-                          <m:r>
-                            <a:rPr lang="en-GB" sz="1100" b="0" i="1" dirty="0" smtClean="0">
-                              <a:latin typeface="Cambria Math" panose="02040503050406030204" pitchFamily="18" charset="0"/>
-                            </a:rPr>
-                            <m:t>(1)</m:t>
-                          </m:r>
-                        </m:sup>
-                      </m:sSubSup>
-                    </m:oMath>
-                  </m:oMathPara>
-                </a14:m>
-                <a:endParaRPr lang="en-GB" sz="1100" dirty="0"/>
-              </a:p>
-            </p:txBody>
-          </p:sp>
-        </mc:Choice>
-        <mc:Fallback>
-          <p:sp>
-            <p:nvSpPr>
-              <p:cNvPr id="53" name="TextBox 52">
-                <a:extLst>
-                  <a:ext uri="{FF2B5EF4-FFF2-40B4-BE49-F238E27FC236}">
-                    <a16:creationId xmlns:a16="http://schemas.microsoft.com/office/drawing/2014/main" id="{E48A1952-ABD8-4D03-A438-12732729F67D}"/>
-                  </a:ext>
-                </a:extLst>
-              </p:cNvPr>
-              <p:cNvSpPr txBox="1">
-                <a:spLocks noRot="1" noChangeAspect="1" noMove="1" noResize="1" noEditPoints="1" noAdjustHandles="1" noChangeArrowheads="1" noChangeShapeType="1" noTextEdit="1"/>
-              </p:cNvSpPr>
-              <p:nvPr/>
-            </p:nvSpPr>
-            <p:spPr>
-              <a:xfrm>
-                <a:off x="1412983" y="1320078"/>
-                <a:ext cx="455446" cy="317587"/>
-              </a:xfrm>
-              <a:prstGeom prst="rect">
-                <a:avLst/>
-              </a:prstGeom>
-              <a:blipFill>
-                <a:blip r:embed="rId21"/>
-                <a:stretch>
-                  <a:fillRect/>
-                </a:stretch>
-              </a:blipFill>
-            </p:spPr>
-            <p:txBody>
-              <a:bodyPr/>
-              <a:lstStyle/>
-              <a:p>
-                <a:r>
-                  <a:rPr lang="en-GB">
-                    <a:noFill/>
-                  </a:rPr>
-                  <a:t> </a:t>
-                </a:r>
-              </a:p>
-            </p:txBody>
-          </p:sp>
-        </mc:Fallback>
-      </mc:AlternateContent>
       <p:cxnSp>
         <p:nvCxnSpPr>
           <p:cNvPr id="54" name="Straight Arrow Connector 53">
@@ -9050,8 +8684,8 @@
             </p:nvSpPr>
             <p:spPr>
               <a:xfrm>
-                <a:off x="1522146" y="1742358"/>
-                <a:ext cx="455446" cy="317587"/>
+                <a:off x="1498330" y="1698532"/>
+                <a:ext cx="448200" cy="303929"/>
               </a:xfrm>
               <a:prstGeom prst="rect">
                 <a:avLst/>
@@ -9064,6 +8698,7 @@
               </a:bodyPr>
               <a:lstStyle/>
               <a:p>
+                <a:pPr/>
                 <a14:m>
                   <m:oMathPara xmlns:m="http://schemas.openxmlformats.org/officeDocument/2006/math">
                     <m:oMathParaPr>
@@ -9080,10 +8715,10 @@
                         </m:sSubSupPr>
                         <m:e>
                           <m:r>
-                            <a:rPr lang="en-GB" sz="1100" b="0" i="1" dirty="0" smtClean="0">
-                              <a:latin typeface="Cambria Math" panose="02040503050406030204" pitchFamily="18" charset="0"/>
-                            </a:rPr>
-                            <m:t>𝜃</m:t>
+                            <a:rPr lang="en-US" sz="1100" b="0" i="1" dirty="0" smtClean="0">
+                              <a:latin typeface="Cambria Math" panose="02040503050406030204" pitchFamily="18" charset="0"/>
+                            </a:rPr>
+                            <m:t>𝑏</m:t>
                           </m:r>
                         </m:e>
                         <m:sub>
@@ -9091,7 +8726,7 @@
                             <a:rPr lang="en-GB" sz="1100" b="0" i="1" dirty="0" smtClean="0">
                               <a:latin typeface="Cambria Math" panose="02040503050406030204" pitchFamily="18" charset="0"/>
                             </a:rPr>
-                            <m:t>2,0</m:t>
+                            <m:t>2</m:t>
                           </m:r>
                         </m:sub>
                         <m:sup>
@@ -9128,14 +8763,14 @@
             </p:nvSpPr>
             <p:spPr>
               <a:xfrm>
-                <a:off x="1522146" y="1742358"/>
-                <a:ext cx="455446" cy="317587"/>
+                <a:off x="1498330" y="1698532"/>
+                <a:ext cx="448200" cy="303929"/>
               </a:xfrm>
               <a:prstGeom prst="rect">
                 <a:avLst/>
               </a:prstGeom>
               <a:blipFill>
-                <a:blip r:embed="rId22"/>
+                <a:blip r:embed="rId21"/>
                 <a:stretch>
                   <a:fillRect/>
                 </a:stretch>
@@ -9146,7 +8781,7 @@
               <a:lstStyle/>
               <a:p>
                 <a:r>
-                  <a:rPr lang="en-GB">
+                  <a:rPr lang="en-ID">
                     <a:noFill/>
                   </a:rPr>
                   <a:t> </a:t>
@@ -9172,8 +8807,8 @@
             </p:nvSpPr>
             <p:spPr>
               <a:xfrm>
-                <a:off x="1046905" y="1680175"/>
-                <a:ext cx="455446" cy="317587"/>
+                <a:off x="1061206" y="1680448"/>
+                <a:ext cx="448200" cy="304763"/>
               </a:xfrm>
               <a:prstGeom prst="rect">
                 <a:avLst/>
@@ -9186,6 +8821,7 @@
               </a:bodyPr>
               <a:lstStyle/>
               <a:p>
+                <a:pPr/>
                 <a14:m>
                   <m:oMathPara xmlns:m="http://schemas.openxmlformats.org/officeDocument/2006/math">
                     <m:oMathParaPr>
@@ -9202,10 +8838,10 @@
                         </m:sSubSupPr>
                         <m:e>
                           <m:r>
-                            <a:rPr lang="en-GB" sz="1100" b="0" i="1" dirty="0" smtClean="0">
-                              <a:latin typeface="Cambria Math" panose="02040503050406030204" pitchFamily="18" charset="0"/>
-                            </a:rPr>
-                            <m:t>𝜃</m:t>
+                            <a:rPr lang="en-US" sz="1100" b="0" i="1" dirty="0" smtClean="0">
+                              <a:latin typeface="Cambria Math" panose="02040503050406030204" pitchFamily="18" charset="0"/>
+                            </a:rPr>
+                            <m:t>𝑏</m:t>
                           </m:r>
                         </m:e>
                         <m:sub>
@@ -9213,7 +8849,7 @@
                             <a:rPr lang="en-GB" sz="1100" b="0" i="1" dirty="0" smtClean="0">
                               <a:latin typeface="Cambria Math" panose="02040503050406030204" pitchFamily="18" charset="0"/>
                             </a:rPr>
-                            <m:t>3,0</m:t>
+                            <m:t>3</m:t>
                           </m:r>
                         </m:sub>
                         <m:sup>
@@ -9250,14 +8886,14 @@
             </p:nvSpPr>
             <p:spPr>
               <a:xfrm>
-                <a:off x="1046905" y="1680175"/>
-                <a:ext cx="455446" cy="317587"/>
+                <a:off x="1061206" y="1680448"/>
+                <a:ext cx="448200" cy="304763"/>
               </a:xfrm>
               <a:prstGeom prst="rect">
                 <a:avLst/>
               </a:prstGeom>
               <a:blipFill>
-                <a:blip r:embed="rId23"/>
+                <a:blip r:embed="rId22"/>
                 <a:stretch>
                   <a:fillRect/>
                 </a:stretch>
@@ -9268,7 +8904,7 @@
               <a:lstStyle/>
               <a:p>
                 <a:r>
-                  <a:rPr lang="en-GB">
+                  <a:rPr lang="en-ID">
                     <a:noFill/>
                   </a:rPr>
                   <a:t> </a:t>
@@ -9278,8 +8914,8 @@
           </p:sp>
         </mc:Fallback>
       </mc:AlternateContent>
-      <mc:AlternateContent xmlns:mc="http://schemas.openxmlformats.org/markup-compatibility/2006">
-        <mc:Choice xmlns:a14="http://schemas.microsoft.com/office/drawing/2010/main" Requires="a14">
+      <mc:AlternateContent xmlns:mc="http://schemas.openxmlformats.org/markup-compatibility/2006" xmlns:a14="http://schemas.microsoft.com/office/drawing/2010/main">
+        <mc:Choice Requires="a14">
           <p:sp>
             <p:nvSpPr>
               <p:cNvPr id="60" name="TextBox 59">
@@ -9308,6 +8944,7 @@
               </a:bodyPr>
               <a:lstStyle/>
               <a:p>
+                <a:pPr/>
                 <a14:m>
                   <m:oMathPara xmlns:m="http://schemas.openxmlformats.org/officeDocument/2006/math">
                     <m:oMathParaPr>
@@ -9432,13 +9069,7 @@
                                             <a:rPr lang="en-GB" b="0" i="1" smtClean="0">
                                               <a:latin typeface="Cambria Math" panose="02040503050406030204" pitchFamily="18" charset="0"/>
                                             </a:rPr>
-                                            <m:t>1</m:t>
-                                          </m:r>
-                                          <m:r>
-                                            <a:rPr lang="en-GB" b="0" i="1" smtClean="0">
-                                              <a:latin typeface="Cambria Math" panose="02040503050406030204" pitchFamily="18" charset="0"/>
-                                            </a:rPr>
-                                            <m:t>,0</m:t>
+                                            <m:t>1,0</m:t>
                                           </m:r>
                                         </m:sub>
                                       </m:sSub>
@@ -9465,19 +9096,7 @@
                                             <a:rPr lang="en-GB" b="0" i="1" smtClean="0">
                                               <a:latin typeface="Cambria Math" panose="02040503050406030204" pitchFamily="18" charset="0"/>
                                             </a:rPr>
-                                            <m:t>1</m:t>
-                                          </m:r>
-                                          <m:r>
-                                            <a:rPr lang="en-GB" b="0" i="1" smtClean="0">
-                                              <a:latin typeface="Cambria Math" panose="02040503050406030204" pitchFamily="18" charset="0"/>
-                                            </a:rPr>
-                                            <m:t>,</m:t>
-                                          </m:r>
-                                          <m:r>
-                                            <a:rPr lang="en-GB" b="0" i="1" smtClean="0">
-                                              <a:latin typeface="Cambria Math" panose="02040503050406030204" pitchFamily="18" charset="0"/>
-                                            </a:rPr>
-                                            <m:t>1</m:t>
+                                            <m:t>1,1</m:t>
                                           </m:r>
                                         </m:sub>
                                       </m:sSub>
@@ -9522,19 +9141,7 @@
                                                   <a:rPr lang="en-GB" b="0" i="1" smtClean="0">
                                                     <a:latin typeface="Cambria Math" panose="02040503050406030204" pitchFamily="18" charset="0"/>
                                                   </a:rPr>
-                                                  <m:t>1</m:t>
-                                                </m:r>
-                                                <m:r>
-                                                  <a:rPr lang="en-GB" b="0" i="1" smtClean="0">
-                                                    <a:latin typeface="Cambria Math" panose="02040503050406030204" pitchFamily="18" charset="0"/>
-                                                  </a:rPr>
-                                                  <m:t>,</m:t>
-                                                </m:r>
-                                                <m:r>
-                                                  <a:rPr lang="en-GB" b="0" i="1" smtClean="0">
-                                                    <a:latin typeface="Cambria Math" panose="02040503050406030204" pitchFamily="18" charset="0"/>
-                                                  </a:rPr>
-                                                  <m:t>2</m:t>
+                                                  <m:t>1,2</m:t>
                                                 </m:r>
                                               </m:sub>
                                             </m:sSub>
@@ -9561,19 +9168,7 @@
                                                   <a:rPr lang="en-GB" b="0" i="1" smtClean="0">
                                                     <a:latin typeface="Cambria Math" panose="02040503050406030204" pitchFamily="18" charset="0"/>
                                                   </a:rPr>
-                                                  <m:t>1</m:t>
-                                                </m:r>
-                                                <m:r>
-                                                  <a:rPr lang="en-GB" b="0" i="1" smtClean="0">
-                                                    <a:latin typeface="Cambria Math" panose="02040503050406030204" pitchFamily="18" charset="0"/>
-                                                  </a:rPr>
-                                                  <m:t>,</m:t>
-                                                </m:r>
-                                                <m:r>
-                                                  <a:rPr lang="en-GB" b="0" i="1" smtClean="0">
-                                                    <a:latin typeface="Cambria Math" panose="02040503050406030204" pitchFamily="18" charset="0"/>
-                                                  </a:rPr>
-                                                  <m:t>3</m:t>
+                                                  <m:t>1,3</m:t>
                                                 </m:r>
                                               </m:sub>
                                             </m:sSub>
@@ -9626,19 +9221,7 @@
                                             <a:rPr lang="en-GB" b="0" i="1" smtClean="0">
                                               <a:latin typeface="Cambria Math" panose="02040503050406030204" pitchFamily="18" charset="0"/>
                                             </a:rPr>
-                                            <m:t>2</m:t>
-                                          </m:r>
-                                          <m:r>
-                                            <a:rPr lang="en-GB" b="0" i="1" smtClean="0">
-                                              <a:latin typeface="Cambria Math" panose="02040503050406030204" pitchFamily="18" charset="0"/>
-                                            </a:rPr>
-                                            <m:t>,</m:t>
-                                          </m:r>
-                                          <m:r>
-                                            <a:rPr lang="en-GB" b="0" i="1" smtClean="0">
-                                              <a:latin typeface="Cambria Math" panose="02040503050406030204" pitchFamily="18" charset="0"/>
-                                            </a:rPr>
-                                            <m:t>0</m:t>
+                                            <m:t>2,0</m:t>
                                           </m:r>
                                         </m:sub>
                                       </m:sSub>
@@ -9665,19 +9248,7 @@
                                             <a:rPr lang="en-GB" b="0" i="1" smtClean="0">
                                               <a:latin typeface="Cambria Math" panose="02040503050406030204" pitchFamily="18" charset="0"/>
                                             </a:rPr>
-                                            <m:t>2</m:t>
-                                          </m:r>
-                                          <m:r>
-                                            <a:rPr lang="en-GB" b="0" i="1" smtClean="0">
-                                              <a:latin typeface="Cambria Math" panose="02040503050406030204" pitchFamily="18" charset="0"/>
-                                            </a:rPr>
-                                            <m:t>,</m:t>
-                                          </m:r>
-                                          <m:r>
-                                            <a:rPr lang="en-GB" b="0" i="1" smtClean="0">
-                                              <a:latin typeface="Cambria Math" panose="02040503050406030204" pitchFamily="18" charset="0"/>
-                                            </a:rPr>
-                                            <m:t>1</m:t>
+                                            <m:t>2,1</m:t>
                                           </m:r>
                                         </m:sub>
                                       </m:sSub>
@@ -9722,13 +9293,7 @@
                                                   <a:rPr lang="en-GB" b="0" i="1" smtClean="0">
                                                     <a:latin typeface="Cambria Math" panose="02040503050406030204" pitchFamily="18" charset="0"/>
                                                   </a:rPr>
-                                                  <m:t>2,</m:t>
-                                                </m:r>
-                                                <m:r>
-                                                  <a:rPr lang="en-GB" b="0" i="1" smtClean="0">
-                                                    <a:latin typeface="Cambria Math" panose="02040503050406030204" pitchFamily="18" charset="0"/>
-                                                  </a:rPr>
-                                                  <m:t>2</m:t>
+                                                  <m:t>2,2</m:t>
                                                 </m:r>
                                               </m:sub>
                                             </m:sSub>
@@ -9755,13 +9320,7 @@
                                                   <a:rPr lang="en-GB" b="0" i="1" smtClean="0">
                                                     <a:latin typeface="Cambria Math" panose="02040503050406030204" pitchFamily="18" charset="0"/>
                                                   </a:rPr>
-                                                  <m:t>2,</m:t>
-                                                </m:r>
-                                                <m:r>
-                                                  <a:rPr lang="en-GB" b="0" i="1" smtClean="0">
-                                                    <a:latin typeface="Cambria Math" panose="02040503050406030204" pitchFamily="18" charset="0"/>
-                                                  </a:rPr>
-                                                  <m:t>3</m:t>
+                                                  <m:t>2,3</m:t>
                                                 </m:r>
                                               </m:sub>
                                             </m:sSub>
@@ -9814,13 +9373,7 @@
                                             <a:rPr lang="en-GB" b="0" i="1" smtClean="0">
                                               <a:latin typeface="Cambria Math" panose="02040503050406030204" pitchFamily="18" charset="0"/>
                                             </a:rPr>
-                                            <m:t>3</m:t>
-                                          </m:r>
-                                          <m:r>
-                                            <a:rPr lang="en-GB" b="0" i="1" smtClean="0">
-                                              <a:latin typeface="Cambria Math" panose="02040503050406030204" pitchFamily="18" charset="0"/>
-                                            </a:rPr>
-                                            <m:t>,0</m:t>
+                                            <m:t>3,0</m:t>
                                           </m:r>
                                         </m:sub>
                                       </m:sSub>
@@ -9847,19 +9400,7 @@
                                             <a:rPr lang="en-GB" b="0" i="1" smtClean="0">
                                               <a:latin typeface="Cambria Math" panose="02040503050406030204" pitchFamily="18" charset="0"/>
                                             </a:rPr>
-                                            <m:t>3</m:t>
-                                          </m:r>
-                                          <m:r>
-                                            <a:rPr lang="en-GB" b="0" i="1" smtClean="0">
-                                              <a:latin typeface="Cambria Math" panose="02040503050406030204" pitchFamily="18" charset="0"/>
-                                            </a:rPr>
-                                            <m:t>,</m:t>
-                                          </m:r>
-                                          <m:r>
-                                            <a:rPr lang="en-GB" b="0" i="1" smtClean="0">
-                                              <a:latin typeface="Cambria Math" panose="02040503050406030204" pitchFamily="18" charset="0"/>
-                                            </a:rPr>
-                                            <m:t>1</m:t>
+                                            <m:t>3,1</m:t>
                                           </m:r>
                                         </m:sub>
                                       </m:sSub>
@@ -9904,19 +9445,7 @@
                                                   <a:rPr lang="en-GB" b="0" i="1" smtClean="0">
                                                     <a:latin typeface="Cambria Math" panose="02040503050406030204" pitchFamily="18" charset="0"/>
                                                   </a:rPr>
-                                                  <m:t>3</m:t>
-                                                </m:r>
-                                                <m:r>
-                                                  <a:rPr lang="en-GB" b="0" i="1" smtClean="0">
-                                                    <a:latin typeface="Cambria Math" panose="02040503050406030204" pitchFamily="18" charset="0"/>
-                                                  </a:rPr>
-                                                  <m:t>,</m:t>
-                                                </m:r>
-                                                <m:r>
-                                                  <a:rPr lang="en-GB" b="0" i="1" smtClean="0">
-                                                    <a:latin typeface="Cambria Math" panose="02040503050406030204" pitchFamily="18" charset="0"/>
-                                                  </a:rPr>
-                                                  <m:t>2</m:t>
+                                                  <m:t>3,2</m:t>
                                                 </m:r>
                                               </m:sub>
                                             </m:sSub>
@@ -9943,19 +9472,7 @@
                                                   <a:rPr lang="en-GB" b="0" i="1" smtClean="0">
                                                     <a:latin typeface="Cambria Math" panose="02040503050406030204" pitchFamily="18" charset="0"/>
                                                   </a:rPr>
-                                                  <m:t>3</m:t>
-                                                </m:r>
-                                                <m:r>
-                                                  <a:rPr lang="en-GB" b="0" i="1" smtClean="0">
-                                                    <a:latin typeface="Cambria Math" panose="02040503050406030204" pitchFamily="18" charset="0"/>
-                                                  </a:rPr>
-                                                  <m:t>,</m:t>
-                                                </m:r>
-                                                <m:r>
-                                                  <a:rPr lang="en-GB" b="0" i="1" smtClean="0">
-                                                    <a:latin typeface="Cambria Math" panose="02040503050406030204" pitchFamily="18" charset="0"/>
-                                                  </a:rPr>
-                                                  <m:t>3</m:t>
+                                                  <m:t>3,3</m:t>
                                                 </m:r>
                                               </m:sub>
                                             </m:sSub>
@@ -9978,7 +9495,7 @@
             </p:txBody>
           </p:sp>
         </mc:Choice>
-        <mc:Fallback>
+        <mc:Fallback xmlns="">
           <p:sp>
             <p:nvSpPr>
               <p:cNvPr id="60" name="TextBox 59">
@@ -10023,8 +9540,8 @@
           </p:sp>
         </mc:Fallback>
       </mc:AlternateContent>
-      <mc:AlternateContent xmlns:mc="http://schemas.openxmlformats.org/markup-compatibility/2006">
-        <mc:Choice xmlns:a14="http://schemas.microsoft.com/office/drawing/2010/main" Requires="a14">
+      <mc:AlternateContent xmlns:mc="http://schemas.openxmlformats.org/markup-compatibility/2006" xmlns:a14="http://schemas.microsoft.com/office/drawing/2010/main">
+        <mc:Choice Requires="a14">
           <p:sp>
             <p:nvSpPr>
               <p:cNvPr id="3" name="Rectangle 2">
@@ -10052,6 +9569,7 @@
               </a:bodyPr>
               <a:lstStyle/>
               <a:p>
+                <a:pPr/>
                 <a14:m>
                   <m:oMathPara xmlns:m="http://schemas.openxmlformats.org/officeDocument/2006/math">
                     <m:oMathParaPr>
@@ -10756,7 +10274,7 @@
             </p:txBody>
           </p:sp>
         </mc:Choice>
-        <mc:Fallback>
+        <mc:Fallback xmlns="">
           <p:sp>
             <p:nvSpPr>
               <p:cNvPr id="3" name="Rectangle 2">
@@ -10801,6 +10319,991 @@
           </p:sp>
         </mc:Fallback>
       </mc:AlternateContent>
+      <mc:AlternateContent xmlns:mc="http://schemas.openxmlformats.org/markup-compatibility/2006">
+        <mc:Choice xmlns:a14="http://schemas.microsoft.com/office/drawing/2010/main" Requires="a14">
+          <p:sp>
+            <p:nvSpPr>
+              <p:cNvPr id="45" name="Oval 44">
+                <a:extLst>
+                  <a:ext uri="{FF2B5EF4-FFF2-40B4-BE49-F238E27FC236}">
+                    <a16:creationId xmlns:a16="http://schemas.microsoft.com/office/drawing/2014/main" id="{254F6B0C-D39B-42AF-B0F2-2468CACDAE25}"/>
+                  </a:ext>
+                </a:extLst>
+              </p:cNvPr>
+              <p:cNvSpPr/>
+              <p:nvPr/>
+            </p:nvSpPr>
+            <p:spPr>
+              <a:xfrm>
+                <a:off x="4466571" y="3312194"/>
+                <a:ext cx="595619" cy="602885"/>
+              </a:xfrm>
+              <a:prstGeom prst="ellipse">
+                <a:avLst/>
+              </a:prstGeom>
+            </p:spPr>
+            <p:style>
+              <a:lnRef idx="2">
+                <a:schemeClr val="dk1"/>
+              </a:lnRef>
+              <a:fillRef idx="1">
+                <a:schemeClr val="lt1"/>
+              </a:fillRef>
+              <a:effectRef idx="0">
+                <a:schemeClr val="dk1"/>
+              </a:effectRef>
+              <a:fontRef idx="minor">
+                <a:schemeClr val="dk1"/>
+              </a:fontRef>
+            </p:style>
+            <p:txBody>
+              <a:bodyPr rtlCol="0" anchor="ctr"/>
+              <a:lstStyle/>
+              <a:p>
+                <a:pPr algn="ctr"/>
+                <a14:m>
+                  <m:oMathPara xmlns:m="http://schemas.openxmlformats.org/officeDocument/2006/math">
+                    <m:oMathParaPr>
+                      <m:jc m:val="right"/>
+                    </m:oMathParaPr>
+                    <m:oMath xmlns:m="http://schemas.openxmlformats.org/officeDocument/2006/math">
+                      <m:sSubSup>
+                        <m:sSubSupPr>
+                          <m:ctrlPr>
+                            <a:rPr lang="en-GB" i="1" smtClean="0">
+                              <a:latin typeface="Cambria Math" panose="02040503050406030204" pitchFamily="18" charset="0"/>
+                            </a:rPr>
+                          </m:ctrlPr>
+                        </m:sSubSupPr>
+                        <m:e>
+                          <m:r>
+                            <a:rPr lang="en-GB" b="0" i="1" smtClean="0">
+                              <a:latin typeface="Cambria Math" panose="02040503050406030204" pitchFamily="18" charset="0"/>
+                            </a:rPr>
+                            <m:t>𝑎</m:t>
+                          </m:r>
+                        </m:e>
+                        <m:sub>
+                          <m:r>
+                            <a:rPr lang="en-US" b="0" i="1" smtClean="0">
+                              <a:latin typeface="Cambria Math" panose="02040503050406030204" pitchFamily="18" charset="0"/>
+                            </a:rPr>
+                            <m:t>1</m:t>
+                          </m:r>
+                        </m:sub>
+                        <m:sup>
+                          <m:r>
+                            <a:rPr lang="en-GB" b="0" i="1" smtClean="0">
+                              <a:latin typeface="Cambria Math" panose="02040503050406030204" pitchFamily="18" charset="0"/>
+                            </a:rPr>
+                            <m:t>(</m:t>
+                          </m:r>
+                          <m:r>
+                            <a:rPr lang="en-US" b="0" i="1" smtClean="0">
+                              <a:latin typeface="Cambria Math" panose="02040503050406030204" pitchFamily="18" charset="0"/>
+                            </a:rPr>
+                            <m:t>3</m:t>
+                          </m:r>
+                          <m:r>
+                            <a:rPr lang="en-GB" b="0" i="1" smtClean="0">
+                              <a:latin typeface="Cambria Math" panose="02040503050406030204" pitchFamily="18" charset="0"/>
+                            </a:rPr>
+                            <m:t>)</m:t>
+                          </m:r>
+                        </m:sup>
+                      </m:sSubSup>
+                    </m:oMath>
+                  </m:oMathPara>
+                </a14:m>
+                <a:endParaRPr lang="en-GB" dirty="0"/>
+              </a:p>
+            </p:txBody>
+          </p:sp>
+        </mc:Choice>
+        <mc:Fallback>
+          <p:sp>
+            <p:nvSpPr>
+              <p:cNvPr id="45" name="Oval 44">
+                <a:extLst>
+                  <a:ext uri="{FF2B5EF4-FFF2-40B4-BE49-F238E27FC236}">
+                    <a16:creationId xmlns:a16="http://schemas.microsoft.com/office/drawing/2014/main" id="{254F6B0C-D39B-42AF-B0F2-2468CACDAE25}"/>
+                  </a:ext>
+                </a:extLst>
+              </p:cNvPr>
+              <p:cNvSpPr>
+                <a:spLocks noRot="1" noChangeAspect="1" noMove="1" noResize="1" noEditPoints="1" noAdjustHandles="1" noChangeArrowheads="1" noChangeShapeType="1" noTextEdit="1"/>
+              </p:cNvSpPr>
+              <p:nvPr/>
+            </p:nvSpPr>
+            <p:spPr>
+              <a:xfrm>
+                <a:off x="4466571" y="3312194"/>
+                <a:ext cx="595619" cy="602885"/>
+              </a:xfrm>
+              <a:prstGeom prst="ellipse">
+                <a:avLst/>
+              </a:prstGeom>
+              <a:blipFill>
+                <a:blip r:embed="rId26"/>
+                <a:stretch>
+                  <a:fillRect r="-7071"/>
+                </a:stretch>
+              </a:blipFill>
+            </p:spPr>
+            <p:txBody>
+              <a:bodyPr/>
+              <a:lstStyle/>
+              <a:p>
+                <a:r>
+                  <a:rPr lang="en-ID">
+                    <a:noFill/>
+                  </a:rPr>
+                  <a:t> </a:t>
+                </a:r>
+              </a:p>
+            </p:txBody>
+          </p:sp>
+        </mc:Fallback>
+      </mc:AlternateContent>
+      <mc:AlternateContent xmlns:mc="http://schemas.openxmlformats.org/markup-compatibility/2006">
+        <mc:Choice xmlns:a14="http://schemas.microsoft.com/office/drawing/2010/main" Requires="a14">
+          <p:sp>
+            <p:nvSpPr>
+              <p:cNvPr id="46" name="Oval 45">
+                <a:extLst>
+                  <a:ext uri="{FF2B5EF4-FFF2-40B4-BE49-F238E27FC236}">
+                    <a16:creationId xmlns:a16="http://schemas.microsoft.com/office/drawing/2014/main" id="{8BF81C84-15A1-4B78-BB56-C380F1BC39E7}"/>
+                  </a:ext>
+                </a:extLst>
+              </p:cNvPr>
+              <p:cNvSpPr/>
+              <p:nvPr/>
+            </p:nvSpPr>
+            <p:spPr>
+              <a:xfrm>
+                <a:off x="2659854" y="1240964"/>
+                <a:ext cx="595619" cy="602885"/>
+              </a:xfrm>
+              <a:prstGeom prst="ellipse">
+                <a:avLst/>
+              </a:prstGeom>
+              <a:ln w="3175">
+                <a:prstDash val="lgDash"/>
+              </a:ln>
+            </p:spPr>
+            <p:style>
+              <a:lnRef idx="2">
+                <a:schemeClr val="dk1"/>
+              </a:lnRef>
+              <a:fillRef idx="1">
+                <a:schemeClr val="lt1"/>
+              </a:fillRef>
+              <a:effectRef idx="0">
+                <a:schemeClr val="dk1"/>
+              </a:effectRef>
+              <a:fontRef idx="minor">
+                <a:schemeClr val="dk1"/>
+              </a:fontRef>
+            </p:style>
+            <p:txBody>
+              <a:bodyPr rtlCol="0" anchor="ctr"/>
+              <a:lstStyle/>
+              <a:p>
+                <a:pPr algn="ctr"/>
+                <a14:m>
+                  <m:oMath xmlns:m="http://schemas.openxmlformats.org/officeDocument/2006/math">
+                    <m:r>
+                      <a:rPr lang="en-US" i="1" smtClean="0">
+                        <a:latin typeface="Cambria Math" panose="02040503050406030204" pitchFamily="18" charset="0"/>
+                      </a:rPr>
+                      <m:t>1</m:t>
+                    </m:r>
+                  </m:oMath>
+                </a14:m>
+                <a:r>
+                  <a:rPr lang="en-GB" dirty="0"/>
+                  <a:t>  </a:t>
+                </a:r>
+              </a:p>
+            </p:txBody>
+          </p:sp>
+        </mc:Choice>
+        <mc:Fallback>
+          <p:sp>
+            <p:nvSpPr>
+              <p:cNvPr id="46" name="Oval 45">
+                <a:extLst>
+                  <a:ext uri="{FF2B5EF4-FFF2-40B4-BE49-F238E27FC236}">
+                    <a16:creationId xmlns:a16="http://schemas.microsoft.com/office/drawing/2014/main" id="{8BF81C84-15A1-4B78-BB56-C380F1BC39E7}"/>
+                  </a:ext>
+                </a:extLst>
+              </p:cNvPr>
+              <p:cNvSpPr>
+                <a:spLocks noRot="1" noChangeAspect="1" noMove="1" noResize="1" noEditPoints="1" noAdjustHandles="1" noChangeArrowheads="1" noChangeShapeType="1" noTextEdit="1"/>
+              </p:cNvSpPr>
+              <p:nvPr/>
+            </p:nvSpPr>
+            <p:spPr>
+              <a:xfrm>
+                <a:off x="2659854" y="1240964"/>
+                <a:ext cx="595619" cy="602885"/>
+              </a:xfrm>
+              <a:prstGeom prst="ellipse">
+                <a:avLst/>
+              </a:prstGeom>
+              <a:blipFill>
+                <a:blip r:embed="rId27"/>
+                <a:stretch>
+                  <a:fillRect/>
+                </a:stretch>
+              </a:blipFill>
+              <a:ln w="3175">
+                <a:prstDash val="lgDash"/>
+              </a:ln>
+            </p:spPr>
+            <p:txBody>
+              <a:bodyPr/>
+              <a:lstStyle/>
+              <a:p>
+                <a:r>
+                  <a:rPr lang="en-ID">
+                    <a:noFill/>
+                  </a:rPr>
+                  <a:t> </a:t>
+                </a:r>
+              </a:p>
+            </p:txBody>
+          </p:sp>
+        </mc:Fallback>
+      </mc:AlternateContent>
+      <p:cxnSp>
+        <p:nvCxnSpPr>
+          <p:cNvPr id="48" name="Straight Arrow Connector 47">
+            <a:extLst>
+              <a:ext uri="{FF2B5EF4-FFF2-40B4-BE49-F238E27FC236}">
+                <a16:creationId xmlns:a16="http://schemas.microsoft.com/office/drawing/2014/main" id="{10C4B6EA-7068-43A7-B41F-251054F37D21}"/>
+              </a:ext>
+            </a:extLst>
+          </p:cNvPr>
+          <p:cNvCxnSpPr>
+            <a:cxnSpLocks/>
+            <a:stCxn id="46" idx="6"/>
+            <a:endCxn id="45" idx="2"/>
+          </p:cNvCxnSpPr>
+          <p:nvPr/>
+        </p:nvCxnSpPr>
+        <p:spPr>
+          <a:xfrm>
+            <a:off x="3255473" y="1542407"/>
+            <a:ext cx="1211098" cy="2071230"/>
+          </a:xfrm>
+          <a:prstGeom prst="straightConnector1">
+            <a:avLst/>
+          </a:prstGeom>
+          <a:ln>
+            <a:solidFill>
+              <a:schemeClr val="tx1"/>
+            </a:solidFill>
+            <a:prstDash val="dash"/>
+            <a:tailEnd type="triangle"/>
+          </a:ln>
+        </p:spPr>
+        <p:style>
+          <a:lnRef idx="1">
+            <a:schemeClr val="dk1"/>
+          </a:lnRef>
+          <a:fillRef idx="0">
+            <a:schemeClr val="dk1"/>
+          </a:fillRef>
+          <a:effectRef idx="0">
+            <a:schemeClr val="dk1"/>
+          </a:effectRef>
+          <a:fontRef idx="minor">
+            <a:schemeClr val="tx1"/>
+          </a:fontRef>
+        </p:style>
+      </p:cxnSp>
+      <mc:AlternateContent xmlns:mc="http://schemas.openxmlformats.org/markup-compatibility/2006">
+        <mc:Choice xmlns:a14="http://schemas.microsoft.com/office/drawing/2010/main" Requires="a14">
+          <p:sp>
+            <p:nvSpPr>
+              <p:cNvPr id="61" name="TextBox 60">
+                <a:extLst>
+                  <a:ext uri="{FF2B5EF4-FFF2-40B4-BE49-F238E27FC236}">
+                    <a16:creationId xmlns:a16="http://schemas.microsoft.com/office/drawing/2014/main" id="{EEC18BC3-DC63-4257-B9AF-E263D61B7C77}"/>
+                  </a:ext>
+                </a:extLst>
+              </p:cNvPr>
+              <p:cNvSpPr txBox="1"/>
+              <p:nvPr/>
+            </p:nvSpPr>
+            <p:spPr>
+              <a:xfrm>
+                <a:off x="3451591" y="1714739"/>
+                <a:ext cx="341914" cy="303738"/>
+              </a:xfrm>
+              <a:prstGeom prst="rect">
+                <a:avLst/>
+              </a:prstGeom>
+              <a:noFill/>
+            </p:spPr>
+            <p:txBody>
+              <a:bodyPr wrap="square" rtlCol="0">
+                <a:spAutoFit/>
+              </a:bodyPr>
+              <a:lstStyle/>
+              <a:p>
+                <a:pPr/>
+                <a14:m>
+                  <m:oMathPara xmlns:m="http://schemas.openxmlformats.org/officeDocument/2006/math">
+                    <m:oMathParaPr>
+                      <m:jc m:val="centerGroup"/>
+                    </m:oMathParaPr>
+                    <m:oMath xmlns:m="http://schemas.openxmlformats.org/officeDocument/2006/math">
+                      <m:sSubSup>
+                        <m:sSubSupPr>
+                          <m:ctrlPr>
+                            <a:rPr lang="en-GB" sz="1100" i="1" dirty="0" smtClean="0">
+                              <a:latin typeface="Cambria Math" panose="02040503050406030204" pitchFamily="18" charset="0"/>
+                            </a:rPr>
+                          </m:ctrlPr>
+                        </m:sSubSupPr>
+                        <m:e>
+                          <m:r>
+                            <a:rPr lang="en-US" sz="1100" b="0" i="1" dirty="0" smtClean="0">
+                              <a:latin typeface="Cambria Math" panose="02040503050406030204" pitchFamily="18" charset="0"/>
+                            </a:rPr>
+                            <m:t>𝑏</m:t>
+                          </m:r>
+                        </m:e>
+                        <m:sub>
+                          <m:r>
+                            <a:rPr lang="en-GB" sz="1100" i="1" dirty="0">
+                              <a:latin typeface="Cambria Math" panose="02040503050406030204" pitchFamily="18" charset="0"/>
+                            </a:rPr>
+                            <m:t>1</m:t>
+                          </m:r>
+                        </m:sub>
+                        <m:sup>
+                          <m:r>
+                            <a:rPr lang="en-GB" sz="1100" i="1" dirty="0">
+                              <a:latin typeface="Cambria Math" panose="02040503050406030204" pitchFamily="18" charset="0"/>
+                            </a:rPr>
+                            <m:t>(</m:t>
+                          </m:r>
+                          <m:r>
+                            <a:rPr lang="en-US" sz="1100" i="1" dirty="0">
+                              <a:latin typeface="Cambria Math" panose="02040503050406030204" pitchFamily="18" charset="0"/>
+                            </a:rPr>
+                            <m:t>2</m:t>
+                          </m:r>
+                          <m:r>
+                            <a:rPr lang="en-GB" sz="1100" i="1" dirty="0">
+                              <a:latin typeface="Cambria Math" panose="02040503050406030204" pitchFamily="18" charset="0"/>
+                            </a:rPr>
+                            <m:t>)</m:t>
+                          </m:r>
+                        </m:sup>
+                      </m:sSubSup>
+                    </m:oMath>
+                  </m:oMathPara>
+                </a14:m>
+                <a:endParaRPr lang="en-GB" sz="1100" dirty="0"/>
+              </a:p>
+            </p:txBody>
+          </p:sp>
+        </mc:Choice>
+        <mc:Fallback>
+          <p:sp>
+            <p:nvSpPr>
+              <p:cNvPr id="61" name="TextBox 60">
+                <a:extLst>
+                  <a:ext uri="{FF2B5EF4-FFF2-40B4-BE49-F238E27FC236}">
+                    <a16:creationId xmlns:a16="http://schemas.microsoft.com/office/drawing/2014/main" id="{EEC18BC3-DC63-4257-B9AF-E263D61B7C77}"/>
+                  </a:ext>
+                </a:extLst>
+              </p:cNvPr>
+              <p:cNvSpPr txBox="1">
+                <a:spLocks noRot="1" noChangeAspect="1" noMove="1" noResize="1" noEditPoints="1" noAdjustHandles="1" noChangeArrowheads="1" noChangeShapeType="1" noTextEdit="1"/>
+              </p:cNvSpPr>
+              <p:nvPr/>
+            </p:nvSpPr>
+            <p:spPr>
+              <a:xfrm>
+                <a:off x="3451591" y="1714739"/>
+                <a:ext cx="341914" cy="303738"/>
+              </a:xfrm>
+              <a:prstGeom prst="rect">
+                <a:avLst/>
+              </a:prstGeom>
+              <a:blipFill>
+                <a:blip r:embed="rId28"/>
+                <a:stretch>
+                  <a:fillRect r="-8929"/>
+                </a:stretch>
+              </a:blipFill>
+            </p:spPr>
+            <p:txBody>
+              <a:bodyPr/>
+              <a:lstStyle/>
+              <a:p>
+                <a:r>
+                  <a:rPr lang="en-ID">
+                    <a:noFill/>
+                  </a:rPr>
+                  <a:t> </a:t>
+                </a:r>
+              </a:p>
+            </p:txBody>
+          </p:sp>
+        </mc:Fallback>
+      </mc:AlternateContent>
+      <mc:AlternateContent xmlns:mc="http://schemas.openxmlformats.org/markup-compatibility/2006">
+        <mc:Choice xmlns:a14="http://schemas.microsoft.com/office/drawing/2010/main" Requires="a14">
+          <p:sp>
+            <p:nvSpPr>
+              <p:cNvPr id="62" name="TextBox 61">
+                <a:extLst>
+                  <a:ext uri="{FF2B5EF4-FFF2-40B4-BE49-F238E27FC236}">
+                    <a16:creationId xmlns:a16="http://schemas.microsoft.com/office/drawing/2014/main" id="{12E9BBE1-52F0-4059-BA9F-DE2B2BEF2883}"/>
+                  </a:ext>
+                </a:extLst>
+              </p:cNvPr>
+              <p:cNvSpPr txBox="1"/>
+              <p:nvPr/>
+            </p:nvSpPr>
+            <p:spPr>
+              <a:xfrm>
+                <a:off x="3351043" y="2669370"/>
+                <a:ext cx="455446" cy="317587"/>
+              </a:xfrm>
+              <a:prstGeom prst="rect">
+                <a:avLst/>
+              </a:prstGeom>
+              <a:noFill/>
+            </p:spPr>
+            <p:txBody>
+              <a:bodyPr wrap="none" rtlCol="0">
+                <a:spAutoFit/>
+              </a:bodyPr>
+              <a:lstStyle/>
+              <a:p>
+                <a:pPr/>
+                <a14:m>
+                  <m:oMathPara xmlns:m="http://schemas.openxmlformats.org/officeDocument/2006/math">
+                    <m:oMathParaPr>
+                      <m:jc m:val="centerGroup"/>
+                    </m:oMathParaPr>
+                    <m:oMath xmlns:m="http://schemas.openxmlformats.org/officeDocument/2006/math">
+                      <m:sSubSup>
+                        <m:sSubSupPr>
+                          <m:ctrlPr>
+                            <a:rPr lang="en-GB" sz="1100" i="1" dirty="0" smtClean="0">
+                              <a:latin typeface="Cambria Math" panose="02040503050406030204" pitchFamily="18" charset="0"/>
+                            </a:rPr>
+                          </m:ctrlPr>
+                        </m:sSubSupPr>
+                        <m:e>
+                          <m:r>
+                            <a:rPr lang="en-GB" sz="1100" b="0" i="1" dirty="0" smtClean="0">
+                              <a:latin typeface="Cambria Math" panose="02040503050406030204" pitchFamily="18" charset="0"/>
+                            </a:rPr>
+                            <m:t>𝜃</m:t>
+                          </m:r>
+                        </m:e>
+                        <m:sub>
+                          <m:r>
+                            <a:rPr lang="en-GB" sz="1100" b="0" i="1" dirty="0" smtClean="0">
+                              <a:latin typeface="Cambria Math" panose="02040503050406030204" pitchFamily="18" charset="0"/>
+                            </a:rPr>
+                            <m:t>1,</m:t>
+                          </m:r>
+                          <m:r>
+                            <a:rPr lang="en-US" sz="1100" b="0" i="1" dirty="0" smtClean="0">
+                              <a:latin typeface="Cambria Math" panose="02040503050406030204" pitchFamily="18" charset="0"/>
+                            </a:rPr>
+                            <m:t>1</m:t>
+                          </m:r>
+                        </m:sub>
+                        <m:sup>
+                          <m:r>
+                            <a:rPr lang="en-GB" sz="1100" b="0" i="1" dirty="0" smtClean="0">
+                              <a:latin typeface="Cambria Math" panose="02040503050406030204" pitchFamily="18" charset="0"/>
+                            </a:rPr>
+                            <m:t>(</m:t>
+                          </m:r>
+                          <m:r>
+                            <a:rPr lang="en-US" sz="1100" b="0" i="1" dirty="0" smtClean="0">
+                              <a:latin typeface="Cambria Math" panose="02040503050406030204" pitchFamily="18" charset="0"/>
+                            </a:rPr>
+                            <m:t>2</m:t>
+                          </m:r>
+                          <m:r>
+                            <a:rPr lang="en-GB" sz="1100" b="0" i="1" dirty="0" smtClean="0">
+                              <a:latin typeface="Cambria Math" panose="02040503050406030204" pitchFamily="18" charset="0"/>
+                            </a:rPr>
+                            <m:t>)</m:t>
+                          </m:r>
+                        </m:sup>
+                      </m:sSubSup>
+                    </m:oMath>
+                  </m:oMathPara>
+                </a14:m>
+                <a:endParaRPr lang="en-GB" sz="1100" dirty="0"/>
+              </a:p>
+            </p:txBody>
+          </p:sp>
+        </mc:Choice>
+        <mc:Fallback>
+          <p:sp>
+            <p:nvSpPr>
+              <p:cNvPr id="62" name="TextBox 61">
+                <a:extLst>
+                  <a:ext uri="{FF2B5EF4-FFF2-40B4-BE49-F238E27FC236}">
+                    <a16:creationId xmlns:a16="http://schemas.microsoft.com/office/drawing/2014/main" id="{12E9BBE1-52F0-4059-BA9F-DE2B2BEF2883}"/>
+                  </a:ext>
+                </a:extLst>
+              </p:cNvPr>
+              <p:cNvSpPr txBox="1">
+                <a:spLocks noRot="1" noChangeAspect="1" noMove="1" noResize="1" noEditPoints="1" noAdjustHandles="1" noChangeArrowheads="1" noChangeShapeType="1" noTextEdit="1"/>
+              </p:cNvSpPr>
+              <p:nvPr/>
+            </p:nvSpPr>
+            <p:spPr>
+              <a:xfrm>
+                <a:off x="3351043" y="2669370"/>
+                <a:ext cx="455446" cy="317587"/>
+              </a:xfrm>
+              <a:prstGeom prst="rect">
+                <a:avLst/>
+              </a:prstGeom>
+              <a:blipFill>
+                <a:blip r:embed="rId29"/>
+                <a:stretch>
+                  <a:fillRect/>
+                </a:stretch>
+              </a:blipFill>
+            </p:spPr>
+            <p:txBody>
+              <a:bodyPr/>
+              <a:lstStyle/>
+              <a:p>
+                <a:r>
+                  <a:rPr lang="en-ID">
+                    <a:noFill/>
+                  </a:rPr>
+                  <a:t> </a:t>
+                </a:r>
+              </a:p>
+            </p:txBody>
+          </p:sp>
+        </mc:Fallback>
+      </mc:AlternateContent>
+      <mc:AlternateContent xmlns:mc="http://schemas.openxmlformats.org/markup-compatibility/2006">
+        <mc:Choice xmlns:a14="http://schemas.microsoft.com/office/drawing/2010/main" Requires="a14">
+          <p:sp>
+            <p:nvSpPr>
+              <p:cNvPr id="70" name="TextBox 69">
+                <a:extLst>
+                  <a:ext uri="{FF2B5EF4-FFF2-40B4-BE49-F238E27FC236}">
+                    <a16:creationId xmlns:a16="http://schemas.microsoft.com/office/drawing/2014/main" id="{7A33799F-39B6-43F1-B720-DE1606B74B63}"/>
+                  </a:ext>
+                </a:extLst>
+              </p:cNvPr>
+              <p:cNvSpPr txBox="1"/>
+              <p:nvPr/>
+            </p:nvSpPr>
+            <p:spPr>
+              <a:xfrm>
+                <a:off x="3284420" y="3551519"/>
+                <a:ext cx="455446" cy="317587"/>
+              </a:xfrm>
+              <a:prstGeom prst="rect">
+                <a:avLst/>
+              </a:prstGeom>
+              <a:noFill/>
+            </p:spPr>
+            <p:txBody>
+              <a:bodyPr wrap="none" rtlCol="0">
+                <a:spAutoFit/>
+              </a:bodyPr>
+              <a:lstStyle/>
+              <a:p>
+                <a:pPr/>
+                <a14:m>
+                  <m:oMathPara xmlns:m="http://schemas.openxmlformats.org/officeDocument/2006/math">
+                    <m:oMathParaPr>
+                      <m:jc m:val="centerGroup"/>
+                    </m:oMathParaPr>
+                    <m:oMath xmlns:m="http://schemas.openxmlformats.org/officeDocument/2006/math">
+                      <m:sSubSup>
+                        <m:sSubSupPr>
+                          <m:ctrlPr>
+                            <a:rPr lang="en-GB" sz="1100" i="1" dirty="0" smtClean="0">
+                              <a:latin typeface="Cambria Math" panose="02040503050406030204" pitchFamily="18" charset="0"/>
+                            </a:rPr>
+                          </m:ctrlPr>
+                        </m:sSubSupPr>
+                        <m:e>
+                          <m:r>
+                            <a:rPr lang="en-GB" sz="1100" b="0" i="1" dirty="0" smtClean="0">
+                              <a:latin typeface="Cambria Math" panose="02040503050406030204" pitchFamily="18" charset="0"/>
+                            </a:rPr>
+                            <m:t>𝜃</m:t>
+                          </m:r>
+                        </m:e>
+                        <m:sub>
+                          <m:r>
+                            <a:rPr lang="en-GB" sz="1100" b="0" i="1" dirty="0" smtClean="0">
+                              <a:latin typeface="Cambria Math" panose="02040503050406030204" pitchFamily="18" charset="0"/>
+                            </a:rPr>
+                            <m:t>1,</m:t>
+                          </m:r>
+                          <m:r>
+                            <a:rPr lang="en-US" sz="1100" b="0" i="1" dirty="0" smtClean="0">
+                              <a:latin typeface="Cambria Math" panose="02040503050406030204" pitchFamily="18" charset="0"/>
+                            </a:rPr>
+                            <m:t>2</m:t>
+                          </m:r>
+                        </m:sub>
+                        <m:sup>
+                          <m:r>
+                            <a:rPr lang="en-GB" sz="1100" b="0" i="1" dirty="0" smtClean="0">
+                              <a:latin typeface="Cambria Math" panose="02040503050406030204" pitchFamily="18" charset="0"/>
+                            </a:rPr>
+                            <m:t>(</m:t>
+                          </m:r>
+                          <m:r>
+                            <a:rPr lang="en-US" sz="1100" b="0" i="1" dirty="0" smtClean="0">
+                              <a:latin typeface="Cambria Math" panose="02040503050406030204" pitchFamily="18" charset="0"/>
+                            </a:rPr>
+                            <m:t>2</m:t>
+                          </m:r>
+                          <m:r>
+                            <a:rPr lang="en-GB" sz="1100" b="0" i="1" dirty="0" smtClean="0">
+                              <a:latin typeface="Cambria Math" panose="02040503050406030204" pitchFamily="18" charset="0"/>
+                            </a:rPr>
+                            <m:t>)</m:t>
+                          </m:r>
+                        </m:sup>
+                      </m:sSubSup>
+                    </m:oMath>
+                  </m:oMathPara>
+                </a14:m>
+                <a:endParaRPr lang="en-GB" sz="1100" dirty="0"/>
+              </a:p>
+            </p:txBody>
+          </p:sp>
+        </mc:Choice>
+        <mc:Fallback>
+          <p:sp>
+            <p:nvSpPr>
+              <p:cNvPr id="70" name="TextBox 69">
+                <a:extLst>
+                  <a:ext uri="{FF2B5EF4-FFF2-40B4-BE49-F238E27FC236}">
+                    <a16:creationId xmlns:a16="http://schemas.microsoft.com/office/drawing/2014/main" id="{7A33799F-39B6-43F1-B720-DE1606B74B63}"/>
+                  </a:ext>
+                </a:extLst>
+              </p:cNvPr>
+              <p:cNvSpPr txBox="1">
+                <a:spLocks noRot="1" noChangeAspect="1" noMove="1" noResize="1" noEditPoints="1" noAdjustHandles="1" noChangeArrowheads="1" noChangeShapeType="1" noTextEdit="1"/>
+              </p:cNvSpPr>
+              <p:nvPr/>
+            </p:nvSpPr>
+            <p:spPr>
+              <a:xfrm>
+                <a:off x="3284420" y="3551519"/>
+                <a:ext cx="455446" cy="317587"/>
+              </a:xfrm>
+              <a:prstGeom prst="rect">
+                <a:avLst/>
+              </a:prstGeom>
+              <a:blipFill>
+                <a:blip r:embed="rId30"/>
+                <a:stretch>
+                  <a:fillRect/>
+                </a:stretch>
+              </a:blipFill>
+            </p:spPr>
+            <p:txBody>
+              <a:bodyPr/>
+              <a:lstStyle/>
+              <a:p>
+                <a:r>
+                  <a:rPr lang="en-ID">
+                    <a:noFill/>
+                  </a:rPr>
+                  <a:t> </a:t>
+                </a:r>
+              </a:p>
+            </p:txBody>
+          </p:sp>
+        </mc:Fallback>
+      </mc:AlternateContent>
+      <mc:AlternateContent xmlns:mc="http://schemas.openxmlformats.org/markup-compatibility/2006">
+        <mc:Choice xmlns:a14="http://schemas.microsoft.com/office/drawing/2010/main" Requires="a14">
+          <p:sp>
+            <p:nvSpPr>
+              <p:cNvPr id="71" name="TextBox 70">
+                <a:extLst>
+                  <a:ext uri="{FF2B5EF4-FFF2-40B4-BE49-F238E27FC236}">
+                    <a16:creationId xmlns:a16="http://schemas.microsoft.com/office/drawing/2014/main" id="{8A9E4AF4-9F39-4ED9-B78F-457DF39B7453}"/>
+                  </a:ext>
+                </a:extLst>
+              </p:cNvPr>
+              <p:cNvSpPr txBox="1"/>
+              <p:nvPr/>
+            </p:nvSpPr>
+            <p:spPr>
+              <a:xfrm>
+                <a:off x="3254198" y="4767773"/>
+                <a:ext cx="455446" cy="317587"/>
+              </a:xfrm>
+              <a:prstGeom prst="rect">
+                <a:avLst/>
+              </a:prstGeom>
+              <a:noFill/>
+            </p:spPr>
+            <p:txBody>
+              <a:bodyPr wrap="none" rtlCol="0">
+                <a:spAutoFit/>
+              </a:bodyPr>
+              <a:lstStyle/>
+              <a:p>
+                <a:pPr/>
+                <a14:m>
+                  <m:oMathPara xmlns:m="http://schemas.openxmlformats.org/officeDocument/2006/math">
+                    <m:oMathParaPr>
+                      <m:jc m:val="centerGroup"/>
+                    </m:oMathParaPr>
+                    <m:oMath xmlns:m="http://schemas.openxmlformats.org/officeDocument/2006/math">
+                      <m:sSubSup>
+                        <m:sSubSupPr>
+                          <m:ctrlPr>
+                            <a:rPr lang="en-GB" sz="1100" i="1" dirty="0" smtClean="0">
+                              <a:latin typeface="Cambria Math" panose="02040503050406030204" pitchFamily="18" charset="0"/>
+                            </a:rPr>
+                          </m:ctrlPr>
+                        </m:sSubSupPr>
+                        <m:e>
+                          <m:r>
+                            <a:rPr lang="en-GB" sz="1100" b="0" i="1" dirty="0" smtClean="0">
+                              <a:latin typeface="Cambria Math" panose="02040503050406030204" pitchFamily="18" charset="0"/>
+                            </a:rPr>
+                            <m:t>𝜃</m:t>
+                          </m:r>
+                        </m:e>
+                        <m:sub>
+                          <m:r>
+                            <a:rPr lang="en-GB" sz="1100" b="0" i="1" dirty="0" smtClean="0">
+                              <a:latin typeface="Cambria Math" panose="02040503050406030204" pitchFamily="18" charset="0"/>
+                            </a:rPr>
+                            <m:t>1,</m:t>
+                          </m:r>
+                          <m:r>
+                            <a:rPr lang="en-US" sz="1100" b="0" i="1" dirty="0" smtClean="0">
+                              <a:latin typeface="Cambria Math" panose="02040503050406030204" pitchFamily="18" charset="0"/>
+                            </a:rPr>
+                            <m:t>3</m:t>
+                          </m:r>
+                        </m:sub>
+                        <m:sup>
+                          <m:r>
+                            <a:rPr lang="en-GB" sz="1100" b="0" i="1" dirty="0" smtClean="0">
+                              <a:latin typeface="Cambria Math" panose="02040503050406030204" pitchFamily="18" charset="0"/>
+                            </a:rPr>
+                            <m:t>(</m:t>
+                          </m:r>
+                          <m:r>
+                            <a:rPr lang="en-US" sz="1100" b="0" i="1" dirty="0" smtClean="0">
+                              <a:latin typeface="Cambria Math" panose="02040503050406030204" pitchFamily="18" charset="0"/>
+                            </a:rPr>
+                            <m:t>2</m:t>
+                          </m:r>
+                          <m:r>
+                            <a:rPr lang="en-GB" sz="1100" b="0" i="1" dirty="0" smtClean="0">
+                              <a:latin typeface="Cambria Math" panose="02040503050406030204" pitchFamily="18" charset="0"/>
+                            </a:rPr>
+                            <m:t>)</m:t>
+                          </m:r>
+                        </m:sup>
+                      </m:sSubSup>
+                    </m:oMath>
+                  </m:oMathPara>
+                </a14:m>
+                <a:endParaRPr lang="en-GB" sz="1100" dirty="0"/>
+              </a:p>
+            </p:txBody>
+          </p:sp>
+        </mc:Choice>
+        <mc:Fallback>
+          <p:sp>
+            <p:nvSpPr>
+              <p:cNvPr id="71" name="TextBox 70">
+                <a:extLst>
+                  <a:ext uri="{FF2B5EF4-FFF2-40B4-BE49-F238E27FC236}">
+                    <a16:creationId xmlns:a16="http://schemas.microsoft.com/office/drawing/2014/main" id="{8A9E4AF4-9F39-4ED9-B78F-457DF39B7453}"/>
+                  </a:ext>
+                </a:extLst>
+              </p:cNvPr>
+              <p:cNvSpPr txBox="1">
+                <a:spLocks noRot="1" noChangeAspect="1" noMove="1" noResize="1" noEditPoints="1" noAdjustHandles="1" noChangeArrowheads="1" noChangeShapeType="1" noTextEdit="1"/>
+              </p:cNvSpPr>
+              <p:nvPr/>
+            </p:nvSpPr>
+            <p:spPr>
+              <a:xfrm>
+                <a:off x="3254198" y="4767773"/>
+                <a:ext cx="455446" cy="317587"/>
+              </a:xfrm>
+              <a:prstGeom prst="rect">
+                <a:avLst/>
+              </a:prstGeom>
+              <a:blipFill>
+                <a:blip r:embed="rId31"/>
+                <a:stretch>
+                  <a:fillRect/>
+                </a:stretch>
+              </a:blipFill>
+            </p:spPr>
+            <p:txBody>
+              <a:bodyPr/>
+              <a:lstStyle/>
+              <a:p>
+                <a:r>
+                  <a:rPr lang="en-ID">
+                    <a:noFill/>
+                  </a:rPr>
+                  <a:t> </a:t>
+                </a:r>
+              </a:p>
+            </p:txBody>
+          </p:sp>
+        </mc:Fallback>
+      </mc:AlternateContent>
+      <mc:AlternateContent xmlns:mc="http://schemas.openxmlformats.org/markup-compatibility/2006">
+        <mc:Choice xmlns:a14="http://schemas.microsoft.com/office/drawing/2010/main" Requires="a14">
+          <p:sp>
+            <p:nvSpPr>
+              <p:cNvPr id="73" name="TextBox 72">
+                <a:extLst>
+                  <a:ext uri="{FF2B5EF4-FFF2-40B4-BE49-F238E27FC236}">
+                    <a16:creationId xmlns:a16="http://schemas.microsoft.com/office/drawing/2014/main" id="{F6AB53B8-EFE4-4015-A2D7-8CBB9F18F8F2}"/>
+                  </a:ext>
+                </a:extLst>
+              </p:cNvPr>
+              <p:cNvSpPr txBox="1"/>
+              <p:nvPr/>
+            </p:nvSpPr>
+            <p:spPr>
+              <a:xfrm>
+                <a:off x="1403348" y="1305513"/>
+                <a:ext cx="448200" cy="303738"/>
+              </a:xfrm>
+              <a:prstGeom prst="rect">
+                <a:avLst/>
+              </a:prstGeom>
+              <a:noFill/>
+            </p:spPr>
+            <p:txBody>
+              <a:bodyPr wrap="none" rtlCol="0">
+                <a:spAutoFit/>
+              </a:bodyPr>
+              <a:lstStyle/>
+              <a:p>
+                <a:pPr/>
+                <a14:m>
+                  <m:oMathPara xmlns:m="http://schemas.openxmlformats.org/officeDocument/2006/math">
+                    <m:oMathParaPr>
+                      <m:jc m:val="centerGroup"/>
+                    </m:oMathParaPr>
+                    <m:oMath xmlns:m="http://schemas.openxmlformats.org/officeDocument/2006/math">
+                      <m:sSubSup>
+                        <m:sSubSupPr>
+                          <m:ctrlPr>
+                            <a:rPr lang="en-GB" sz="1100" i="1" dirty="0" smtClean="0">
+                              <a:latin typeface="Cambria Math" panose="02040503050406030204" pitchFamily="18" charset="0"/>
+                            </a:rPr>
+                          </m:ctrlPr>
+                        </m:sSubSupPr>
+                        <m:e>
+                          <m:r>
+                            <a:rPr lang="en-US" sz="1100" b="0" i="1" dirty="0" smtClean="0">
+                              <a:latin typeface="Cambria Math" panose="02040503050406030204" pitchFamily="18" charset="0"/>
+                            </a:rPr>
+                            <m:t>𝑏</m:t>
+                          </m:r>
+                        </m:e>
+                        <m:sub>
+                          <m:r>
+                            <a:rPr lang="en-US" sz="1100" b="0" i="1" dirty="0" smtClean="0">
+                              <a:latin typeface="Cambria Math" panose="02040503050406030204" pitchFamily="18" charset="0"/>
+                            </a:rPr>
+                            <m:t>1</m:t>
+                          </m:r>
+                        </m:sub>
+                        <m:sup>
+                          <m:r>
+                            <a:rPr lang="en-GB" sz="1100" b="0" i="1" dirty="0" smtClean="0">
+                              <a:latin typeface="Cambria Math" panose="02040503050406030204" pitchFamily="18" charset="0"/>
+                            </a:rPr>
+                            <m:t>(1)</m:t>
+                          </m:r>
+                        </m:sup>
+                      </m:sSubSup>
+                    </m:oMath>
+                  </m:oMathPara>
+                </a14:m>
+                <a:endParaRPr lang="en-GB" sz="1100" dirty="0"/>
+              </a:p>
+            </p:txBody>
+          </p:sp>
+        </mc:Choice>
+        <mc:Fallback>
+          <p:sp>
+            <p:nvSpPr>
+              <p:cNvPr id="73" name="TextBox 72">
+                <a:extLst>
+                  <a:ext uri="{FF2B5EF4-FFF2-40B4-BE49-F238E27FC236}">
+                    <a16:creationId xmlns:a16="http://schemas.microsoft.com/office/drawing/2014/main" id="{F6AB53B8-EFE4-4015-A2D7-8CBB9F18F8F2}"/>
+                  </a:ext>
+                </a:extLst>
+              </p:cNvPr>
+              <p:cNvSpPr txBox="1">
+                <a:spLocks noRot="1" noChangeAspect="1" noMove="1" noResize="1" noEditPoints="1" noAdjustHandles="1" noChangeArrowheads="1" noChangeShapeType="1" noTextEdit="1"/>
+              </p:cNvSpPr>
+              <p:nvPr/>
+            </p:nvSpPr>
+            <p:spPr>
+              <a:xfrm>
+                <a:off x="1403348" y="1305513"/>
+                <a:ext cx="448200" cy="303738"/>
+              </a:xfrm>
+              <a:prstGeom prst="rect">
+                <a:avLst/>
+              </a:prstGeom>
+              <a:blipFill>
+                <a:blip r:embed="rId32"/>
+                <a:stretch>
+                  <a:fillRect/>
+                </a:stretch>
+              </a:blipFill>
+            </p:spPr>
+            <p:txBody>
+              <a:bodyPr/>
+              <a:lstStyle/>
+              <a:p>
+                <a:r>
+                  <a:rPr lang="en-ID">
+                    <a:noFill/>
+                  </a:rPr>
+                  <a:t> </a:t>
+                </a:r>
+              </a:p>
+            </p:txBody>
+          </p:sp>
+        </mc:Fallback>
+      </mc:AlternateContent>
     </p:spTree>
     <p:extLst>
       <p:ext uri="{BB962C8B-B14F-4D97-AF65-F5344CB8AC3E}">
@@ -10811,13 +11314,13 @@
   <p:clrMapOvr>
     <a:masterClrMapping/>
   </p:clrMapOvr>
-  <mc:AlternateContent xmlns:mc="http://schemas.openxmlformats.org/markup-compatibility/2006">
-    <mc:Choice xmlns:p159="http://schemas.microsoft.com/office/powerpoint/2015/09/main" Requires="p159">
+  <mc:AlternateContent xmlns:mc="http://schemas.openxmlformats.org/markup-compatibility/2006" xmlns:p159="http://schemas.microsoft.com/office/powerpoint/2015/09/main">
+    <mc:Choice Requires="p159">
       <p:transition xmlns:p14="http://schemas.microsoft.com/office/powerpoint/2010/main" spd="slow" p14:dur="2000">
         <p159:morph option="byObject"/>
       </p:transition>
     </mc:Choice>
-    <mc:Fallback>
+    <mc:Fallback xmlns="">
       <p:transition spd="slow">
         <p:fade/>
       </p:transition>
@@ -10871,8 +11374,8 @@
           </a:p>
         </p:txBody>
       </p:sp>
-      <mc:AlternateContent xmlns:mc="http://schemas.openxmlformats.org/markup-compatibility/2006">
-        <mc:Choice xmlns:a14="http://schemas.microsoft.com/office/drawing/2010/main" Requires="a14">
+      <mc:AlternateContent xmlns:mc="http://schemas.openxmlformats.org/markup-compatibility/2006" xmlns:a14="http://schemas.microsoft.com/office/drawing/2010/main">
+        <mc:Choice Requires="a14">
           <p:sp>
             <p:nvSpPr>
               <p:cNvPr id="4" name="Oval 3">
@@ -10952,7 +11455,7 @@
             </p:txBody>
           </p:sp>
         </mc:Choice>
-        <mc:Fallback>
+        <mc:Fallback xmlns="">
           <p:sp>
             <p:nvSpPr>
               <p:cNvPr id="4" name="Oval 3">
@@ -10997,8 +11500,8 @@
           </p:sp>
         </mc:Fallback>
       </mc:AlternateContent>
-      <mc:AlternateContent xmlns:mc="http://schemas.openxmlformats.org/markup-compatibility/2006">
-        <mc:Choice xmlns:a14="http://schemas.microsoft.com/office/drawing/2010/main" Requires="a14">
+      <mc:AlternateContent xmlns:mc="http://schemas.openxmlformats.org/markup-compatibility/2006" xmlns:a14="http://schemas.microsoft.com/office/drawing/2010/main">
+        <mc:Choice Requires="a14">
           <p:sp>
             <p:nvSpPr>
               <p:cNvPr id="5" name="Oval 4">
@@ -11078,7 +11581,7 @@
             </p:txBody>
           </p:sp>
         </mc:Choice>
-        <mc:Fallback>
+        <mc:Fallback xmlns="">
           <p:sp>
             <p:nvSpPr>
               <p:cNvPr id="5" name="Oval 4">
@@ -11123,8 +11626,8 @@
           </p:sp>
         </mc:Fallback>
       </mc:AlternateContent>
-      <mc:AlternateContent xmlns:mc="http://schemas.openxmlformats.org/markup-compatibility/2006">
-        <mc:Choice xmlns:a14="http://schemas.microsoft.com/office/drawing/2010/main" Requires="a14">
+      <mc:AlternateContent xmlns:mc="http://schemas.openxmlformats.org/markup-compatibility/2006" xmlns:a14="http://schemas.microsoft.com/office/drawing/2010/main">
+        <mc:Choice Requires="a14">
           <p:sp>
             <p:nvSpPr>
               <p:cNvPr id="6" name="Oval 5">
@@ -11204,7 +11707,7 @@
             </p:txBody>
           </p:sp>
         </mc:Choice>
-        <mc:Fallback>
+        <mc:Fallback xmlns="">
           <p:sp>
             <p:nvSpPr>
               <p:cNvPr id="6" name="Oval 5">
@@ -11249,8 +11752,8 @@
           </p:sp>
         </mc:Fallback>
       </mc:AlternateContent>
-      <mc:AlternateContent xmlns:mc="http://schemas.openxmlformats.org/markup-compatibility/2006">
-        <mc:Choice xmlns:a14="http://schemas.microsoft.com/office/drawing/2010/main" Requires="a14">
+      <mc:AlternateContent xmlns:mc="http://schemas.openxmlformats.org/markup-compatibility/2006" xmlns:a14="http://schemas.microsoft.com/office/drawing/2010/main">
+        <mc:Choice Requires="a14">
           <p:sp>
             <p:nvSpPr>
               <p:cNvPr id="7" name="Oval 6">
@@ -11338,7 +11841,7 @@
             </p:txBody>
           </p:sp>
         </mc:Choice>
-        <mc:Fallback>
+        <mc:Fallback xmlns="">
           <p:sp>
             <p:nvSpPr>
               <p:cNvPr id="7" name="Oval 6">
@@ -11567,8 +12070,8 @@
           </a:fontRef>
         </p:style>
       </p:cxnSp>
-      <mc:AlternateContent xmlns:mc="http://schemas.openxmlformats.org/markup-compatibility/2006">
-        <mc:Choice xmlns:a14="http://schemas.microsoft.com/office/drawing/2010/main" Requires="a14">
+      <mc:AlternateContent xmlns:mc="http://schemas.openxmlformats.org/markup-compatibility/2006" xmlns:a14="http://schemas.microsoft.com/office/drawing/2010/main">
+        <mc:Choice Requires="a14">
           <p:sp>
             <p:nvSpPr>
               <p:cNvPr id="12" name="TextBox 11">
@@ -11597,6 +12100,7 @@
               </a:bodyPr>
               <a:lstStyle/>
               <a:p>
+                <a:pPr/>
                 <a14:m>
                   <m:oMathPara xmlns:m="http://schemas.openxmlformats.org/officeDocument/2006/math">
                     <m:oMathParaPr>
@@ -11654,7 +12158,7 @@
             </p:txBody>
           </p:sp>
         </mc:Choice>
-        <mc:Fallback>
+        <mc:Fallback xmlns="">
           <p:sp>
             <p:nvSpPr>
               <p:cNvPr id="12" name="TextBox 11">
@@ -11699,8 +12203,8 @@
           </p:sp>
         </mc:Fallback>
       </mc:AlternateContent>
-      <mc:AlternateContent xmlns:mc="http://schemas.openxmlformats.org/markup-compatibility/2006">
-        <mc:Choice xmlns:a14="http://schemas.microsoft.com/office/drawing/2010/main" Requires="a14">
+      <mc:AlternateContent xmlns:mc="http://schemas.openxmlformats.org/markup-compatibility/2006" xmlns:a14="http://schemas.microsoft.com/office/drawing/2010/main">
+        <mc:Choice Requires="a14">
           <p:sp>
             <p:nvSpPr>
               <p:cNvPr id="27" name="TextBox 26">
@@ -11729,6 +12233,7 @@
               </a:bodyPr>
               <a:lstStyle/>
               <a:p>
+                <a:pPr/>
                 <a14:m>
                   <m:oMathPara xmlns:m="http://schemas.openxmlformats.org/officeDocument/2006/math">
                     <m:oMathParaPr>
@@ -11776,7 +12281,7 @@
             </p:txBody>
           </p:sp>
         </mc:Choice>
-        <mc:Fallback>
+        <mc:Fallback xmlns="">
           <p:sp>
             <p:nvSpPr>
               <p:cNvPr id="27" name="TextBox 26">
@@ -11821,8 +12326,8 @@
           </p:sp>
         </mc:Fallback>
       </mc:AlternateContent>
-      <mc:AlternateContent xmlns:mc="http://schemas.openxmlformats.org/markup-compatibility/2006">
-        <mc:Choice xmlns:a14="http://schemas.microsoft.com/office/drawing/2010/main" Requires="a14">
+      <mc:AlternateContent xmlns:mc="http://schemas.openxmlformats.org/markup-compatibility/2006" xmlns:a14="http://schemas.microsoft.com/office/drawing/2010/main">
+        <mc:Choice Requires="a14">
           <p:sp>
             <p:nvSpPr>
               <p:cNvPr id="19" name="TextBox 18">
@@ -11851,6 +12356,7 @@
               </a:bodyPr>
               <a:lstStyle/>
               <a:p>
+                <a:pPr/>
                 <a14:m>
                   <m:oMathPara xmlns:m="http://schemas.openxmlformats.org/officeDocument/2006/math">
                     <m:oMathParaPr>
@@ -11898,7 +12404,7 @@
             </p:txBody>
           </p:sp>
         </mc:Choice>
-        <mc:Fallback>
+        <mc:Fallback xmlns="">
           <p:sp>
             <p:nvSpPr>
               <p:cNvPr id="19" name="TextBox 18">
@@ -11943,8 +12449,8 @@
           </p:sp>
         </mc:Fallback>
       </mc:AlternateContent>
-      <mc:AlternateContent xmlns:mc="http://schemas.openxmlformats.org/markup-compatibility/2006">
-        <mc:Choice xmlns:a14="http://schemas.microsoft.com/office/drawing/2010/main" Requires="a14">
+      <mc:AlternateContent xmlns:mc="http://schemas.openxmlformats.org/markup-compatibility/2006" xmlns:a14="http://schemas.microsoft.com/office/drawing/2010/main">
+        <mc:Choice Requires="a14">
           <p:sp>
             <p:nvSpPr>
               <p:cNvPr id="21" name="TextBox 20">
@@ -11973,6 +12479,7 @@
               </a:bodyPr>
               <a:lstStyle/>
               <a:p>
+                <a:pPr/>
                 <a14:m>
                   <m:oMathPara xmlns:m="http://schemas.openxmlformats.org/officeDocument/2006/math">
                     <m:oMathParaPr>
@@ -12020,7 +12527,7 @@
             </p:txBody>
           </p:sp>
         </mc:Choice>
-        <mc:Fallback>
+        <mc:Fallback xmlns="">
           <p:sp>
             <p:nvSpPr>
               <p:cNvPr id="21" name="TextBox 20">
@@ -12180,13 +12687,13 @@
   <p:clrMapOvr>
     <a:masterClrMapping/>
   </p:clrMapOvr>
-  <mc:AlternateContent xmlns:mc="http://schemas.openxmlformats.org/markup-compatibility/2006">
-    <mc:Choice xmlns:p159="http://schemas.microsoft.com/office/powerpoint/2015/09/main" Requires="p159">
+  <mc:AlternateContent xmlns:mc="http://schemas.openxmlformats.org/markup-compatibility/2006" xmlns:p159="http://schemas.microsoft.com/office/powerpoint/2015/09/main">
+    <mc:Choice Requires="p159">
       <p:transition xmlns:p14="http://schemas.microsoft.com/office/powerpoint/2010/main" spd="slow" p14:dur="2000">
         <p159:morph option="byObject"/>
       </p:transition>
     </mc:Choice>
-    <mc:Fallback>
+    <mc:Fallback xmlns="">
       <p:transition spd="slow">
         <p:fade/>
       </p:transition>
@@ -12398,8 +12905,8 @@
           </a:p>
         </p:txBody>
       </p:sp>
-      <mc:AlternateContent xmlns:mc="http://schemas.openxmlformats.org/markup-compatibility/2006">
-        <mc:Choice xmlns:a14="http://schemas.microsoft.com/office/drawing/2010/main" Requires="a14">
+      <mc:AlternateContent xmlns:mc="http://schemas.openxmlformats.org/markup-compatibility/2006" xmlns:a14="http://schemas.microsoft.com/office/drawing/2010/main">
+        <mc:Choice Requires="a14">
           <p:sp>
             <p:nvSpPr>
               <p:cNvPr id="4" name="Oval 3">
@@ -12479,7 +12986,7 @@
             </p:txBody>
           </p:sp>
         </mc:Choice>
-        <mc:Fallback>
+        <mc:Fallback xmlns="">
           <p:sp>
             <p:nvSpPr>
               <p:cNvPr id="4" name="Oval 3">
@@ -12524,8 +13031,8 @@
           </p:sp>
         </mc:Fallback>
       </mc:AlternateContent>
-      <mc:AlternateContent xmlns:mc="http://schemas.openxmlformats.org/markup-compatibility/2006">
-        <mc:Choice xmlns:a14="http://schemas.microsoft.com/office/drawing/2010/main" Requires="a14">
+      <mc:AlternateContent xmlns:mc="http://schemas.openxmlformats.org/markup-compatibility/2006" xmlns:a14="http://schemas.microsoft.com/office/drawing/2010/main">
+        <mc:Choice Requires="a14">
           <p:sp>
             <p:nvSpPr>
               <p:cNvPr id="5" name="Oval 4">
@@ -12605,7 +13112,7 @@
             </p:txBody>
           </p:sp>
         </mc:Choice>
-        <mc:Fallback>
+        <mc:Fallback xmlns="">
           <p:sp>
             <p:nvSpPr>
               <p:cNvPr id="5" name="Oval 4">
@@ -12650,8 +13157,8 @@
           </p:sp>
         </mc:Fallback>
       </mc:AlternateContent>
-      <mc:AlternateContent xmlns:mc="http://schemas.openxmlformats.org/markup-compatibility/2006">
-        <mc:Choice xmlns:a14="http://schemas.microsoft.com/office/drawing/2010/main" Requires="a14">
+      <mc:AlternateContent xmlns:mc="http://schemas.openxmlformats.org/markup-compatibility/2006" xmlns:a14="http://schemas.microsoft.com/office/drawing/2010/main">
+        <mc:Choice Requires="a14">
           <p:sp>
             <p:nvSpPr>
               <p:cNvPr id="6" name="Oval 5">
@@ -12731,7 +13238,7 @@
             </p:txBody>
           </p:sp>
         </mc:Choice>
-        <mc:Fallback>
+        <mc:Fallback xmlns="">
           <p:sp>
             <p:nvSpPr>
               <p:cNvPr id="6" name="Oval 5">
@@ -12776,8 +13283,8 @@
           </p:sp>
         </mc:Fallback>
       </mc:AlternateContent>
-      <mc:AlternateContent xmlns:mc="http://schemas.openxmlformats.org/markup-compatibility/2006">
-        <mc:Choice xmlns:a14="http://schemas.microsoft.com/office/drawing/2010/main" Requires="a14">
+      <mc:AlternateContent xmlns:mc="http://schemas.openxmlformats.org/markup-compatibility/2006" xmlns:a14="http://schemas.microsoft.com/office/drawing/2010/main">
+        <mc:Choice Requires="a14">
           <p:sp>
             <p:nvSpPr>
               <p:cNvPr id="7" name="Oval 6">
@@ -12865,7 +13372,7 @@
             </p:txBody>
           </p:sp>
         </mc:Choice>
-        <mc:Fallback>
+        <mc:Fallback xmlns="">
           <p:sp>
             <p:nvSpPr>
               <p:cNvPr id="7" name="Oval 6">
@@ -13094,8 +13601,8 @@
           </a:fontRef>
         </p:style>
       </p:cxnSp>
-      <mc:AlternateContent xmlns:mc="http://schemas.openxmlformats.org/markup-compatibility/2006">
-        <mc:Choice xmlns:a14="http://schemas.microsoft.com/office/drawing/2010/main" Requires="a14">
+      <mc:AlternateContent xmlns:mc="http://schemas.openxmlformats.org/markup-compatibility/2006" xmlns:a14="http://schemas.microsoft.com/office/drawing/2010/main">
+        <mc:Choice Requires="a14">
           <p:sp>
             <p:nvSpPr>
               <p:cNvPr id="12" name="TextBox 11">
@@ -13124,6 +13631,7 @@
               </a:bodyPr>
               <a:lstStyle/>
               <a:p>
+                <a:pPr/>
                 <a14:m>
                   <m:oMathPara xmlns:m="http://schemas.openxmlformats.org/officeDocument/2006/math">
                     <m:oMathParaPr>
@@ -13181,7 +13689,7 @@
             </p:txBody>
           </p:sp>
         </mc:Choice>
-        <mc:Fallback>
+        <mc:Fallback xmlns="">
           <p:sp>
             <p:nvSpPr>
               <p:cNvPr id="12" name="TextBox 11">
@@ -13226,8 +13734,8 @@
           </p:sp>
         </mc:Fallback>
       </mc:AlternateContent>
-      <mc:AlternateContent xmlns:mc="http://schemas.openxmlformats.org/markup-compatibility/2006">
-        <mc:Choice xmlns:a14="http://schemas.microsoft.com/office/drawing/2010/main" Requires="a14">
+      <mc:AlternateContent xmlns:mc="http://schemas.openxmlformats.org/markup-compatibility/2006" xmlns:a14="http://schemas.microsoft.com/office/drawing/2010/main">
+        <mc:Choice Requires="a14">
           <p:sp>
             <p:nvSpPr>
               <p:cNvPr id="27" name="TextBox 26">
@@ -13256,6 +13764,7 @@
               </a:bodyPr>
               <a:lstStyle/>
               <a:p>
+                <a:pPr/>
                 <a14:m>
                   <m:oMathPara xmlns:m="http://schemas.openxmlformats.org/officeDocument/2006/math">
                     <m:oMathParaPr>
@@ -13303,7 +13812,7 @@
             </p:txBody>
           </p:sp>
         </mc:Choice>
-        <mc:Fallback>
+        <mc:Fallback xmlns="">
           <p:sp>
             <p:nvSpPr>
               <p:cNvPr id="27" name="TextBox 26">
@@ -13348,8 +13857,8 @@
           </p:sp>
         </mc:Fallback>
       </mc:AlternateContent>
-      <mc:AlternateContent xmlns:mc="http://schemas.openxmlformats.org/markup-compatibility/2006">
-        <mc:Choice xmlns:a14="http://schemas.microsoft.com/office/drawing/2010/main" Requires="a14">
+      <mc:AlternateContent xmlns:mc="http://schemas.openxmlformats.org/markup-compatibility/2006" xmlns:a14="http://schemas.microsoft.com/office/drawing/2010/main">
+        <mc:Choice Requires="a14">
           <p:sp>
             <p:nvSpPr>
               <p:cNvPr id="19" name="TextBox 18">
@@ -13378,6 +13887,7 @@
               </a:bodyPr>
               <a:lstStyle/>
               <a:p>
+                <a:pPr/>
                 <a14:m>
                   <m:oMathPara xmlns:m="http://schemas.openxmlformats.org/officeDocument/2006/math">
                     <m:oMathParaPr>
@@ -13425,7 +13935,7 @@
             </p:txBody>
           </p:sp>
         </mc:Choice>
-        <mc:Fallback>
+        <mc:Fallback xmlns="">
           <p:sp>
             <p:nvSpPr>
               <p:cNvPr id="19" name="TextBox 18">
@@ -13470,8 +13980,8 @@
           </p:sp>
         </mc:Fallback>
       </mc:AlternateContent>
-      <mc:AlternateContent xmlns:mc="http://schemas.openxmlformats.org/markup-compatibility/2006">
-        <mc:Choice xmlns:a14="http://schemas.microsoft.com/office/drawing/2010/main" Requires="a14">
+      <mc:AlternateContent xmlns:mc="http://schemas.openxmlformats.org/markup-compatibility/2006" xmlns:a14="http://schemas.microsoft.com/office/drawing/2010/main">
+        <mc:Choice Requires="a14">
           <p:sp>
             <p:nvSpPr>
               <p:cNvPr id="21" name="TextBox 20">
@@ -13500,6 +14010,7 @@
               </a:bodyPr>
               <a:lstStyle/>
               <a:p>
+                <a:pPr/>
                 <a14:m>
                   <m:oMathPara xmlns:m="http://schemas.openxmlformats.org/officeDocument/2006/math">
                     <m:oMathParaPr>
@@ -13547,7 +14058,7 @@
             </p:txBody>
           </p:sp>
         </mc:Choice>
-        <mc:Fallback>
+        <mc:Fallback xmlns="">
           <p:sp>
             <p:nvSpPr>
               <p:cNvPr id="21" name="TextBox 20">
@@ -13592,8 +14103,8 @@
           </p:sp>
         </mc:Fallback>
       </mc:AlternateContent>
-      <mc:AlternateContent xmlns:mc="http://schemas.openxmlformats.org/markup-compatibility/2006">
-        <mc:Choice xmlns:a14="http://schemas.microsoft.com/office/drawing/2010/main" Requires="a14">
+      <mc:AlternateContent xmlns:mc="http://schemas.openxmlformats.org/markup-compatibility/2006" xmlns:a14="http://schemas.microsoft.com/office/drawing/2010/main">
+        <mc:Choice Requires="a14">
           <p:sp>
             <p:nvSpPr>
               <p:cNvPr id="20" name="TextBox 19">
@@ -13622,6 +14133,7 @@
               </a:bodyPr>
               <a:lstStyle/>
               <a:p>
+                <a:pPr/>
                 <a14:m>
                   <m:oMathPara xmlns:m="http://schemas.openxmlformats.org/officeDocument/2006/math">
                     <m:oMathParaPr>
@@ -13753,7 +14265,7 @@
             </p:txBody>
           </p:sp>
         </mc:Choice>
-        <mc:Fallback>
+        <mc:Fallback xmlns="">
           <p:sp>
             <p:nvSpPr>
               <p:cNvPr id="20" name="TextBox 19">
@@ -13798,8 +14310,8 @@
           </p:sp>
         </mc:Fallback>
       </mc:AlternateContent>
-      <mc:AlternateContent xmlns:mc="http://schemas.openxmlformats.org/markup-compatibility/2006">
-        <mc:Choice xmlns:a14="http://schemas.microsoft.com/office/drawing/2010/main" Requires="a14">
+      <mc:AlternateContent xmlns:mc="http://schemas.openxmlformats.org/markup-compatibility/2006" xmlns:a14="http://schemas.microsoft.com/office/drawing/2010/main">
+        <mc:Choice Requires="a14">
           <p:sp>
             <p:nvSpPr>
               <p:cNvPr id="22" name="TextBox 21">
@@ -13828,6 +14340,7 @@
               </a:bodyPr>
               <a:lstStyle/>
               <a:p>
+                <a:pPr/>
                 <a14:m>
                   <m:oMathPara xmlns:m="http://schemas.openxmlformats.org/officeDocument/2006/math">
                     <m:oMathParaPr>
@@ -13929,7 +14442,7 @@
             </p:txBody>
           </p:sp>
         </mc:Choice>
-        <mc:Fallback>
+        <mc:Fallback xmlns="">
           <p:sp>
             <p:nvSpPr>
               <p:cNvPr id="22" name="TextBox 21">
@@ -13974,8 +14487,8 @@
           </p:sp>
         </mc:Fallback>
       </mc:AlternateContent>
-      <mc:AlternateContent xmlns:mc="http://schemas.openxmlformats.org/markup-compatibility/2006">
-        <mc:Choice xmlns:a14="http://schemas.microsoft.com/office/drawing/2010/main" Requires="a14">
+      <mc:AlternateContent xmlns:mc="http://schemas.openxmlformats.org/markup-compatibility/2006" xmlns:a14="http://schemas.microsoft.com/office/drawing/2010/main">
+        <mc:Choice Requires="a14">
           <p:sp>
             <p:nvSpPr>
               <p:cNvPr id="26" name="TextBox 25">
@@ -14004,6 +14517,7 @@
               </a:bodyPr>
               <a:lstStyle/>
               <a:p>
+                <a:pPr/>
                 <a14:m>
                   <m:oMathPara xmlns:m="http://schemas.openxmlformats.org/officeDocument/2006/math">
                     <m:oMathParaPr>
@@ -14252,7 +14766,7 @@
             </p:txBody>
           </p:sp>
         </mc:Choice>
-        <mc:Fallback>
+        <mc:Fallback xmlns="">
           <p:sp>
             <p:nvSpPr>
               <p:cNvPr id="26" name="TextBox 25">
@@ -14307,13 +14821,13 @@
   <p:clrMapOvr>
     <a:masterClrMapping/>
   </p:clrMapOvr>
-  <mc:AlternateContent xmlns:mc="http://schemas.openxmlformats.org/markup-compatibility/2006">
-    <mc:Choice xmlns:p159="http://schemas.microsoft.com/office/powerpoint/2015/09/main" Requires="p159">
+  <mc:AlternateContent xmlns:mc="http://schemas.openxmlformats.org/markup-compatibility/2006" xmlns:p159="http://schemas.microsoft.com/office/powerpoint/2015/09/main">
+    <mc:Choice Requires="p159">
       <p:transition xmlns:p14="http://schemas.microsoft.com/office/powerpoint/2010/main" spd="slow" p14:dur="2000">
         <p159:morph option="byObject"/>
       </p:transition>
     </mc:Choice>
-    <mc:Fallback>
+    <mc:Fallback xmlns="">
       <p:transition spd="slow">
         <p:fade/>
       </p:transition>
@@ -14561,8 +15075,8 @@
           </a:p>
         </p:txBody>
       </p:sp>
-      <mc:AlternateContent xmlns:mc="http://schemas.openxmlformats.org/markup-compatibility/2006">
-        <mc:Choice xmlns:a14="http://schemas.microsoft.com/office/drawing/2010/main" Requires="a14">
+      <mc:AlternateContent xmlns:mc="http://schemas.openxmlformats.org/markup-compatibility/2006" xmlns:a14="http://schemas.microsoft.com/office/drawing/2010/main">
+        <mc:Choice Requires="a14">
           <p:sp>
             <p:nvSpPr>
               <p:cNvPr id="20" name="TextBox 19">
@@ -14591,6 +15105,7 @@
               </a:bodyPr>
               <a:lstStyle/>
               <a:p>
+                <a:pPr/>
                 <a14:m>
                   <m:oMathPara xmlns:m="http://schemas.openxmlformats.org/officeDocument/2006/math">
                     <m:oMathParaPr>
@@ -14722,7 +15237,7 @@
             </p:txBody>
           </p:sp>
         </mc:Choice>
-        <mc:Fallback>
+        <mc:Fallback xmlns="">
           <p:sp>
             <p:nvSpPr>
               <p:cNvPr id="20" name="TextBox 19">
@@ -14767,8 +15282,8 @@
           </p:sp>
         </mc:Fallback>
       </mc:AlternateContent>
-      <mc:AlternateContent xmlns:mc="http://schemas.openxmlformats.org/markup-compatibility/2006">
-        <mc:Choice xmlns:a14="http://schemas.microsoft.com/office/drawing/2010/main" Requires="a14">
+      <mc:AlternateContent xmlns:mc="http://schemas.openxmlformats.org/markup-compatibility/2006" xmlns:a14="http://schemas.microsoft.com/office/drawing/2010/main">
+        <mc:Choice Requires="a14">
           <p:sp>
             <p:nvSpPr>
               <p:cNvPr id="22" name="TextBox 21">
@@ -14797,6 +15312,7 @@
               </a:bodyPr>
               <a:lstStyle/>
               <a:p>
+                <a:pPr/>
                 <a14:m>
                   <m:oMathPara xmlns:m="http://schemas.openxmlformats.org/officeDocument/2006/math">
                     <m:oMathParaPr>
@@ -14898,7 +15414,7 @@
             </p:txBody>
           </p:sp>
         </mc:Choice>
-        <mc:Fallback>
+        <mc:Fallback xmlns="">
           <p:sp>
             <p:nvSpPr>
               <p:cNvPr id="22" name="TextBox 21">
@@ -14943,8 +15459,8 @@
           </p:sp>
         </mc:Fallback>
       </mc:AlternateContent>
-      <mc:AlternateContent xmlns:mc="http://schemas.openxmlformats.org/markup-compatibility/2006">
-        <mc:Choice xmlns:a14="http://schemas.microsoft.com/office/drawing/2010/main" Requires="a14">
+      <mc:AlternateContent xmlns:mc="http://schemas.openxmlformats.org/markup-compatibility/2006" xmlns:a14="http://schemas.microsoft.com/office/drawing/2010/main">
+        <mc:Choice Requires="a14">
           <p:sp>
             <p:nvSpPr>
               <p:cNvPr id="80" name="TextBox 79">
@@ -14973,6 +15489,7 @@
               </a:bodyPr>
               <a:lstStyle/>
               <a:p>
+                <a:pPr/>
                 <a14:m>
                   <m:oMathPara xmlns:m="http://schemas.openxmlformats.org/officeDocument/2006/math">
                     <m:oMathParaPr>
@@ -15221,7 +15738,7 @@
             </p:txBody>
           </p:sp>
         </mc:Choice>
-        <mc:Fallback>
+        <mc:Fallback xmlns="">
           <p:sp>
             <p:nvSpPr>
               <p:cNvPr id="80" name="TextBox 79">
@@ -15266,8 +15783,8 @@
           </p:sp>
         </mc:Fallback>
       </mc:AlternateContent>
-      <mc:AlternateContent xmlns:mc="http://schemas.openxmlformats.org/markup-compatibility/2006">
-        <mc:Choice xmlns:a14="http://schemas.microsoft.com/office/drawing/2010/main" Requires="a14">
+      <mc:AlternateContent xmlns:mc="http://schemas.openxmlformats.org/markup-compatibility/2006" xmlns:a14="http://schemas.microsoft.com/office/drawing/2010/main">
+        <mc:Choice Requires="a14">
           <p:sp>
             <p:nvSpPr>
               <p:cNvPr id="81" name="TextBox 80">
@@ -15296,6 +15813,7 @@
               </a:bodyPr>
               <a:lstStyle/>
               <a:p>
+                <a:pPr/>
                 <a14:m>
                   <m:oMathPara xmlns:m="http://schemas.openxmlformats.org/officeDocument/2006/math">
                     <m:oMathParaPr>
@@ -15472,7 +15990,7 @@
             </p:txBody>
           </p:sp>
         </mc:Choice>
-        <mc:Fallback>
+        <mc:Fallback xmlns="">
           <p:sp>
             <p:nvSpPr>
               <p:cNvPr id="81" name="TextBox 80">
@@ -15517,8 +16035,8 @@
           </p:sp>
         </mc:Fallback>
       </mc:AlternateContent>
-      <mc:AlternateContent xmlns:mc="http://schemas.openxmlformats.org/markup-compatibility/2006">
-        <mc:Choice xmlns:a14="http://schemas.microsoft.com/office/drawing/2010/main" Requires="a14">
+      <mc:AlternateContent xmlns:mc="http://schemas.openxmlformats.org/markup-compatibility/2006" xmlns:a14="http://schemas.microsoft.com/office/drawing/2010/main">
+        <mc:Choice Requires="a14">
           <p:sp>
             <p:nvSpPr>
               <p:cNvPr id="82" name="Oval 81">
@@ -15598,7 +16116,7 @@
             </p:txBody>
           </p:sp>
         </mc:Choice>
-        <mc:Fallback>
+        <mc:Fallback xmlns="">
           <p:sp>
             <p:nvSpPr>
               <p:cNvPr id="82" name="Oval 81">
@@ -15643,8 +16161,8 @@
           </p:sp>
         </mc:Fallback>
       </mc:AlternateContent>
-      <mc:AlternateContent xmlns:mc="http://schemas.openxmlformats.org/markup-compatibility/2006">
-        <mc:Choice xmlns:a14="http://schemas.microsoft.com/office/drawing/2010/main" Requires="a14">
+      <mc:AlternateContent xmlns:mc="http://schemas.openxmlformats.org/markup-compatibility/2006" xmlns:a14="http://schemas.microsoft.com/office/drawing/2010/main">
+        <mc:Choice Requires="a14">
           <p:sp>
             <p:nvSpPr>
               <p:cNvPr id="83" name="Oval 82">
@@ -15724,7 +16242,7 @@
             </p:txBody>
           </p:sp>
         </mc:Choice>
-        <mc:Fallback>
+        <mc:Fallback xmlns="">
           <p:sp>
             <p:nvSpPr>
               <p:cNvPr id="83" name="Oval 82">
@@ -15769,8 +16287,8 @@
           </p:sp>
         </mc:Fallback>
       </mc:AlternateContent>
-      <mc:AlternateContent xmlns:mc="http://schemas.openxmlformats.org/markup-compatibility/2006">
-        <mc:Choice xmlns:a14="http://schemas.microsoft.com/office/drawing/2010/main" Requires="a14">
+      <mc:AlternateContent xmlns:mc="http://schemas.openxmlformats.org/markup-compatibility/2006" xmlns:a14="http://schemas.microsoft.com/office/drawing/2010/main">
+        <mc:Choice Requires="a14">
           <p:sp>
             <p:nvSpPr>
               <p:cNvPr id="84" name="Oval 83">
@@ -15850,7 +16368,7 @@
             </p:txBody>
           </p:sp>
         </mc:Choice>
-        <mc:Fallback>
+        <mc:Fallback xmlns="">
           <p:sp>
             <p:nvSpPr>
               <p:cNvPr id="84" name="Oval 83">
@@ -15895,8 +16413,8 @@
           </p:sp>
         </mc:Fallback>
       </mc:AlternateContent>
-      <mc:AlternateContent xmlns:mc="http://schemas.openxmlformats.org/markup-compatibility/2006">
-        <mc:Choice xmlns:a14="http://schemas.microsoft.com/office/drawing/2010/main" Requires="a14">
+      <mc:AlternateContent xmlns:mc="http://schemas.openxmlformats.org/markup-compatibility/2006" xmlns:a14="http://schemas.microsoft.com/office/drawing/2010/main">
+        <mc:Choice Requires="a14">
           <p:sp>
             <p:nvSpPr>
               <p:cNvPr id="85" name="Oval 84">
@@ -15984,7 +16502,7 @@
             </p:txBody>
           </p:sp>
         </mc:Choice>
-        <mc:Fallback>
+        <mc:Fallback xmlns="">
           <p:sp>
             <p:nvSpPr>
               <p:cNvPr id="85" name="Oval 84">
@@ -16213,8 +16731,8 @@
           </a:fontRef>
         </p:style>
       </p:cxnSp>
-      <mc:AlternateContent xmlns:mc="http://schemas.openxmlformats.org/markup-compatibility/2006">
-        <mc:Choice xmlns:a14="http://schemas.microsoft.com/office/drawing/2010/main" Requires="a14">
+      <mc:AlternateContent xmlns:mc="http://schemas.openxmlformats.org/markup-compatibility/2006" xmlns:a14="http://schemas.microsoft.com/office/drawing/2010/main">
+        <mc:Choice Requires="a14">
           <p:sp>
             <p:nvSpPr>
               <p:cNvPr id="90" name="TextBox 89">
@@ -16243,6 +16761,7 @@
               </a:bodyPr>
               <a:lstStyle/>
               <a:p>
+                <a:pPr/>
                 <a14:m>
                   <m:oMathPara xmlns:m="http://schemas.openxmlformats.org/officeDocument/2006/math">
                     <m:oMathParaPr>
@@ -16300,7 +16819,7 @@
             </p:txBody>
           </p:sp>
         </mc:Choice>
-        <mc:Fallback>
+        <mc:Fallback xmlns="">
           <p:sp>
             <p:nvSpPr>
               <p:cNvPr id="90" name="TextBox 89">
@@ -16345,8 +16864,8 @@
           </p:sp>
         </mc:Fallback>
       </mc:AlternateContent>
-      <mc:AlternateContent xmlns:mc="http://schemas.openxmlformats.org/markup-compatibility/2006">
-        <mc:Choice xmlns:a14="http://schemas.microsoft.com/office/drawing/2010/main" Requires="a14">
+      <mc:AlternateContent xmlns:mc="http://schemas.openxmlformats.org/markup-compatibility/2006" xmlns:a14="http://schemas.microsoft.com/office/drawing/2010/main">
+        <mc:Choice Requires="a14">
           <p:sp>
             <p:nvSpPr>
               <p:cNvPr id="91" name="TextBox 90">
@@ -16375,6 +16894,7 @@
               </a:bodyPr>
               <a:lstStyle/>
               <a:p>
+                <a:pPr/>
                 <a14:m>
                   <m:oMathPara xmlns:m="http://schemas.openxmlformats.org/officeDocument/2006/math">
                     <m:oMathParaPr>
@@ -16422,7 +16942,7 @@
             </p:txBody>
           </p:sp>
         </mc:Choice>
-        <mc:Fallback>
+        <mc:Fallback xmlns="">
           <p:sp>
             <p:nvSpPr>
               <p:cNvPr id="91" name="TextBox 90">
@@ -16467,8 +16987,8 @@
           </p:sp>
         </mc:Fallback>
       </mc:AlternateContent>
-      <mc:AlternateContent xmlns:mc="http://schemas.openxmlformats.org/markup-compatibility/2006">
-        <mc:Choice xmlns:a14="http://schemas.microsoft.com/office/drawing/2010/main" Requires="a14">
+      <mc:AlternateContent xmlns:mc="http://schemas.openxmlformats.org/markup-compatibility/2006" xmlns:a14="http://schemas.microsoft.com/office/drawing/2010/main">
+        <mc:Choice Requires="a14">
           <p:sp>
             <p:nvSpPr>
               <p:cNvPr id="92" name="TextBox 91">
@@ -16497,6 +17017,7 @@
               </a:bodyPr>
               <a:lstStyle/>
               <a:p>
+                <a:pPr/>
                 <a14:m>
                   <m:oMathPara xmlns:m="http://schemas.openxmlformats.org/officeDocument/2006/math">
                     <m:oMathParaPr>
@@ -16544,7 +17065,7 @@
             </p:txBody>
           </p:sp>
         </mc:Choice>
-        <mc:Fallback>
+        <mc:Fallback xmlns="">
           <p:sp>
             <p:nvSpPr>
               <p:cNvPr id="92" name="TextBox 91">
@@ -16589,8 +17110,8 @@
           </p:sp>
         </mc:Fallback>
       </mc:AlternateContent>
-      <mc:AlternateContent xmlns:mc="http://schemas.openxmlformats.org/markup-compatibility/2006">
-        <mc:Choice xmlns:a14="http://schemas.microsoft.com/office/drawing/2010/main" Requires="a14">
+      <mc:AlternateContent xmlns:mc="http://schemas.openxmlformats.org/markup-compatibility/2006" xmlns:a14="http://schemas.microsoft.com/office/drawing/2010/main">
+        <mc:Choice Requires="a14">
           <p:sp>
             <p:nvSpPr>
               <p:cNvPr id="93" name="TextBox 92">
@@ -16619,6 +17140,7 @@
               </a:bodyPr>
               <a:lstStyle/>
               <a:p>
+                <a:pPr/>
                 <a14:m>
                   <m:oMathPara xmlns:m="http://schemas.openxmlformats.org/officeDocument/2006/math">
                     <m:oMathParaPr>
@@ -16666,7 +17188,7 @@
             </p:txBody>
           </p:sp>
         </mc:Choice>
-        <mc:Fallback>
+        <mc:Fallback xmlns="">
           <p:sp>
             <p:nvSpPr>
               <p:cNvPr id="93" name="TextBox 92">
@@ -16711,8 +17233,8 @@
           </p:sp>
         </mc:Fallback>
       </mc:AlternateContent>
-      <mc:AlternateContent xmlns:mc="http://schemas.openxmlformats.org/markup-compatibility/2006">
-        <mc:Choice xmlns:a14="http://schemas.microsoft.com/office/drawing/2010/main" Requires="a14">
+      <mc:AlternateContent xmlns:mc="http://schemas.openxmlformats.org/markup-compatibility/2006" xmlns:a14="http://schemas.microsoft.com/office/drawing/2010/main">
+        <mc:Choice Requires="a14">
           <p:sp>
             <p:nvSpPr>
               <p:cNvPr id="94" name="Oval 93">
@@ -16800,7 +17322,7 @@
             </p:txBody>
           </p:sp>
         </mc:Choice>
-        <mc:Fallback>
+        <mc:Fallback xmlns="">
           <p:sp>
             <p:nvSpPr>
               <p:cNvPr id="94" name="Oval 93">
@@ -16845,8 +17367,8 @@
           </p:sp>
         </mc:Fallback>
       </mc:AlternateContent>
-      <mc:AlternateContent xmlns:mc="http://schemas.openxmlformats.org/markup-compatibility/2006">
-        <mc:Choice xmlns:a14="http://schemas.microsoft.com/office/drawing/2010/main" Requires="a14">
+      <mc:AlternateContent xmlns:mc="http://schemas.openxmlformats.org/markup-compatibility/2006" xmlns:a14="http://schemas.microsoft.com/office/drawing/2010/main">
+        <mc:Choice Requires="a14">
           <p:sp>
             <p:nvSpPr>
               <p:cNvPr id="95" name="Oval 94">
@@ -16934,7 +17456,7 @@
             </p:txBody>
           </p:sp>
         </mc:Choice>
-        <mc:Fallback>
+        <mc:Fallback xmlns="">
           <p:sp>
             <p:nvSpPr>
               <p:cNvPr id="95" name="Oval 94">
@@ -17255,8 +17777,8 @@
           </a:fontRef>
         </p:style>
       </p:cxnSp>
-      <mc:AlternateContent xmlns:mc="http://schemas.openxmlformats.org/markup-compatibility/2006">
-        <mc:Choice xmlns:a14="http://schemas.microsoft.com/office/drawing/2010/main" Requires="a14">
+      <mc:AlternateContent xmlns:mc="http://schemas.openxmlformats.org/markup-compatibility/2006" xmlns:a14="http://schemas.microsoft.com/office/drawing/2010/main">
+        <mc:Choice Requires="a14">
           <p:sp>
             <p:nvSpPr>
               <p:cNvPr id="102" name="TextBox 101">
@@ -17285,6 +17807,7 @@
               </a:bodyPr>
               <a:lstStyle/>
               <a:p>
+                <a:pPr/>
                 <a14:m>
                   <m:oMathPara xmlns:m="http://schemas.openxmlformats.org/officeDocument/2006/math">
                     <m:oMathParaPr>
@@ -17332,7 +17855,7 @@
             </p:txBody>
           </p:sp>
         </mc:Choice>
-        <mc:Fallback>
+        <mc:Fallback xmlns="">
           <p:sp>
             <p:nvSpPr>
               <p:cNvPr id="102" name="TextBox 101">
@@ -17377,8 +17900,8 @@
           </p:sp>
         </mc:Fallback>
       </mc:AlternateContent>
-      <mc:AlternateContent xmlns:mc="http://schemas.openxmlformats.org/markup-compatibility/2006">
-        <mc:Choice xmlns:a14="http://schemas.microsoft.com/office/drawing/2010/main" Requires="a14">
+      <mc:AlternateContent xmlns:mc="http://schemas.openxmlformats.org/markup-compatibility/2006" xmlns:a14="http://schemas.microsoft.com/office/drawing/2010/main">
+        <mc:Choice Requires="a14">
           <p:sp>
             <p:nvSpPr>
               <p:cNvPr id="103" name="TextBox 102">
@@ -17407,6 +17930,7 @@
               </a:bodyPr>
               <a:lstStyle/>
               <a:p>
+                <a:pPr/>
                 <a14:m>
                   <m:oMathPara xmlns:m="http://schemas.openxmlformats.org/officeDocument/2006/math">
                     <m:oMathParaPr>
@@ -17454,7 +17978,7 @@
             </p:txBody>
           </p:sp>
         </mc:Choice>
-        <mc:Fallback>
+        <mc:Fallback xmlns="">
           <p:sp>
             <p:nvSpPr>
               <p:cNvPr id="103" name="TextBox 102">
@@ -17499,8 +18023,8 @@
           </p:sp>
         </mc:Fallback>
       </mc:AlternateContent>
-      <mc:AlternateContent xmlns:mc="http://schemas.openxmlformats.org/markup-compatibility/2006">
-        <mc:Choice xmlns:a14="http://schemas.microsoft.com/office/drawing/2010/main" Requires="a14">
+      <mc:AlternateContent xmlns:mc="http://schemas.openxmlformats.org/markup-compatibility/2006" xmlns:a14="http://schemas.microsoft.com/office/drawing/2010/main">
+        <mc:Choice Requires="a14">
           <p:sp>
             <p:nvSpPr>
               <p:cNvPr id="104" name="TextBox 103">
@@ -17529,6 +18053,7 @@
               </a:bodyPr>
               <a:lstStyle/>
               <a:p>
+                <a:pPr/>
                 <a14:m>
                   <m:oMathPara xmlns:m="http://schemas.openxmlformats.org/officeDocument/2006/math">
                     <m:oMathParaPr>
@@ -17576,7 +18101,7 @@
             </p:txBody>
           </p:sp>
         </mc:Choice>
-        <mc:Fallback>
+        <mc:Fallback xmlns="">
           <p:sp>
             <p:nvSpPr>
               <p:cNvPr id="104" name="TextBox 103">
@@ -17621,8 +18146,8 @@
           </p:sp>
         </mc:Fallback>
       </mc:AlternateContent>
-      <mc:AlternateContent xmlns:mc="http://schemas.openxmlformats.org/markup-compatibility/2006">
-        <mc:Choice xmlns:a14="http://schemas.microsoft.com/office/drawing/2010/main" Requires="a14">
+      <mc:AlternateContent xmlns:mc="http://schemas.openxmlformats.org/markup-compatibility/2006" xmlns:a14="http://schemas.microsoft.com/office/drawing/2010/main">
+        <mc:Choice Requires="a14">
           <p:sp>
             <p:nvSpPr>
               <p:cNvPr id="105" name="TextBox 104">
@@ -17651,6 +18176,7 @@
               </a:bodyPr>
               <a:lstStyle/>
               <a:p>
+                <a:pPr/>
                 <a14:m>
                   <m:oMathPara xmlns:m="http://schemas.openxmlformats.org/officeDocument/2006/math">
                     <m:oMathParaPr>
@@ -17698,7 +18224,7 @@
             </p:txBody>
           </p:sp>
         </mc:Choice>
-        <mc:Fallback>
+        <mc:Fallback xmlns="">
           <p:sp>
             <p:nvSpPr>
               <p:cNvPr id="105" name="TextBox 104">
@@ -17743,8 +18269,8 @@
           </p:sp>
         </mc:Fallback>
       </mc:AlternateContent>
-      <mc:AlternateContent xmlns:mc="http://schemas.openxmlformats.org/markup-compatibility/2006">
-        <mc:Choice xmlns:a14="http://schemas.microsoft.com/office/drawing/2010/main" Requires="a14">
+      <mc:AlternateContent xmlns:mc="http://schemas.openxmlformats.org/markup-compatibility/2006" xmlns:a14="http://schemas.microsoft.com/office/drawing/2010/main">
+        <mc:Choice Requires="a14">
           <p:sp>
             <p:nvSpPr>
               <p:cNvPr id="106" name="TextBox 105">
@@ -17773,6 +18299,7 @@
               </a:bodyPr>
               <a:lstStyle/>
               <a:p>
+                <a:pPr/>
                 <a14:m>
                   <m:oMathPara xmlns:m="http://schemas.openxmlformats.org/officeDocument/2006/math">
                     <m:oMathParaPr>
@@ -17820,7 +18347,7 @@
             </p:txBody>
           </p:sp>
         </mc:Choice>
-        <mc:Fallback>
+        <mc:Fallback xmlns="">
           <p:sp>
             <p:nvSpPr>
               <p:cNvPr id="106" name="TextBox 105">
@@ -17865,8 +18392,8 @@
           </p:sp>
         </mc:Fallback>
       </mc:AlternateContent>
-      <mc:AlternateContent xmlns:mc="http://schemas.openxmlformats.org/markup-compatibility/2006">
-        <mc:Choice xmlns:a14="http://schemas.microsoft.com/office/drawing/2010/main" Requires="a14">
+      <mc:AlternateContent xmlns:mc="http://schemas.openxmlformats.org/markup-compatibility/2006" xmlns:a14="http://schemas.microsoft.com/office/drawing/2010/main">
+        <mc:Choice Requires="a14">
           <p:sp>
             <p:nvSpPr>
               <p:cNvPr id="107" name="TextBox 106">
@@ -17895,6 +18422,7 @@
               </a:bodyPr>
               <a:lstStyle/>
               <a:p>
+                <a:pPr/>
                 <a14:m>
                   <m:oMathPara xmlns:m="http://schemas.openxmlformats.org/officeDocument/2006/math">
                     <m:oMathParaPr>
@@ -17942,7 +18470,7 @@
             </p:txBody>
           </p:sp>
         </mc:Choice>
-        <mc:Fallback>
+        <mc:Fallback xmlns="">
           <p:sp>
             <p:nvSpPr>
               <p:cNvPr id="107" name="TextBox 106">
@@ -18089,13 +18617,13 @@
   <p:clrMapOvr>
     <a:masterClrMapping/>
   </p:clrMapOvr>
-  <mc:AlternateContent xmlns:mc="http://schemas.openxmlformats.org/markup-compatibility/2006">
-    <mc:Choice xmlns:p159="http://schemas.microsoft.com/office/powerpoint/2015/09/main" Requires="p159">
+  <mc:AlternateContent xmlns:mc="http://schemas.openxmlformats.org/markup-compatibility/2006" xmlns:p159="http://schemas.microsoft.com/office/powerpoint/2015/09/main">
+    <mc:Choice Requires="p159">
       <p:transition xmlns:p14="http://schemas.microsoft.com/office/powerpoint/2010/main" spd="slow" p14:dur="2000">
         <p159:morph option="byObject"/>
       </p:transition>
     </mc:Choice>
-    <mc:Fallback>
+    <mc:Fallback xmlns="">
       <p:transition spd="slow">
         <p:fade/>
       </p:transition>
@@ -18149,8 +18677,8 @@
           </a:p>
         </p:txBody>
       </p:sp>
-      <mc:AlternateContent xmlns:mc="http://schemas.openxmlformats.org/markup-compatibility/2006">
-        <mc:Choice xmlns:a14="http://schemas.microsoft.com/office/drawing/2010/main" Requires="a14">
+      <mc:AlternateContent xmlns:mc="http://schemas.openxmlformats.org/markup-compatibility/2006" xmlns:a14="http://schemas.microsoft.com/office/drawing/2010/main">
+        <mc:Choice Requires="a14">
           <p:sp>
             <p:nvSpPr>
               <p:cNvPr id="4" name="Oval 3">
@@ -18230,7 +18758,7 @@
             </p:txBody>
           </p:sp>
         </mc:Choice>
-        <mc:Fallback>
+        <mc:Fallback xmlns="">
           <p:sp>
             <p:nvSpPr>
               <p:cNvPr id="4" name="Oval 3">
@@ -18275,8 +18803,8 @@
           </p:sp>
         </mc:Fallback>
       </mc:AlternateContent>
-      <mc:AlternateContent xmlns:mc="http://schemas.openxmlformats.org/markup-compatibility/2006">
-        <mc:Choice xmlns:a14="http://schemas.microsoft.com/office/drawing/2010/main" Requires="a14">
+      <mc:AlternateContent xmlns:mc="http://schemas.openxmlformats.org/markup-compatibility/2006" xmlns:a14="http://schemas.microsoft.com/office/drawing/2010/main">
+        <mc:Choice Requires="a14">
           <p:sp>
             <p:nvSpPr>
               <p:cNvPr id="5" name="Oval 4">
@@ -18356,7 +18884,7 @@
             </p:txBody>
           </p:sp>
         </mc:Choice>
-        <mc:Fallback>
+        <mc:Fallback xmlns="">
           <p:sp>
             <p:nvSpPr>
               <p:cNvPr id="5" name="Oval 4">
@@ -18401,8 +18929,8 @@
           </p:sp>
         </mc:Fallback>
       </mc:AlternateContent>
-      <mc:AlternateContent xmlns:mc="http://schemas.openxmlformats.org/markup-compatibility/2006">
-        <mc:Choice xmlns:a14="http://schemas.microsoft.com/office/drawing/2010/main" Requires="a14">
+      <mc:AlternateContent xmlns:mc="http://schemas.openxmlformats.org/markup-compatibility/2006" xmlns:a14="http://schemas.microsoft.com/office/drawing/2010/main">
+        <mc:Choice Requires="a14">
           <p:sp>
             <p:nvSpPr>
               <p:cNvPr id="6" name="Oval 5">
@@ -18482,7 +19010,7 @@
             </p:txBody>
           </p:sp>
         </mc:Choice>
-        <mc:Fallback>
+        <mc:Fallback xmlns="">
           <p:sp>
             <p:nvSpPr>
               <p:cNvPr id="6" name="Oval 5">
@@ -18527,8 +19055,8 @@
           </p:sp>
         </mc:Fallback>
       </mc:AlternateContent>
-      <mc:AlternateContent xmlns:mc="http://schemas.openxmlformats.org/markup-compatibility/2006">
-        <mc:Choice xmlns:a14="http://schemas.microsoft.com/office/drawing/2010/main" Requires="a14">
+      <mc:AlternateContent xmlns:mc="http://schemas.openxmlformats.org/markup-compatibility/2006" xmlns:a14="http://schemas.microsoft.com/office/drawing/2010/main">
+        <mc:Choice Requires="a14">
           <p:sp>
             <p:nvSpPr>
               <p:cNvPr id="7" name="Oval 6">
@@ -18616,7 +19144,7 @@
             </p:txBody>
           </p:sp>
         </mc:Choice>
-        <mc:Fallback>
+        <mc:Fallback xmlns="">
           <p:sp>
             <p:nvSpPr>
               <p:cNvPr id="7" name="Oval 6">
@@ -18845,8 +19373,8 @@
           </a:fontRef>
         </p:style>
       </p:cxnSp>
-      <mc:AlternateContent xmlns:mc="http://schemas.openxmlformats.org/markup-compatibility/2006">
-        <mc:Choice xmlns:a14="http://schemas.microsoft.com/office/drawing/2010/main" Requires="a14">
+      <mc:AlternateContent xmlns:mc="http://schemas.openxmlformats.org/markup-compatibility/2006" xmlns:a14="http://schemas.microsoft.com/office/drawing/2010/main">
+        <mc:Choice Requires="a14">
           <p:sp>
             <p:nvSpPr>
               <p:cNvPr id="12" name="TextBox 11">
@@ -18875,6 +19403,7 @@
               </a:bodyPr>
               <a:lstStyle/>
               <a:p>
+                <a:pPr/>
                 <a14:m>
                   <m:oMathPara xmlns:m="http://schemas.openxmlformats.org/officeDocument/2006/math">
                     <m:oMathParaPr>
@@ -18932,7 +19461,7 @@
             </p:txBody>
           </p:sp>
         </mc:Choice>
-        <mc:Fallback>
+        <mc:Fallback xmlns="">
           <p:sp>
             <p:nvSpPr>
               <p:cNvPr id="12" name="TextBox 11">
@@ -18977,8 +19506,8 @@
           </p:sp>
         </mc:Fallback>
       </mc:AlternateContent>
-      <mc:AlternateContent xmlns:mc="http://schemas.openxmlformats.org/markup-compatibility/2006">
-        <mc:Choice xmlns:a14="http://schemas.microsoft.com/office/drawing/2010/main" Requires="a14">
+      <mc:AlternateContent xmlns:mc="http://schemas.openxmlformats.org/markup-compatibility/2006" xmlns:a14="http://schemas.microsoft.com/office/drawing/2010/main">
+        <mc:Choice Requires="a14">
           <p:sp>
             <p:nvSpPr>
               <p:cNvPr id="27" name="TextBox 26">
@@ -19007,6 +19536,7 @@
               </a:bodyPr>
               <a:lstStyle/>
               <a:p>
+                <a:pPr/>
                 <a14:m>
                   <m:oMathPara xmlns:m="http://schemas.openxmlformats.org/officeDocument/2006/math">
                     <m:oMathParaPr>
@@ -19054,7 +19584,7 @@
             </p:txBody>
           </p:sp>
         </mc:Choice>
-        <mc:Fallback>
+        <mc:Fallback xmlns="">
           <p:sp>
             <p:nvSpPr>
               <p:cNvPr id="27" name="TextBox 26">
@@ -19099,8 +19629,8 @@
           </p:sp>
         </mc:Fallback>
       </mc:AlternateContent>
-      <mc:AlternateContent xmlns:mc="http://schemas.openxmlformats.org/markup-compatibility/2006">
-        <mc:Choice xmlns:a14="http://schemas.microsoft.com/office/drawing/2010/main" Requires="a14">
+      <mc:AlternateContent xmlns:mc="http://schemas.openxmlformats.org/markup-compatibility/2006" xmlns:a14="http://schemas.microsoft.com/office/drawing/2010/main">
+        <mc:Choice Requires="a14">
           <p:sp>
             <p:nvSpPr>
               <p:cNvPr id="19" name="TextBox 18">
@@ -19129,6 +19659,7 @@
               </a:bodyPr>
               <a:lstStyle/>
               <a:p>
+                <a:pPr/>
                 <a14:m>
                   <m:oMathPara xmlns:m="http://schemas.openxmlformats.org/officeDocument/2006/math">
                     <m:oMathParaPr>
@@ -19176,7 +19707,7 @@
             </p:txBody>
           </p:sp>
         </mc:Choice>
-        <mc:Fallback>
+        <mc:Fallback xmlns="">
           <p:sp>
             <p:nvSpPr>
               <p:cNvPr id="19" name="TextBox 18">
@@ -19221,8 +19752,8 @@
           </p:sp>
         </mc:Fallback>
       </mc:AlternateContent>
-      <mc:AlternateContent xmlns:mc="http://schemas.openxmlformats.org/markup-compatibility/2006">
-        <mc:Choice xmlns:a14="http://schemas.microsoft.com/office/drawing/2010/main" Requires="a14">
+      <mc:AlternateContent xmlns:mc="http://schemas.openxmlformats.org/markup-compatibility/2006" xmlns:a14="http://schemas.microsoft.com/office/drawing/2010/main">
+        <mc:Choice Requires="a14">
           <p:sp>
             <p:nvSpPr>
               <p:cNvPr id="21" name="TextBox 20">
@@ -19251,6 +19782,7 @@
               </a:bodyPr>
               <a:lstStyle/>
               <a:p>
+                <a:pPr/>
                 <a14:m>
                   <m:oMathPara xmlns:m="http://schemas.openxmlformats.org/officeDocument/2006/math">
                     <m:oMathParaPr>
@@ -19298,7 +19830,7 @@
             </p:txBody>
           </p:sp>
         </mc:Choice>
-        <mc:Fallback>
+        <mc:Fallback xmlns="">
           <p:sp>
             <p:nvSpPr>
               <p:cNvPr id="21" name="TextBox 20">
@@ -19343,8 +19875,8 @@
           </p:sp>
         </mc:Fallback>
       </mc:AlternateContent>
-      <mc:AlternateContent xmlns:mc="http://schemas.openxmlformats.org/markup-compatibility/2006">
-        <mc:Choice xmlns:a14="http://schemas.microsoft.com/office/drawing/2010/main" Requires="a14">
+      <mc:AlternateContent xmlns:mc="http://schemas.openxmlformats.org/markup-compatibility/2006" xmlns:a14="http://schemas.microsoft.com/office/drawing/2010/main">
+        <mc:Choice Requires="a14">
           <p:sp>
             <p:nvSpPr>
               <p:cNvPr id="20" name="TextBox 19">
@@ -19373,6 +19905,7 @@
               </a:bodyPr>
               <a:lstStyle/>
               <a:p>
+                <a:pPr/>
                 <a14:m>
                   <m:oMathPara xmlns:m="http://schemas.openxmlformats.org/officeDocument/2006/math">
                     <m:oMathParaPr>
@@ -19504,7 +20037,7 @@
             </p:txBody>
           </p:sp>
         </mc:Choice>
-        <mc:Fallback>
+        <mc:Fallback xmlns="">
           <p:sp>
             <p:nvSpPr>
               <p:cNvPr id="20" name="TextBox 19">
@@ -19549,8 +20082,8 @@
           </p:sp>
         </mc:Fallback>
       </mc:AlternateContent>
-      <mc:AlternateContent xmlns:mc="http://schemas.openxmlformats.org/markup-compatibility/2006">
-        <mc:Choice xmlns:a14="http://schemas.microsoft.com/office/drawing/2010/main" Requires="a14">
+      <mc:AlternateContent xmlns:mc="http://schemas.openxmlformats.org/markup-compatibility/2006" xmlns:a14="http://schemas.microsoft.com/office/drawing/2010/main">
+        <mc:Choice Requires="a14">
           <p:sp>
             <p:nvSpPr>
               <p:cNvPr id="22" name="TextBox 21">
@@ -19579,6 +20112,7 @@
               </a:bodyPr>
               <a:lstStyle/>
               <a:p>
+                <a:pPr/>
                 <a14:m>
                   <m:oMathPara xmlns:m="http://schemas.openxmlformats.org/officeDocument/2006/math">
                     <m:oMathParaPr>
@@ -19680,7 +20214,7 @@
             </p:txBody>
           </p:sp>
         </mc:Choice>
-        <mc:Fallback>
+        <mc:Fallback xmlns="">
           <p:sp>
             <p:nvSpPr>
               <p:cNvPr id="22" name="TextBox 21">
@@ -19725,8 +20259,8 @@
           </p:sp>
         </mc:Fallback>
       </mc:AlternateContent>
-      <mc:AlternateContent xmlns:mc="http://schemas.openxmlformats.org/markup-compatibility/2006">
-        <mc:Choice xmlns:a14="http://schemas.microsoft.com/office/drawing/2010/main" Requires="a14">
+      <mc:AlternateContent xmlns:mc="http://schemas.openxmlformats.org/markup-compatibility/2006" xmlns:a14="http://schemas.microsoft.com/office/drawing/2010/main">
+        <mc:Choice Requires="a14">
           <p:sp>
             <p:nvSpPr>
               <p:cNvPr id="24" name="TextBox 23">
@@ -19755,6 +20289,7 @@
               </a:bodyPr>
               <a:lstStyle/>
               <a:p>
+                <a:pPr/>
                 <a14:m>
                   <m:oMathPara xmlns:m="http://schemas.openxmlformats.org/officeDocument/2006/math">
                     <m:oMathParaPr>
@@ -19948,7 +20483,7 @@
             </p:txBody>
           </p:sp>
         </mc:Choice>
-        <mc:Fallback>
+        <mc:Fallback xmlns="">
           <p:sp>
             <p:nvSpPr>
               <p:cNvPr id="24" name="TextBox 23">
@@ -19993,8 +20528,8 @@
           </p:sp>
         </mc:Fallback>
       </mc:AlternateContent>
-      <mc:AlternateContent xmlns:mc="http://schemas.openxmlformats.org/markup-compatibility/2006">
-        <mc:Choice xmlns:a14="http://schemas.microsoft.com/office/drawing/2010/main" Requires="a14">
+      <mc:AlternateContent xmlns:mc="http://schemas.openxmlformats.org/markup-compatibility/2006" xmlns:a14="http://schemas.microsoft.com/office/drawing/2010/main">
+        <mc:Choice Requires="a14">
           <p:sp>
             <p:nvSpPr>
               <p:cNvPr id="26" name="TextBox 25">
@@ -20023,6 +20558,7 @@
               </a:bodyPr>
               <a:lstStyle/>
               <a:p>
+                <a:pPr/>
                 <a14:m>
                   <m:oMathPara xmlns:m="http://schemas.openxmlformats.org/officeDocument/2006/math">
                     <m:oMathParaPr>
@@ -20235,7 +20771,7 @@
             </p:txBody>
           </p:sp>
         </mc:Choice>
-        <mc:Fallback>
+        <mc:Fallback xmlns="">
           <p:sp>
             <p:nvSpPr>
               <p:cNvPr id="26" name="TextBox 25">
@@ -20280,8 +20816,8 @@
           </p:sp>
         </mc:Fallback>
       </mc:AlternateContent>
-      <mc:AlternateContent xmlns:mc="http://schemas.openxmlformats.org/markup-compatibility/2006">
-        <mc:Choice xmlns:a14="http://schemas.microsoft.com/office/drawing/2010/main" Requires="a14">
+      <mc:AlternateContent xmlns:mc="http://schemas.openxmlformats.org/markup-compatibility/2006" xmlns:a14="http://schemas.microsoft.com/office/drawing/2010/main">
+        <mc:Choice Requires="a14">
           <p:sp>
             <p:nvSpPr>
               <p:cNvPr id="28" name="TextBox 27">
@@ -20310,6 +20846,7 @@
               </a:bodyPr>
               <a:lstStyle/>
               <a:p>
+                <a:pPr/>
                 <a14:m>
                   <m:oMathPara xmlns:m="http://schemas.openxmlformats.org/officeDocument/2006/math">
                     <m:oMathParaPr>
@@ -20558,7 +21095,7 @@
             </p:txBody>
           </p:sp>
         </mc:Choice>
-        <mc:Fallback>
+        <mc:Fallback xmlns="">
           <p:sp>
             <p:nvSpPr>
               <p:cNvPr id="28" name="TextBox 27">
@@ -20603,8 +21140,8 @@
           </p:sp>
         </mc:Fallback>
       </mc:AlternateContent>
-      <mc:AlternateContent xmlns:mc="http://schemas.openxmlformats.org/markup-compatibility/2006">
-        <mc:Choice xmlns:a14="http://schemas.microsoft.com/office/drawing/2010/main" Requires="a14">
+      <mc:AlternateContent xmlns:mc="http://schemas.openxmlformats.org/markup-compatibility/2006" xmlns:a14="http://schemas.microsoft.com/office/drawing/2010/main">
+        <mc:Choice Requires="a14">
           <p:sp>
             <p:nvSpPr>
               <p:cNvPr id="29" name="TextBox 28">
@@ -20633,6 +21170,7 @@
               </a:bodyPr>
               <a:lstStyle/>
               <a:p>
+                <a:pPr/>
                 <a14:m>
                   <m:oMathPara xmlns:m="http://schemas.openxmlformats.org/officeDocument/2006/math">
                     <m:oMathParaPr>
@@ -20809,7 +21347,7 @@
             </p:txBody>
           </p:sp>
         </mc:Choice>
-        <mc:Fallback>
+        <mc:Fallback xmlns="">
           <p:sp>
             <p:nvSpPr>
               <p:cNvPr id="29" name="TextBox 28">
@@ -20864,13 +21402,13 @@
   <p:clrMapOvr>
     <a:masterClrMapping/>
   </p:clrMapOvr>
-  <mc:AlternateContent xmlns:mc="http://schemas.openxmlformats.org/markup-compatibility/2006">
-    <mc:Choice xmlns:p159="http://schemas.microsoft.com/office/powerpoint/2015/09/main" Requires="p159">
+  <mc:AlternateContent xmlns:mc="http://schemas.openxmlformats.org/markup-compatibility/2006" xmlns:p159="http://schemas.microsoft.com/office/powerpoint/2015/09/main">
+    <mc:Choice Requires="p159">
       <p:transition xmlns:p14="http://schemas.microsoft.com/office/powerpoint/2010/main" spd="slow" p14:dur="2000">
         <p159:morph option="byObject"/>
       </p:transition>
     </mc:Choice>
-    <mc:Fallback>
+    <mc:Fallback xmlns="">
       <p:transition spd="slow">
         <p:fade/>
       </p:transition>
@@ -20929,8 +21467,8 @@
           </a:p>
         </p:txBody>
       </p:sp>
-      <mc:AlternateContent xmlns:mc="http://schemas.openxmlformats.org/markup-compatibility/2006">
-        <mc:Choice xmlns:a14="http://schemas.microsoft.com/office/drawing/2010/main" Requires="a14">
+      <mc:AlternateContent xmlns:mc="http://schemas.openxmlformats.org/markup-compatibility/2006" xmlns:a14="http://schemas.microsoft.com/office/drawing/2010/main">
+        <mc:Choice Requires="a14">
           <p:sp>
             <p:nvSpPr>
               <p:cNvPr id="4" name="Oval 3">
@@ -21010,7 +21548,7 @@
             </p:txBody>
           </p:sp>
         </mc:Choice>
-        <mc:Fallback>
+        <mc:Fallback xmlns="">
           <p:sp>
             <p:nvSpPr>
               <p:cNvPr id="4" name="Oval 3">
@@ -21055,8 +21593,8 @@
           </p:sp>
         </mc:Fallback>
       </mc:AlternateContent>
-      <mc:AlternateContent xmlns:mc="http://schemas.openxmlformats.org/markup-compatibility/2006">
-        <mc:Choice xmlns:a14="http://schemas.microsoft.com/office/drawing/2010/main" Requires="a14">
+      <mc:AlternateContent xmlns:mc="http://schemas.openxmlformats.org/markup-compatibility/2006" xmlns:a14="http://schemas.microsoft.com/office/drawing/2010/main">
+        <mc:Choice Requires="a14">
           <p:sp>
             <p:nvSpPr>
               <p:cNvPr id="5" name="Oval 4">
@@ -21136,7 +21674,7 @@
             </p:txBody>
           </p:sp>
         </mc:Choice>
-        <mc:Fallback>
+        <mc:Fallback xmlns="">
           <p:sp>
             <p:nvSpPr>
               <p:cNvPr id="5" name="Oval 4">
@@ -21181,8 +21719,8 @@
           </p:sp>
         </mc:Fallback>
       </mc:AlternateContent>
-      <mc:AlternateContent xmlns:mc="http://schemas.openxmlformats.org/markup-compatibility/2006">
-        <mc:Choice xmlns:a14="http://schemas.microsoft.com/office/drawing/2010/main" Requires="a14">
+      <mc:AlternateContent xmlns:mc="http://schemas.openxmlformats.org/markup-compatibility/2006" xmlns:a14="http://schemas.microsoft.com/office/drawing/2010/main">
+        <mc:Choice Requires="a14">
           <p:sp>
             <p:nvSpPr>
               <p:cNvPr id="6" name="Oval 5">
@@ -21262,7 +21800,7 @@
             </p:txBody>
           </p:sp>
         </mc:Choice>
-        <mc:Fallback>
+        <mc:Fallback xmlns="">
           <p:sp>
             <p:nvSpPr>
               <p:cNvPr id="6" name="Oval 5">
@@ -21307,8 +21845,8 @@
           </p:sp>
         </mc:Fallback>
       </mc:AlternateContent>
-      <mc:AlternateContent xmlns:mc="http://schemas.openxmlformats.org/markup-compatibility/2006">
-        <mc:Choice xmlns:a14="http://schemas.microsoft.com/office/drawing/2010/main" Requires="a14">
+      <mc:AlternateContent xmlns:mc="http://schemas.openxmlformats.org/markup-compatibility/2006" xmlns:a14="http://schemas.microsoft.com/office/drawing/2010/main">
+        <mc:Choice Requires="a14">
           <p:sp>
             <p:nvSpPr>
               <p:cNvPr id="7" name="Oval 6">
@@ -21396,7 +21934,7 @@
             </p:txBody>
           </p:sp>
         </mc:Choice>
-        <mc:Fallback>
+        <mc:Fallback xmlns="">
           <p:sp>
             <p:nvSpPr>
               <p:cNvPr id="7" name="Oval 6">
@@ -21625,8 +22163,8 @@
           </a:fontRef>
         </p:style>
       </p:cxnSp>
-      <mc:AlternateContent xmlns:mc="http://schemas.openxmlformats.org/markup-compatibility/2006">
-        <mc:Choice xmlns:a14="http://schemas.microsoft.com/office/drawing/2010/main" Requires="a14">
+      <mc:AlternateContent xmlns:mc="http://schemas.openxmlformats.org/markup-compatibility/2006" xmlns:a14="http://schemas.microsoft.com/office/drawing/2010/main">
+        <mc:Choice Requires="a14">
           <p:sp>
             <p:nvSpPr>
               <p:cNvPr id="12" name="TextBox 11">
@@ -21655,6 +22193,7 @@
               </a:bodyPr>
               <a:lstStyle/>
               <a:p>
+                <a:pPr/>
                 <a14:m>
                   <m:oMathPara xmlns:m="http://schemas.openxmlformats.org/officeDocument/2006/math">
                     <m:oMathParaPr>
@@ -21712,7 +22251,7 @@
             </p:txBody>
           </p:sp>
         </mc:Choice>
-        <mc:Fallback>
+        <mc:Fallback xmlns="">
           <p:sp>
             <p:nvSpPr>
               <p:cNvPr id="12" name="TextBox 11">
@@ -21757,8 +22296,8 @@
           </p:sp>
         </mc:Fallback>
       </mc:AlternateContent>
-      <mc:AlternateContent xmlns:mc="http://schemas.openxmlformats.org/markup-compatibility/2006">
-        <mc:Choice xmlns:a14="http://schemas.microsoft.com/office/drawing/2010/main" Requires="a14">
+      <mc:AlternateContent xmlns:mc="http://schemas.openxmlformats.org/markup-compatibility/2006" xmlns:a14="http://schemas.microsoft.com/office/drawing/2010/main">
+        <mc:Choice Requires="a14">
           <p:sp>
             <p:nvSpPr>
               <p:cNvPr id="27" name="TextBox 26">
@@ -21787,6 +22326,7 @@
               </a:bodyPr>
               <a:lstStyle/>
               <a:p>
+                <a:pPr/>
                 <a14:m>
                   <m:oMathPara xmlns:m="http://schemas.openxmlformats.org/officeDocument/2006/math">
                     <m:oMathParaPr>
@@ -21834,7 +22374,7 @@
             </p:txBody>
           </p:sp>
         </mc:Choice>
-        <mc:Fallback>
+        <mc:Fallback xmlns="">
           <p:sp>
             <p:nvSpPr>
               <p:cNvPr id="27" name="TextBox 26">
@@ -21879,8 +22419,8 @@
           </p:sp>
         </mc:Fallback>
       </mc:AlternateContent>
-      <mc:AlternateContent xmlns:mc="http://schemas.openxmlformats.org/markup-compatibility/2006">
-        <mc:Choice xmlns:a14="http://schemas.microsoft.com/office/drawing/2010/main" Requires="a14">
+      <mc:AlternateContent xmlns:mc="http://schemas.openxmlformats.org/markup-compatibility/2006" xmlns:a14="http://schemas.microsoft.com/office/drawing/2010/main">
+        <mc:Choice Requires="a14">
           <p:sp>
             <p:nvSpPr>
               <p:cNvPr id="19" name="TextBox 18">
@@ -21909,6 +22449,7 @@
               </a:bodyPr>
               <a:lstStyle/>
               <a:p>
+                <a:pPr/>
                 <a14:m>
                   <m:oMathPara xmlns:m="http://schemas.openxmlformats.org/officeDocument/2006/math">
                     <m:oMathParaPr>
@@ -21956,7 +22497,7 @@
             </p:txBody>
           </p:sp>
         </mc:Choice>
-        <mc:Fallback>
+        <mc:Fallback xmlns="">
           <p:sp>
             <p:nvSpPr>
               <p:cNvPr id="19" name="TextBox 18">
@@ -22001,8 +22542,8 @@
           </p:sp>
         </mc:Fallback>
       </mc:AlternateContent>
-      <mc:AlternateContent xmlns:mc="http://schemas.openxmlformats.org/markup-compatibility/2006">
-        <mc:Choice xmlns:a14="http://schemas.microsoft.com/office/drawing/2010/main" Requires="a14">
+      <mc:AlternateContent xmlns:mc="http://schemas.openxmlformats.org/markup-compatibility/2006" xmlns:a14="http://schemas.microsoft.com/office/drawing/2010/main">
+        <mc:Choice Requires="a14">
           <p:sp>
             <p:nvSpPr>
               <p:cNvPr id="21" name="TextBox 20">
@@ -22031,6 +22572,7 @@
               </a:bodyPr>
               <a:lstStyle/>
               <a:p>
+                <a:pPr/>
                 <a14:m>
                   <m:oMathPara xmlns:m="http://schemas.openxmlformats.org/officeDocument/2006/math">
                     <m:oMathParaPr>
@@ -22078,7 +22620,7 @@
             </p:txBody>
           </p:sp>
         </mc:Choice>
-        <mc:Fallback>
+        <mc:Fallback xmlns="">
           <p:sp>
             <p:nvSpPr>
               <p:cNvPr id="21" name="TextBox 20">
@@ -22123,8 +22665,8 @@
           </p:sp>
         </mc:Fallback>
       </mc:AlternateContent>
-      <mc:AlternateContent xmlns:mc="http://schemas.openxmlformats.org/markup-compatibility/2006">
-        <mc:Choice xmlns:a14="http://schemas.microsoft.com/office/drawing/2010/main" Requires="a14">
+      <mc:AlternateContent xmlns:mc="http://schemas.openxmlformats.org/markup-compatibility/2006" xmlns:a14="http://schemas.microsoft.com/office/drawing/2010/main">
+        <mc:Choice Requires="a14">
           <p:sp>
             <p:nvSpPr>
               <p:cNvPr id="20" name="TextBox 19">
@@ -22153,6 +22695,7 @@
               </a:bodyPr>
               <a:lstStyle/>
               <a:p>
+                <a:pPr/>
                 <a14:m>
                   <m:oMathPara xmlns:m="http://schemas.openxmlformats.org/officeDocument/2006/math">
                     <m:oMathParaPr>
@@ -22284,7 +22827,7 @@
             </p:txBody>
           </p:sp>
         </mc:Choice>
-        <mc:Fallback>
+        <mc:Fallback xmlns="">
           <p:sp>
             <p:nvSpPr>
               <p:cNvPr id="20" name="TextBox 19">
@@ -22329,8 +22872,8 @@
           </p:sp>
         </mc:Fallback>
       </mc:AlternateContent>
-      <mc:AlternateContent xmlns:mc="http://schemas.openxmlformats.org/markup-compatibility/2006">
-        <mc:Choice xmlns:a14="http://schemas.microsoft.com/office/drawing/2010/main" Requires="a14">
+      <mc:AlternateContent xmlns:mc="http://schemas.openxmlformats.org/markup-compatibility/2006" xmlns:a14="http://schemas.microsoft.com/office/drawing/2010/main">
+        <mc:Choice Requires="a14">
           <p:sp>
             <p:nvSpPr>
               <p:cNvPr id="22" name="TextBox 21">
@@ -22359,6 +22902,7 @@
               </a:bodyPr>
               <a:lstStyle/>
               <a:p>
+                <a:pPr/>
                 <a14:m>
                   <m:oMathPara xmlns:m="http://schemas.openxmlformats.org/officeDocument/2006/math">
                     <m:oMathParaPr>
@@ -22460,7 +23004,7 @@
             </p:txBody>
           </p:sp>
         </mc:Choice>
-        <mc:Fallback>
+        <mc:Fallback xmlns="">
           <p:sp>
             <p:nvSpPr>
               <p:cNvPr id="22" name="TextBox 21">
@@ -22505,8 +23049,8 @@
           </p:sp>
         </mc:Fallback>
       </mc:AlternateContent>
-      <mc:AlternateContent xmlns:mc="http://schemas.openxmlformats.org/markup-compatibility/2006">
-        <mc:Choice xmlns:a14="http://schemas.microsoft.com/office/drawing/2010/main" Requires="a14">
+      <mc:AlternateContent xmlns:mc="http://schemas.openxmlformats.org/markup-compatibility/2006" xmlns:a14="http://schemas.microsoft.com/office/drawing/2010/main">
+        <mc:Choice Requires="a14">
           <p:sp>
             <p:nvSpPr>
               <p:cNvPr id="33" name="Oval 32">
@@ -22594,7 +23138,7 @@
             </p:txBody>
           </p:sp>
         </mc:Choice>
-        <mc:Fallback>
+        <mc:Fallback xmlns="">
           <p:sp>
             <p:nvSpPr>
               <p:cNvPr id="33" name="Oval 32">
@@ -22639,8 +23183,8 @@
           </p:sp>
         </mc:Fallback>
       </mc:AlternateContent>
-      <mc:AlternateContent xmlns:mc="http://schemas.openxmlformats.org/markup-compatibility/2006">
-        <mc:Choice xmlns:a14="http://schemas.microsoft.com/office/drawing/2010/main" Requires="a14">
+      <mc:AlternateContent xmlns:mc="http://schemas.openxmlformats.org/markup-compatibility/2006" xmlns:a14="http://schemas.microsoft.com/office/drawing/2010/main">
+        <mc:Choice Requires="a14">
           <p:sp>
             <p:nvSpPr>
               <p:cNvPr id="34" name="Oval 33">
@@ -22728,7 +23272,7 @@
             </p:txBody>
           </p:sp>
         </mc:Choice>
-        <mc:Fallback>
+        <mc:Fallback xmlns="">
           <p:sp>
             <p:nvSpPr>
               <p:cNvPr id="34" name="Oval 33">
@@ -23049,8 +23593,8 @@
           </a:fontRef>
         </p:style>
       </p:cxnSp>
-      <mc:AlternateContent xmlns:mc="http://schemas.openxmlformats.org/markup-compatibility/2006">
-        <mc:Choice xmlns:a14="http://schemas.microsoft.com/office/drawing/2010/main" Requires="a14">
+      <mc:AlternateContent xmlns:mc="http://schemas.openxmlformats.org/markup-compatibility/2006" xmlns:a14="http://schemas.microsoft.com/office/drawing/2010/main">
+        <mc:Choice Requires="a14">
           <p:sp>
             <p:nvSpPr>
               <p:cNvPr id="63" name="TextBox 62">
@@ -23079,6 +23623,7 @@
               </a:bodyPr>
               <a:lstStyle/>
               <a:p>
+                <a:pPr/>
                 <a14:m>
                   <m:oMathPara xmlns:m="http://schemas.openxmlformats.org/officeDocument/2006/math">
                     <m:oMathParaPr>
@@ -23126,7 +23671,7 @@
             </p:txBody>
           </p:sp>
         </mc:Choice>
-        <mc:Fallback>
+        <mc:Fallback xmlns="">
           <p:sp>
             <p:nvSpPr>
               <p:cNvPr id="63" name="TextBox 62">
@@ -23171,8 +23716,8 @@
           </p:sp>
         </mc:Fallback>
       </mc:AlternateContent>
-      <mc:AlternateContent xmlns:mc="http://schemas.openxmlformats.org/markup-compatibility/2006">
-        <mc:Choice xmlns:a14="http://schemas.microsoft.com/office/drawing/2010/main" Requires="a14">
+      <mc:AlternateContent xmlns:mc="http://schemas.openxmlformats.org/markup-compatibility/2006" xmlns:a14="http://schemas.microsoft.com/office/drawing/2010/main">
+        <mc:Choice Requires="a14">
           <p:sp>
             <p:nvSpPr>
               <p:cNvPr id="64" name="TextBox 63">
@@ -23201,6 +23746,7 @@
               </a:bodyPr>
               <a:lstStyle/>
               <a:p>
+                <a:pPr/>
                 <a14:m>
                   <m:oMathPara xmlns:m="http://schemas.openxmlformats.org/officeDocument/2006/math">
                     <m:oMathParaPr>
@@ -23248,7 +23794,7 @@
             </p:txBody>
           </p:sp>
         </mc:Choice>
-        <mc:Fallback>
+        <mc:Fallback xmlns="">
           <p:sp>
             <p:nvSpPr>
               <p:cNvPr id="64" name="TextBox 63">
@@ -23293,8 +23839,8 @@
           </p:sp>
         </mc:Fallback>
       </mc:AlternateContent>
-      <mc:AlternateContent xmlns:mc="http://schemas.openxmlformats.org/markup-compatibility/2006">
-        <mc:Choice xmlns:a14="http://schemas.microsoft.com/office/drawing/2010/main" Requires="a14">
+      <mc:AlternateContent xmlns:mc="http://schemas.openxmlformats.org/markup-compatibility/2006" xmlns:a14="http://schemas.microsoft.com/office/drawing/2010/main">
+        <mc:Choice Requires="a14">
           <p:sp>
             <p:nvSpPr>
               <p:cNvPr id="65" name="TextBox 64">
@@ -23323,6 +23869,7 @@
               </a:bodyPr>
               <a:lstStyle/>
               <a:p>
+                <a:pPr/>
                 <a14:m>
                   <m:oMathPara xmlns:m="http://schemas.openxmlformats.org/officeDocument/2006/math">
                     <m:oMathParaPr>
@@ -23370,7 +23917,7 @@
             </p:txBody>
           </p:sp>
         </mc:Choice>
-        <mc:Fallback>
+        <mc:Fallback xmlns="">
           <p:sp>
             <p:nvSpPr>
               <p:cNvPr id="65" name="TextBox 64">
@@ -23415,8 +23962,8 @@
           </p:sp>
         </mc:Fallback>
       </mc:AlternateContent>
-      <mc:AlternateContent xmlns:mc="http://schemas.openxmlformats.org/markup-compatibility/2006">
-        <mc:Choice xmlns:a14="http://schemas.microsoft.com/office/drawing/2010/main" Requires="a14">
+      <mc:AlternateContent xmlns:mc="http://schemas.openxmlformats.org/markup-compatibility/2006" xmlns:a14="http://schemas.microsoft.com/office/drawing/2010/main">
+        <mc:Choice Requires="a14">
           <p:sp>
             <p:nvSpPr>
               <p:cNvPr id="66" name="TextBox 65">
@@ -23445,6 +23992,7 @@
               </a:bodyPr>
               <a:lstStyle/>
               <a:p>
+                <a:pPr/>
                 <a14:m>
                   <m:oMathPara xmlns:m="http://schemas.openxmlformats.org/officeDocument/2006/math">
                     <m:oMathParaPr>
@@ -23492,7 +24040,7 @@
             </p:txBody>
           </p:sp>
         </mc:Choice>
-        <mc:Fallback>
+        <mc:Fallback xmlns="">
           <p:sp>
             <p:nvSpPr>
               <p:cNvPr id="66" name="TextBox 65">
@@ -23537,8 +24085,8 @@
           </p:sp>
         </mc:Fallback>
       </mc:AlternateContent>
-      <mc:AlternateContent xmlns:mc="http://schemas.openxmlformats.org/markup-compatibility/2006">
-        <mc:Choice xmlns:a14="http://schemas.microsoft.com/office/drawing/2010/main" Requires="a14">
+      <mc:AlternateContent xmlns:mc="http://schemas.openxmlformats.org/markup-compatibility/2006" xmlns:a14="http://schemas.microsoft.com/office/drawing/2010/main">
+        <mc:Choice Requires="a14">
           <p:sp>
             <p:nvSpPr>
               <p:cNvPr id="67" name="TextBox 66">
@@ -23567,6 +24115,7 @@
               </a:bodyPr>
               <a:lstStyle/>
               <a:p>
+                <a:pPr/>
                 <a14:m>
                   <m:oMathPara xmlns:m="http://schemas.openxmlformats.org/officeDocument/2006/math">
                     <m:oMathParaPr>
@@ -23614,7 +24163,7 @@
             </p:txBody>
           </p:sp>
         </mc:Choice>
-        <mc:Fallback>
+        <mc:Fallback xmlns="">
           <p:sp>
             <p:nvSpPr>
               <p:cNvPr id="67" name="TextBox 66">
@@ -23659,8 +24208,8 @@
           </p:sp>
         </mc:Fallback>
       </mc:AlternateContent>
-      <mc:AlternateContent xmlns:mc="http://schemas.openxmlformats.org/markup-compatibility/2006">
-        <mc:Choice xmlns:a14="http://schemas.microsoft.com/office/drawing/2010/main" Requires="a14">
+      <mc:AlternateContent xmlns:mc="http://schemas.openxmlformats.org/markup-compatibility/2006" xmlns:a14="http://schemas.microsoft.com/office/drawing/2010/main">
+        <mc:Choice Requires="a14">
           <p:sp>
             <p:nvSpPr>
               <p:cNvPr id="68" name="TextBox 67">
@@ -23689,6 +24238,7 @@
               </a:bodyPr>
               <a:lstStyle/>
               <a:p>
+                <a:pPr/>
                 <a14:m>
                   <m:oMathPara xmlns:m="http://schemas.openxmlformats.org/officeDocument/2006/math">
                     <m:oMathParaPr>
@@ -23736,7 +24286,7 @@
             </p:txBody>
           </p:sp>
         </mc:Choice>
-        <mc:Fallback>
+        <mc:Fallback xmlns="">
           <p:sp>
             <p:nvSpPr>
               <p:cNvPr id="68" name="TextBox 67">
@@ -23873,8 +24423,8 @@
           </a:fontRef>
         </p:style>
       </p:cxnSp>
-      <mc:AlternateContent xmlns:mc="http://schemas.openxmlformats.org/markup-compatibility/2006">
-        <mc:Choice xmlns:a14="http://schemas.microsoft.com/office/drawing/2010/main" Requires="a14">
+      <mc:AlternateContent xmlns:mc="http://schemas.openxmlformats.org/markup-compatibility/2006" xmlns:a14="http://schemas.microsoft.com/office/drawing/2010/main">
+        <mc:Choice Requires="a14">
           <p:sp>
             <p:nvSpPr>
               <p:cNvPr id="78" name="TextBox 77">
@@ -23903,6 +24453,7 @@
               </a:bodyPr>
               <a:lstStyle/>
               <a:p>
+                <a:pPr/>
                 <a14:m>
                   <m:oMathPara xmlns:m="http://schemas.openxmlformats.org/officeDocument/2006/math">
                     <m:oMathParaPr>
@@ -24151,7 +24702,7 @@
             </p:txBody>
           </p:sp>
         </mc:Choice>
-        <mc:Fallback>
+        <mc:Fallback xmlns="">
           <p:sp>
             <p:nvSpPr>
               <p:cNvPr id="78" name="TextBox 77">
@@ -24196,8 +24747,8 @@
           </p:sp>
         </mc:Fallback>
       </mc:AlternateContent>
-      <mc:AlternateContent xmlns:mc="http://schemas.openxmlformats.org/markup-compatibility/2006">
-        <mc:Choice xmlns:a14="http://schemas.microsoft.com/office/drawing/2010/main" Requires="a14">
+      <mc:AlternateContent xmlns:mc="http://schemas.openxmlformats.org/markup-compatibility/2006" xmlns:a14="http://schemas.microsoft.com/office/drawing/2010/main">
+        <mc:Choice Requires="a14">
           <p:sp>
             <p:nvSpPr>
               <p:cNvPr id="79" name="TextBox 78">
@@ -24226,6 +24777,7 @@
               </a:bodyPr>
               <a:lstStyle/>
               <a:p>
+                <a:pPr/>
                 <a14:m>
                   <m:oMathPara xmlns:m="http://schemas.openxmlformats.org/officeDocument/2006/math">
                     <m:oMathParaPr>
@@ -24402,7 +24954,7 @@
             </p:txBody>
           </p:sp>
         </mc:Choice>
-        <mc:Fallback>
+        <mc:Fallback xmlns="">
           <p:sp>
             <p:nvSpPr>
               <p:cNvPr id="79" name="TextBox 78">
@@ -24447,8 +24999,8 @@
           </p:sp>
         </mc:Fallback>
       </mc:AlternateContent>
-      <mc:AlternateContent xmlns:mc="http://schemas.openxmlformats.org/markup-compatibility/2006">
-        <mc:Choice xmlns:a14="http://schemas.microsoft.com/office/drawing/2010/main" Requires="a14">
+      <mc:AlternateContent xmlns:mc="http://schemas.openxmlformats.org/markup-compatibility/2006" xmlns:a14="http://schemas.microsoft.com/office/drawing/2010/main">
+        <mc:Choice Requires="a14">
           <p:sp>
             <p:nvSpPr>
               <p:cNvPr id="35" name="TextBox 34">
@@ -24477,6 +25029,7 @@
               </a:bodyPr>
               <a:lstStyle/>
               <a:p>
+                <a:pPr/>
                 <a14:m>
                   <m:oMathPara xmlns:m="http://schemas.openxmlformats.org/officeDocument/2006/math">
                     <m:oMathParaPr>
@@ -24670,7 +25223,7 @@
             </p:txBody>
           </p:sp>
         </mc:Choice>
-        <mc:Fallback>
+        <mc:Fallback xmlns="">
           <p:sp>
             <p:nvSpPr>
               <p:cNvPr id="35" name="TextBox 34">
@@ -24715,8 +25268,8 @@
           </p:sp>
         </mc:Fallback>
       </mc:AlternateContent>
-      <mc:AlternateContent xmlns:mc="http://schemas.openxmlformats.org/markup-compatibility/2006">
-        <mc:Choice xmlns:a14="http://schemas.microsoft.com/office/drawing/2010/main" Requires="a14">
+      <mc:AlternateContent xmlns:mc="http://schemas.openxmlformats.org/markup-compatibility/2006" xmlns:a14="http://schemas.microsoft.com/office/drawing/2010/main">
+        <mc:Choice Requires="a14">
           <p:sp>
             <p:nvSpPr>
               <p:cNvPr id="38" name="TextBox 37">
@@ -24745,6 +25298,7 @@
               </a:bodyPr>
               <a:lstStyle/>
               <a:p>
+                <a:pPr/>
                 <a14:m>
                   <m:oMathPara xmlns:m="http://schemas.openxmlformats.org/officeDocument/2006/math">
                     <m:oMathParaPr>
@@ -24850,13 +25404,7 @@
                                             <a:rPr lang="en-GB" b="0" i="1" smtClean="0">
                                               <a:latin typeface="Cambria Math" panose="02040503050406030204" pitchFamily="18" charset="0"/>
                                             </a:rPr>
-                                            <m:t>1</m:t>
-                                          </m:r>
-                                          <m:r>
-                                            <a:rPr lang="en-GB" b="0" i="1" smtClean="0">
-                                              <a:latin typeface="Cambria Math" panose="02040503050406030204" pitchFamily="18" charset="0"/>
-                                            </a:rPr>
-                                            <m:t>,0</m:t>
+                                            <m:t>1,0</m:t>
                                           </m:r>
                                         </m:sub>
                                       </m:sSub>
@@ -24883,13 +25431,7 @@
                                             <a:rPr lang="en-GB" b="0" i="1" smtClean="0">
                                               <a:latin typeface="Cambria Math" panose="02040503050406030204" pitchFamily="18" charset="0"/>
                                             </a:rPr>
-                                            <m:t>2</m:t>
-                                          </m:r>
-                                          <m:r>
-                                            <a:rPr lang="en-GB" b="0" i="1" smtClean="0">
-                                              <a:latin typeface="Cambria Math" panose="02040503050406030204" pitchFamily="18" charset="0"/>
-                                            </a:rPr>
-                                            <m:t>,0</m:t>
+                                            <m:t>2,0</m:t>
                                           </m:r>
                                         </m:sub>
                                       </m:sSub>
@@ -24916,13 +25458,7 @@
                                             <a:rPr lang="en-GB" b="0" i="1" smtClean="0">
                                               <a:latin typeface="Cambria Math" panose="02040503050406030204" pitchFamily="18" charset="0"/>
                                             </a:rPr>
-                                            <m:t>3</m:t>
-                                          </m:r>
-                                          <m:r>
-                                            <a:rPr lang="en-GB" b="0" i="1" smtClean="0">
-                                              <a:latin typeface="Cambria Math" panose="02040503050406030204" pitchFamily="18" charset="0"/>
-                                            </a:rPr>
-                                            <m:t>,0</m:t>
+                                            <m:t>3,0</m:t>
                                           </m:r>
                                         </m:sub>
                                       </m:sSub>
@@ -24972,13 +25508,7 @@
                                             <a:rPr lang="en-GB" b="0" i="1" smtClean="0">
                                               <a:latin typeface="Cambria Math" panose="02040503050406030204" pitchFamily="18" charset="0"/>
                                             </a:rPr>
-                                            <m:t>1,</m:t>
-                                          </m:r>
-                                          <m:r>
-                                            <a:rPr lang="en-GB" b="0" i="1" smtClean="0">
-                                              <a:latin typeface="Cambria Math" panose="02040503050406030204" pitchFamily="18" charset="0"/>
-                                            </a:rPr>
-                                            <m:t>1</m:t>
+                                            <m:t>1,1</m:t>
                                           </m:r>
                                         </m:sub>
                                       </m:sSub>
@@ -25005,19 +25535,7 @@
                                             <a:rPr lang="en-GB" b="0" i="1" smtClean="0">
                                               <a:latin typeface="Cambria Math" panose="02040503050406030204" pitchFamily="18" charset="0"/>
                                             </a:rPr>
-                                            <m:t>2</m:t>
-                                          </m:r>
-                                          <m:r>
-                                            <a:rPr lang="en-GB" b="0" i="1" smtClean="0">
-                                              <a:latin typeface="Cambria Math" panose="02040503050406030204" pitchFamily="18" charset="0"/>
-                                            </a:rPr>
-                                            <m:t>,</m:t>
-                                          </m:r>
-                                          <m:r>
-                                            <a:rPr lang="en-GB" b="0" i="1" smtClean="0">
-                                              <a:latin typeface="Cambria Math" panose="02040503050406030204" pitchFamily="18" charset="0"/>
-                                            </a:rPr>
-                                            <m:t>1</m:t>
+                                            <m:t>2,1</m:t>
                                           </m:r>
                                         </m:sub>
                                       </m:sSub>
@@ -25044,19 +25562,7 @@
                                             <a:rPr lang="en-GB" b="0" i="1" smtClean="0">
                                               <a:latin typeface="Cambria Math" panose="02040503050406030204" pitchFamily="18" charset="0"/>
                                             </a:rPr>
-                                            <m:t>3</m:t>
-                                          </m:r>
-                                          <m:r>
-                                            <a:rPr lang="en-GB" b="0" i="1" smtClean="0">
-                                              <a:latin typeface="Cambria Math" panose="02040503050406030204" pitchFamily="18" charset="0"/>
-                                            </a:rPr>
-                                            <m:t>,</m:t>
-                                          </m:r>
-                                          <m:r>
-                                            <a:rPr lang="en-GB" b="0" i="1" smtClean="0">
-                                              <a:latin typeface="Cambria Math" panose="02040503050406030204" pitchFamily="18" charset="0"/>
-                                            </a:rPr>
-                                            <m:t>1</m:t>
+                                            <m:t>3,1</m:t>
                                           </m:r>
                                         </m:sub>
                                       </m:sSub>
@@ -25124,13 +25630,7 @@
                                                   <a:rPr lang="en-GB" b="0" i="1" smtClean="0">
                                                     <a:latin typeface="Cambria Math" panose="02040503050406030204" pitchFamily="18" charset="0"/>
                                                   </a:rPr>
-                                                  <m:t>1,</m:t>
-                                                </m:r>
-                                                <m:r>
-                                                  <a:rPr lang="en-GB" b="0" i="1" smtClean="0">
-                                                    <a:latin typeface="Cambria Math" panose="02040503050406030204" pitchFamily="18" charset="0"/>
-                                                  </a:rPr>
-                                                  <m:t>2</m:t>
+                                                  <m:t>1,2</m:t>
                                                 </m:r>
                                               </m:sub>
                                             </m:sSub>
@@ -25157,19 +25657,7 @@
                                                   <a:rPr lang="en-GB" b="0" i="1" smtClean="0">
                                                     <a:latin typeface="Cambria Math" panose="02040503050406030204" pitchFamily="18" charset="0"/>
                                                   </a:rPr>
-                                                  <m:t>2</m:t>
-                                                </m:r>
-                                                <m:r>
-                                                  <a:rPr lang="en-GB" b="0" i="1" smtClean="0">
-                                                    <a:latin typeface="Cambria Math" panose="02040503050406030204" pitchFamily="18" charset="0"/>
-                                                  </a:rPr>
-                                                  <m:t>,</m:t>
-                                                </m:r>
-                                                <m:r>
-                                                  <a:rPr lang="en-GB" b="0" i="1" smtClean="0">
-                                                    <a:latin typeface="Cambria Math" panose="02040503050406030204" pitchFamily="18" charset="0"/>
-                                                  </a:rPr>
-                                                  <m:t>2</m:t>
+                                                  <m:t>2,2</m:t>
                                                 </m:r>
                                               </m:sub>
                                             </m:sSub>
@@ -25196,19 +25684,7 @@
                                                   <a:rPr lang="en-GB" b="0" i="1" smtClean="0">
                                                     <a:latin typeface="Cambria Math" panose="02040503050406030204" pitchFamily="18" charset="0"/>
                                                   </a:rPr>
-                                                  <m:t>3</m:t>
-                                                </m:r>
-                                                <m:r>
-                                                  <a:rPr lang="en-GB" b="0" i="1" smtClean="0">
-                                                    <a:latin typeface="Cambria Math" panose="02040503050406030204" pitchFamily="18" charset="0"/>
-                                                  </a:rPr>
-                                                  <m:t>,</m:t>
-                                                </m:r>
-                                                <m:r>
-                                                  <a:rPr lang="en-GB" b="0" i="1" smtClean="0">
-                                                    <a:latin typeface="Cambria Math" panose="02040503050406030204" pitchFamily="18" charset="0"/>
-                                                  </a:rPr>
-                                                  <m:t>2</m:t>
+                                                  <m:t>3,2</m:t>
                                                 </m:r>
                                               </m:sub>
                                             </m:sSub>
@@ -25258,13 +25734,7 @@
                                                   <a:rPr lang="en-GB" b="0" i="1" smtClean="0">
                                                     <a:latin typeface="Cambria Math" panose="02040503050406030204" pitchFamily="18" charset="0"/>
                                                   </a:rPr>
-                                                  <m:t>1,</m:t>
-                                                </m:r>
-                                                <m:r>
-                                                  <a:rPr lang="en-GB" b="0" i="1" smtClean="0">
-                                                    <a:latin typeface="Cambria Math" panose="02040503050406030204" pitchFamily="18" charset="0"/>
-                                                  </a:rPr>
-                                                  <m:t>3</m:t>
+                                                  <m:t>1,3</m:t>
                                                 </m:r>
                                               </m:sub>
                                             </m:sSub>
@@ -25291,19 +25761,7 @@
                                                   <a:rPr lang="en-GB" b="0" i="1" smtClean="0">
                                                     <a:latin typeface="Cambria Math" panose="02040503050406030204" pitchFamily="18" charset="0"/>
                                                   </a:rPr>
-                                                  <m:t>2</m:t>
-                                                </m:r>
-                                                <m:r>
-                                                  <a:rPr lang="en-GB" b="0" i="1" smtClean="0">
-                                                    <a:latin typeface="Cambria Math" panose="02040503050406030204" pitchFamily="18" charset="0"/>
-                                                  </a:rPr>
-                                                  <m:t>,</m:t>
-                                                </m:r>
-                                                <m:r>
-                                                  <a:rPr lang="en-GB" b="0" i="1" smtClean="0">
-                                                    <a:latin typeface="Cambria Math" panose="02040503050406030204" pitchFamily="18" charset="0"/>
-                                                  </a:rPr>
-                                                  <m:t>3</m:t>
+                                                  <m:t>2,3</m:t>
                                                 </m:r>
                                               </m:sub>
                                             </m:sSub>
@@ -25330,19 +25788,7 @@
                                                   <a:rPr lang="en-GB" b="0" i="1" smtClean="0">
                                                     <a:latin typeface="Cambria Math" panose="02040503050406030204" pitchFamily="18" charset="0"/>
                                                   </a:rPr>
-                                                  <m:t>3</m:t>
-                                                </m:r>
-                                                <m:r>
-                                                  <a:rPr lang="en-GB" b="0" i="1" smtClean="0">
-                                                    <a:latin typeface="Cambria Math" panose="02040503050406030204" pitchFamily="18" charset="0"/>
-                                                  </a:rPr>
-                                                  <m:t>,</m:t>
-                                                </m:r>
-                                                <m:r>
-                                                  <a:rPr lang="en-GB" b="0" i="1" smtClean="0">
-                                                    <a:latin typeface="Cambria Math" panose="02040503050406030204" pitchFamily="18" charset="0"/>
-                                                  </a:rPr>
-                                                  <m:t>3</m:t>
+                                                  <m:t>3,3</m:t>
                                                 </m:r>
                                               </m:sub>
                                             </m:sSub>
@@ -25365,7 +25811,7 @@
             </p:txBody>
           </p:sp>
         </mc:Choice>
-        <mc:Fallback>
+        <mc:Fallback xmlns="">
           <p:sp>
             <p:nvSpPr>
               <p:cNvPr id="38" name="TextBox 37">
@@ -25420,13 +25866,13 @@
   <p:clrMapOvr>
     <a:masterClrMapping/>
   </p:clrMapOvr>
-  <mc:AlternateContent xmlns:mc="http://schemas.openxmlformats.org/markup-compatibility/2006">
-    <mc:Choice xmlns:p159="http://schemas.microsoft.com/office/powerpoint/2015/09/main" Requires="p159">
+  <mc:AlternateContent xmlns:mc="http://schemas.openxmlformats.org/markup-compatibility/2006" xmlns:p159="http://schemas.microsoft.com/office/powerpoint/2015/09/main">
+    <mc:Choice Requires="p159">
       <p:transition xmlns:p14="http://schemas.microsoft.com/office/powerpoint/2010/main" spd="slow" p14:dur="2000">
         <p159:morph option="byObject"/>
       </p:transition>
     </mc:Choice>
-    <mc:Fallback>
+    <mc:Fallback xmlns="">
       <p:transition spd="slow">
         <p:fade/>
       </p:transition>
@@ -25480,8 +25926,8 @@
           </a:p>
         </p:txBody>
       </p:sp>
-      <mc:AlternateContent xmlns:mc="http://schemas.openxmlformats.org/markup-compatibility/2006">
-        <mc:Choice xmlns:a14="http://schemas.microsoft.com/office/drawing/2010/main" Requires="a14">
+      <mc:AlternateContent xmlns:mc="http://schemas.openxmlformats.org/markup-compatibility/2006" xmlns:a14="http://schemas.microsoft.com/office/drawing/2010/main">
+        <mc:Choice Requires="a14">
           <p:sp>
             <p:nvSpPr>
               <p:cNvPr id="4" name="Oval 3">
@@ -25561,7 +26007,7 @@
             </p:txBody>
           </p:sp>
         </mc:Choice>
-        <mc:Fallback>
+        <mc:Fallback xmlns="">
           <p:sp>
             <p:nvSpPr>
               <p:cNvPr id="4" name="Oval 3">
@@ -25606,8 +26052,8 @@
           </p:sp>
         </mc:Fallback>
       </mc:AlternateContent>
-      <mc:AlternateContent xmlns:mc="http://schemas.openxmlformats.org/markup-compatibility/2006">
-        <mc:Choice xmlns:a14="http://schemas.microsoft.com/office/drawing/2010/main" Requires="a14">
+      <mc:AlternateContent xmlns:mc="http://schemas.openxmlformats.org/markup-compatibility/2006" xmlns:a14="http://schemas.microsoft.com/office/drawing/2010/main">
+        <mc:Choice Requires="a14">
           <p:sp>
             <p:nvSpPr>
               <p:cNvPr id="5" name="Oval 4">
@@ -25687,7 +26133,7 @@
             </p:txBody>
           </p:sp>
         </mc:Choice>
-        <mc:Fallback>
+        <mc:Fallback xmlns="">
           <p:sp>
             <p:nvSpPr>
               <p:cNvPr id="5" name="Oval 4">
@@ -25732,8 +26178,8 @@
           </p:sp>
         </mc:Fallback>
       </mc:AlternateContent>
-      <mc:AlternateContent xmlns:mc="http://schemas.openxmlformats.org/markup-compatibility/2006">
-        <mc:Choice xmlns:a14="http://schemas.microsoft.com/office/drawing/2010/main" Requires="a14">
+      <mc:AlternateContent xmlns:mc="http://schemas.openxmlformats.org/markup-compatibility/2006" xmlns:a14="http://schemas.microsoft.com/office/drawing/2010/main">
+        <mc:Choice Requires="a14">
           <p:sp>
             <p:nvSpPr>
               <p:cNvPr id="6" name="Oval 5">
@@ -25813,7 +26259,7 @@
             </p:txBody>
           </p:sp>
         </mc:Choice>
-        <mc:Fallback>
+        <mc:Fallback xmlns="">
           <p:sp>
             <p:nvSpPr>
               <p:cNvPr id="6" name="Oval 5">
@@ -25858,8 +26304,8 @@
           </p:sp>
         </mc:Fallback>
       </mc:AlternateContent>
-      <mc:AlternateContent xmlns:mc="http://schemas.openxmlformats.org/markup-compatibility/2006">
-        <mc:Choice xmlns:a14="http://schemas.microsoft.com/office/drawing/2010/main" Requires="a14">
+      <mc:AlternateContent xmlns:mc="http://schemas.openxmlformats.org/markup-compatibility/2006" xmlns:a14="http://schemas.microsoft.com/office/drawing/2010/main">
+        <mc:Choice Requires="a14">
           <p:sp>
             <p:nvSpPr>
               <p:cNvPr id="7" name="Oval 6">
@@ -25947,7 +26393,7 @@
             </p:txBody>
           </p:sp>
         </mc:Choice>
-        <mc:Fallback>
+        <mc:Fallback xmlns="">
           <p:sp>
             <p:nvSpPr>
               <p:cNvPr id="7" name="Oval 6">
@@ -26176,8 +26622,8 @@
           </a:fontRef>
         </p:style>
       </p:cxnSp>
-      <mc:AlternateContent xmlns:mc="http://schemas.openxmlformats.org/markup-compatibility/2006">
-        <mc:Choice xmlns:a14="http://schemas.microsoft.com/office/drawing/2010/main" Requires="a14">
+      <mc:AlternateContent xmlns:mc="http://schemas.openxmlformats.org/markup-compatibility/2006" xmlns:a14="http://schemas.microsoft.com/office/drawing/2010/main">
+        <mc:Choice Requires="a14">
           <p:sp>
             <p:nvSpPr>
               <p:cNvPr id="12" name="TextBox 11">
@@ -26206,6 +26652,7 @@
               </a:bodyPr>
               <a:lstStyle/>
               <a:p>
+                <a:pPr/>
                 <a14:m>
                   <m:oMathPara xmlns:m="http://schemas.openxmlformats.org/officeDocument/2006/math">
                     <m:oMathParaPr>
@@ -26263,7 +26710,7 @@
             </p:txBody>
           </p:sp>
         </mc:Choice>
-        <mc:Fallback>
+        <mc:Fallback xmlns="">
           <p:sp>
             <p:nvSpPr>
               <p:cNvPr id="12" name="TextBox 11">
@@ -26308,8 +26755,8 @@
           </p:sp>
         </mc:Fallback>
       </mc:AlternateContent>
-      <mc:AlternateContent xmlns:mc="http://schemas.openxmlformats.org/markup-compatibility/2006">
-        <mc:Choice xmlns:a14="http://schemas.microsoft.com/office/drawing/2010/main" Requires="a14">
+      <mc:AlternateContent xmlns:mc="http://schemas.openxmlformats.org/markup-compatibility/2006" xmlns:a14="http://schemas.microsoft.com/office/drawing/2010/main">
+        <mc:Choice Requires="a14">
           <p:sp>
             <p:nvSpPr>
               <p:cNvPr id="27" name="TextBox 26">
@@ -26338,6 +26785,7 @@
               </a:bodyPr>
               <a:lstStyle/>
               <a:p>
+                <a:pPr/>
                 <a14:m>
                   <m:oMathPara xmlns:m="http://schemas.openxmlformats.org/officeDocument/2006/math">
                     <m:oMathParaPr>
@@ -26385,7 +26833,7 @@
             </p:txBody>
           </p:sp>
         </mc:Choice>
-        <mc:Fallback>
+        <mc:Fallback xmlns="">
           <p:sp>
             <p:nvSpPr>
               <p:cNvPr id="27" name="TextBox 26">
@@ -26430,8 +26878,8 @@
           </p:sp>
         </mc:Fallback>
       </mc:AlternateContent>
-      <mc:AlternateContent xmlns:mc="http://schemas.openxmlformats.org/markup-compatibility/2006">
-        <mc:Choice xmlns:a14="http://schemas.microsoft.com/office/drawing/2010/main" Requires="a14">
+      <mc:AlternateContent xmlns:mc="http://schemas.openxmlformats.org/markup-compatibility/2006" xmlns:a14="http://schemas.microsoft.com/office/drawing/2010/main">
+        <mc:Choice Requires="a14">
           <p:sp>
             <p:nvSpPr>
               <p:cNvPr id="19" name="TextBox 18">
@@ -26460,6 +26908,7 @@
               </a:bodyPr>
               <a:lstStyle/>
               <a:p>
+                <a:pPr/>
                 <a14:m>
                   <m:oMathPara xmlns:m="http://schemas.openxmlformats.org/officeDocument/2006/math">
                     <m:oMathParaPr>
@@ -26507,7 +26956,7 @@
             </p:txBody>
           </p:sp>
         </mc:Choice>
-        <mc:Fallback>
+        <mc:Fallback xmlns="">
           <p:sp>
             <p:nvSpPr>
               <p:cNvPr id="19" name="TextBox 18">
@@ -26552,8 +27001,8 @@
           </p:sp>
         </mc:Fallback>
       </mc:AlternateContent>
-      <mc:AlternateContent xmlns:mc="http://schemas.openxmlformats.org/markup-compatibility/2006">
-        <mc:Choice xmlns:a14="http://schemas.microsoft.com/office/drawing/2010/main" Requires="a14">
+      <mc:AlternateContent xmlns:mc="http://schemas.openxmlformats.org/markup-compatibility/2006" xmlns:a14="http://schemas.microsoft.com/office/drawing/2010/main">
+        <mc:Choice Requires="a14">
           <p:sp>
             <p:nvSpPr>
               <p:cNvPr id="21" name="TextBox 20">
@@ -26582,6 +27031,7 @@
               </a:bodyPr>
               <a:lstStyle/>
               <a:p>
+                <a:pPr/>
                 <a14:m>
                   <m:oMathPara xmlns:m="http://schemas.openxmlformats.org/officeDocument/2006/math">
                     <m:oMathParaPr>
@@ -26629,7 +27079,7 @@
             </p:txBody>
           </p:sp>
         </mc:Choice>
-        <mc:Fallback>
+        <mc:Fallback xmlns="">
           <p:sp>
             <p:nvSpPr>
               <p:cNvPr id="21" name="TextBox 20">
@@ -26674,8 +27124,8 @@
           </p:sp>
         </mc:Fallback>
       </mc:AlternateContent>
-      <mc:AlternateContent xmlns:mc="http://schemas.openxmlformats.org/markup-compatibility/2006">
-        <mc:Choice xmlns:a14="http://schemas.microsoft.com/office/drawing/2010/main" Requires="a14">
+      <mc:AlternateContent xmlns:mc="http://schemas.openxmlformats.org/markup-compatibility/2006" xmlns:a14="http://schemas.microsoft.com/office/drawing/2010/main">
+        <mc:Choice Requires="a14">
           <p:sp>
             <p:nvSpPr>
               <p:cNvPr id="20" name="TextBox 19">
@@ -26704,6 +27154,7 @@
               </a:bodyPr>
               <a:lstStyle/>
               <a:p>
+                <a:pPr/>
                 <a14:m>
                   <m:oMathPara xmlns:m="http://schemas.openxmlformats.org/officeDocument/2006/math">
                     <m:oMathParaPr>
@@ -26835,7 +27286,7 @@
             </p:txBody>
           </p:sp>
         </mc:Choice>
-        <mc:Fallback>
+        <mc:Fallback xmlns="">
           <p:sp>
             <p:nvSpPr>
               <p:cNvPr id="20" name="TextBox 19">
@@ -26880,8 +27331,8 @@
           </p:sp>
         </mc:Fallback>
       </mc:AlternateContent>
-      <mc:AlternateContent xmlns:mc="http://schemas.openxmlformats.org/markup-compatibility/2006">
-        <mc:Choice xmlns:a14="http://schemas.microsoft.com/office/drawing/2010/main" Requires="a14">
+      <mc:AlternateContent xmlns:mc="http://schemas.openxmlformats.org/markup-compatibility/2006" xmlns:a14="http://schemas.microsoft.com/office/drawing/2010/main">
+        <mc:Choice Requires="a14">
           <p:sp>
             <p:nvSpPr>
               <p:cNvPr id="22" name="TextBox 21">
@@ -26910,6 +27361,7 @@
               </a:bodyPr>
               <a:lstStyle/>
               <a:p>
+                <a:pPr/>
                 <a14:m>
                   <m:oMathPara xmlns:m="http://schemas.openxmlformats.org/officeDocument/2006/math">
                     <m:oMathParaPr>
@@ -27011,7 +27463,7 @@
             </p:txBody>
           </p:sp>
         </mc:Choice>
-        <mc:Fallback>
+        <mc:Fallback xmlns="">
           <p:sp>
             <p:nvSpPr>
               <p:cNvPr id="22" name="TextBox 21">
@@ -27056,8 +27508,8 @@
           </p:sp>
         </mc:Fallback>
       </mc:AlternateContent>
-      <mc:AlternateContent xmlns:mc="http://schemas.openxmlformats.org/markup-compatibility/2006">
-        <mc:Choice xmlns:a14="http://schemas.microsoft.com/office/drawing/2010/main" Requires="a14">
+      <mc:AlternateContent xmlns:mc="http://schemas.openxmlformats.org/markup-compatibility/2006" xmlns:a14="http://schemas.microsoft.com/office/drawing/2010/main">
+        <mc:Choice Requires="a14">
           <p:sp>
             <p:nvSpPr>
               <p:cNvPr id="24" name="TextBox 23">
@@ -27086,6 +27538,7 @@
               </a:bodyPr>
               <a:lstStyle/>
               <a:p>
+                <a:pPr/>
                 <a14:m>
                   <m:oMathPara xmlns:m="http://schemas.openxmlformats.org/officeDocument/2006/math">
                     <m:oMathParaPr>
@@ -27279,7 +27732,7 @@
             </p:txBody>
           </p:sp>
         </mc:Choice>
-        <mc:Fallback>
+        <mc:Fallback xmlns="">
           <p:sp>
             <p:nvSpPr>
               <p:cNvPr id="24" name="TextBox 23">
@@ -27324,8 +27777,8 @@
           </p:sp>
         </mc:Fallback>
       </mc:AlternateContent>
-      <mc:AlternateContent xmlns:mc="http://schemas.openxmlformats.org/markup-compatibility/2006">
-        <mc:Choice xmlns:a14="http://schemas.microsoft.com/office/drawing/2010/main" Requires="a14">
+      <mc:AlternateContent xmlns:mc="http://schemas.openxmlformats.org/markup-compatibility/2006" xmlns:a14="http://schemas.microsoft.com/office/drawing/2010/main">
+        <mc:Choice Requires="a14">
           <p:sp>
             <p:nvSpPr>
               <p:cNvPr id="26" name="TextBox 25">
@@ -27354,6 +27807,7 @@
               </a:bodyPr>
               <a:lstStyle/>
               <a:p>
+                <a:pPr/>
                 <a14:m>
                   <m:oMathPara xmlns:m="http://schemas.openxmlformats.org/officeDocument/2006/math">
                     <m:oMathParaPr>
@@ -27605,7 +28059,7 @@
             </p:txBody>
           </p:sp>
         </mc:Choice>
-        <mc:Fallback>
+        <mc:Fallback xmlns="">
           <p:sp>
             <p:nvSpPr>
               <p:cNvPr id="26" name="TextBox 25">
@@ -27650,8 +28104,8 @@
           </p:sp>
         </mc:Fallback>
       </mc:AlternateContent>
-      <mc:AlternateContent xmlns:mc="http://schemas.openxmlformats.org/markup-compatibility/2006">
-        <mc:Choice xmlns:a14="http://schemas.microsoft.com/office/drawing/2010/main" Requires="a14">
+      <mc:AlternateContent xmlns:mc="http://schemas.openxmlformats.org/markup-compatibility/2006" xmlns:a14="http://schemas.microsoft.com/office/drawing/2010/main">
+        <mc:Choice Requires="a14">
           <p:sp>
             <p:nvSpPr>
               <p:cNvPr id="28" name="TextBox 27">
@@ -27680,6 +28134,7 @@
               </a:bodyPr>
               <a:lstStyle/>
               <a:p>
+                <a:pPr/>
                 <a14:m>
                   <m:oMathPara xmlns:m="http://schemas.openxmlformats.org/officeDocument/2006/math">
                     <m:oMathParaPr>
@@ -27928,7 +28383,7 @@
             </p:txBody>
           </p:sp>
         </mc:Choice>
-        <mc:Fallback>
+        <mc:Fallback xmlns="">
           <p:sp>
             <p:nvSpPr>
               <p:cNvPr id="28" name="TextBox 27">
@@ -27973,8 +28428,8 @@
           </p:sp>
         </mc:Fallback>
       </mc:AlternateContent>
-      <mc:AlternateContent xmlns:mc="http://schemas.openxmlformats.org/markup-compatibility/2006">
-        <mc:Choice xmlns:a14="http://schemas.microsoft.com/office/drawing/2010/main" Requires="a14">
+      <mc:AlternateContent xmlns:mc="http://schemas.openxmlformats.org/markup-compatibility/2006" xmlns:a14="http://schemas.microsoft.com/office/drawing/2010/main">
+        <mc:Choice Requires="a14">
           <p:sp>
             <p:nvSpPr>
               <p:cNvPr id="29" name="TextBox 28">
@@ -28003,6 +28458,7 @@
               </a:bodyPr>
               <a:lstStyle/>
               <a:p>
+                <a:pPr/>
                 <a14:m>
                   <m:oMathPara xmlns:m="http://schemas.openxmlformats.org/officeDocument/2006/math">
                     <m:oMathParaPr>
@@ -28179,7 +28635,7 @@
             </p:txBody>
           </p:sp>
         </mc:Choice>
-        <mc:Fallback>
+        <mc:Fallback xmlns="">
           <p:sp>
             <p:nvSpPr>
               <p:cNvPr id="29" name="TextBox 28">
@@ -28224,8 +28680,8 @@
           </p:sp>
         </mc:Fallback>
       </mc:AlternateContent>
-      <mc:AlternateContent xmlns:mc="http://schemas.openxmlformats.org/markup-compatibility/2006">
-        <mc:Choice xmlns:a14="http://schemas.microsoft.com/office/drawing/2010/main" Requires="a14">
+      <mc:AlternateContent xmlns:mc="http://schemas.openxmlformats.org/markup-compatibility/2006" xmlns:a14="http://schemas.microsoft.com/office/drawing/2010/main">
+        <mc:Choice Requires="a14">
           <p:sp>
             <p:nvSpPr>
               <p:cNvPr id="3" name="TextBox 2">
@@ -28254,6 +28710,7 @@
               </a:bodyPr>
               <a:lstStyle/>
               <a:p>
+                <a:pPr/>
                 <a14:m>
                   <m:oMathPara xmlns:m="http://schemas.openxmlformats.org/officeDocument/2006/math">
                     <m:oMathParaPr>
@@ -28559,7 +29016,7 @@
             </p:txBody>
           </p:sp>
         </mc:Choice>
-        <mc:Fallback>
+        <mc:Fallback xmlns="">
           <p:sp>
             <p:nvSpPr>
               <p:cNvPr id="3" name="TextBox 2">
@@ -28604,8 +29061,8 @@
           </p:sp>
         </mc:Fallback>
       </mc:AlternateContent>
-      <mc:AlternateContent xmlns:mc="http://schemas.openxmlformats.org/markup-compatibility/2006">
-        <mc:Choice xmlns:a14="http://schemas.microsoft.com/office/drawing/2010/main" Requires="a14">
+      <mc:AlternateContent xmlns:mc="http://schemas.openxmlformats.org/markup-compatibility/2006" xmlns:a14="http://schemas.microsoft.com/office/drawing/2010/main">
+        <mc:Choice Requires="a14">
           <p:sp>
             <p:nvSpPr>
               <p:cNvPr id="13" name="Rectangle 12">
@@ -28633,6 +29090,7 @@
               </a:bodyPr>
               <a:lstStyle/>
               <a:p>
+                <a:pPr/>
                 <a14:m>
                   <m:oMathPara xmlns:m="http://schemas.openxmlformats.org/officeDocument/2006/math">
                     <m:oMathParaPr>
@@ -28736,7 +29194,7 @@
             </p:txBody>
           </p:sp>
         </mc:Choice>
-        <mc:Fallback>
+        <mc:Fallback xmlns="">
           <p:sp>
             <p:nvSpPr>
               <p:cNvPr id="13" name="Rectangle 12">
@@ -28781,8 +29239,8 @@
           </p:sp>
         </mc:Fallback>
       </mc:AlternateContent>
-      <mc:AlternateContent xmlns:mc="http://schemas.openxmlformats.org/markup-compatibility/2006">
-        <mc:Choice xmlns:a14="http://schemas.microsoft.com/office/drawing/2010/main" Requires="a14">
+      <mc:AlternateContent xmlns:mc="http://schemas.openxmlformats.org/markup-compatibility/2006" xmlns:a14="http://schemas.microsoft.com/office/drawing/2010/main">
+        <mc:Choice Requires="a14">
           <p:sp>
             <p:nvSpPr>
               <p:cNvPr id="23" name="Rectangle 22">
@@ -28810,6 +29268,7 @@
               </a:bodyPr>
               <a:lstStyle/>
               <a:p>
+                <a:pPr/>
                 <a14:m>
                   <m:oMathPara xmlns:m="http://schemas.openxmlformats.org/officeDocument/2006/math">
                     <m:oMathParaPr>
@@ -28854,7 +29313,7 @@
             </p:txBody>
           </p:sp>
         </mc:Choice>
-        <mc:Fallback>
+        <mc:Fallback xmlns="">
           <p:sp>
             <p:nvSpPr>
               <p:cNvPr id="23" name="Rectangle 22">
@@ -28899,8 +29358,8 @@
           </p:sp>
         </mc:Fallback>
       </mc:AlternateContent>
-      <mc:AlternateContent xmlns:mc="http://schemas.openxmlformats.org/markup-compatibility/2006">
-        <mc:Choice xmlns:a14="http://schemas.microsoft.com/office/drawing/2010/main" Requires="a14">
+      <mc:AlternateContent xmlns:mc="http://schemas.openxmlformats.org/markup-compatibility/2006" xmlns:a14="http://schemas.microsoft.com/office/drawing/2010/main">
+        <mc:Choice Requires="a14">
           <p:sp>
             <p:nvSpPr>
               <p:cNvPr id="14" name="TextBox 13">
@@ -29022,7 +29481,7 @@
             </p:txBody>
           </p:sp>
         </mc:Choice>
-        <mc:Fallback>
+        <mc:Fallback xmlns="">
           <p:sp>
             <p:nvSpPr>
               <p:cNvPr id="14" name="TextBox 13">
@@ -29067,8 +29526,8 @@
           </p:sp>
         </mc:Fallback>
       </mc:AlternateContent>
-      <mc:AlternateContent xmlns:mc="http://schemas.openxmlformats.org/markup-compatibility/2006">
-        <mc:Choice xmlns:a14="http://schemas.microsoft.com/office/drawing/2010/main" Requires="a14">
+      <mc:AlternateContent xmlns:mc="http://schemas.openxmlformats.org/markup-compatibility/2006" xmlns:a14="http://schemas.microsoft.com/office/drawing/2010/main">
+        <mc:Choice Requires="a14">
           <p:sp>
             <p:nvSpPr>
               <p:cNvPr id="25" name="TextBox 24">
@@ -29161,7 +29620,7 @@
             </p:txBody>
           </p:sp>
         </mc:Choice>
-        <mc:Fallback>
+        <mc:Fallback xmlns="">
           <p:sp>
             <p:nvSpPr>
               <p:cNvPr id="25" name="TextBox 24">
@@ -29206,8 +29665,8 @@
           </p:sp>
         </mc:Fallback>
       </mc:AlternateContent>
-      <mc:AlternateContent xmlns:mc="http://schemas.openxmlformats.org/markup-compatibility/2006">
-        <mc:Choice xmlns:a14="http://schemas.microsoft.com/office/drawing/2010/main" Requires="a14">
+      <mc:AlternateContent xmlns:mc="http://schemas.openxmlformats.org/markup-compatibility/2006" xmlns:a14="http://schemas.microsoft.com/office/drawing/2010/main">
+        <mc:Choice Requires="a14">
           <p:sp>
             <p:nvSpPr>
               <p:cNvPr id="30" name="Oval 29">
@@ -29290,7 +29749,7 @@
             </p:txBody>
           </p:sp>
         </mc:Choice>
-        <mc:Fallback>
+        <mc:Fallback xmlns="">
           <p:sp>
             <p:nvSpPr>
               <p:cNvPr id="30" name="Oval 29">
@@ -29384,8 +29843,8 @@
           </a:fontRef>
         </p:style>
       </p:cxnSp>
-      <mc:AlternateContent xmlns:mc="http://schemas.openxmlformats.org/markup-compatibility/2006">
-        <mc:Choice xmlns:a14="http://schemas.microsoft.com/office/drawing/2010/main" Requires="a14">
+      <mc:AlternateContent xmlns:mc="http://schemas.openxmlformats.org/markup-compatibility/2006" xmlns:a14="http://schemas.microsoft.com/office/drawing/2010/main">
+        <mc:Choice Requires="a14">
           <p:sp>
             <p:nvSpPr>
               <p:cNvPr id="32" name="TextBox 31">
@@ -29414,6 +29873,7 @@
               </a:bodyPr>
               <a:lstStyle/>
               <a:p>
+                <a:pPr/>
                 <a14:m>
                   <m:oMathPara xmlns:m="http://schemas.openxmlformats.org/officeDocument/2006/math">
                     <m:oMathParaPr>
@@ -29461,7 +29921,7 @@
             </p:txBody>
           </p:sp>
         </mc:Choice>
-        <mc:Fallback>
+        <mc:Fallback xmlns="">
           <p:sp>
             <p:nvSpPr>
               <p:cNvPr id="32" name="TextBox 31">
@@ -29551,13 +30011,13 @@
   <p:clrMapOvr>
     <a:masterClrMapping/>
   </p:clrMapOvr>
-  <mc:AlternateContent xmlns:mc="http://schemas.openxmlformats.org/markup-compatibility/2006">
-    <mc:Choice xmlns:p159="http://schemas.microsoft.com/office/powerpoint/2015/09/main" Requires="p159">
+  <mc:AlternateContent xmlns:mc="http://schemas.openxmlformats.org/markup-compatibility/2006" xmlns:p159="http://schemas.microsoft.com/office/powerpoint/2015/09/main">
+    <mc:Choice Requires="p159">
       <p:transition xmlns:p14="http://schemas.microsoft.com/office/powerpoint/2010/main" spd="slow" p14:dur="2000">
         <p159:morph option="byObject"/>
       </p:transition>
     </mc:Choice>
-    <mc:Fallback>
+    <mc:Fallback xmlns="">
       <p:transition spd="slow">
         <p:fade/>
       </p:transition>
@@ -30074,8 +30534,8 @@
           </a:p>
         </p:txBody>
       </p:sp>
-      <mc:AlternateContent xmlns:mc="http://schemas.openxmlformats.org/markup-compatibility/2006">
-        <mc:Choice xmlns:a14="http://schemas.microsoft.com/office/drawing/2010/main" Requires="a14">
+      <mc:AlternateContent xmlns:mc="http://schemas.openxmlformats.org/markup-compatibility/2006" xmlns:a14="http://schemas.microsoft.com/office/drawing/2010/main">
+        <mc:Choice Requires="a14">
           <p:sp>
             <p:nvSpPr>
               <p:cNvPr id="4" name="Oval 3">
@@ -30155,7 +30615,7 @@
             </p:txBody>
           </p:sp>
         </mc:Choice>
-        <mc:Fallback>
+        <mc:Fallback xmlns="">
           <p:sp>
             <p:nvSpPr>
               <p:cNvPr id="4" name="Oval 3">
@@ -30200,8 +30660,8 @@
           </p:sp>
         </mc:Fallback>
       </mc:AlternateContent>
-      <mc:AlternateContent xmlns:mc="http://schemas.openxmlformats.org/markup-compatibility/2006">
-        <mc:Choice xmlns:a14="http://schemas.microsoft.com/office/drawing/2010/main" Requires="a14">
+      <mc:AlternateContent xmlns:mc="http://schemas.openxmlformats.org/markup-compatibility/2006" xmlns:a14="http://schemas.microsoft.com/office/drawing/2010/main">
+        <mc:Choice Requires="a14">
           <p:sp>
             <p:nvSpPr>
               <p:cNvPr id="5" name="Oval 4">
@@ -30281,7 +30741,7 @@
             </p:txBody>
           </p:sp>
         </mc:Choice>
-        <mc:Fallback>
+        <mc:Fallback xmlns="">
           <p:sp>
             <p:nvSpPr>
               <p:cNvPr id="5" name="Oval 4">
@@ -30326,8 +30786,8 @@
           </p:sp>
         </mc:Fallback>
       </mc:AlternateContent>
-      <mc:AlternateContent xmlns:mc="http://schemas.openxmlformats.org/markup-compatibility/2006">
-        <mc:Choice xmlns:a14="http://schemas.microsoft.com/office/drawing/2010/main" Requires="a14">
+      <mc:AlternateContent xmlns:mc="http://schemas.openxmlformats.org/markup-compatibility/2006" xmlns:a14="http://schemas.microsoft.com/office/drawing/2010/main">
+        <mc:Choice Requires="a14">
           <p:sp>
             <p:nvSpPr>
               <p:cNvPr id="6" name="Oval 5">
@@ -30407,7 +30867,7 @@
             </p:txBody>
           </p:sp>
         </mc:Choice>
-        <mc:Fallback>
+        <mc:Fallback xmlns="">
           <p:sp>
             <p:nvSpPr>
               <p:cNvPr id="6" name="Oval 5">
@@ -30452,8 +30912,8 @@
           </p:sp>
         </mc:Fallback>
       </mc:AlternateContent>
-      <mc:AlternateContent xmlns:mc="http://schemas.openxmlformats.org/markup-compatibility/2006">
-        <mc:Choice xmlns:a14="http://schemas.microsoft.com/office/drawing/2010/main" Requires="a14">
+      <mc:AlternateContent xmlns:mc="http://schemas.openxmlformats.org/markup-compatibility/2006" xmlns:a14="http://schemas.microsoft.com/office/drawing/2010/main">
+        <mc:Choice Requires="a14">
           <p:sp>
             <p:nvSpPr>
               <p:cNvPr id="7" name="Oval 6">
@@ -30541,7 +31001,7 @@
             </p:txBody>
           </p:sp>
         </mc:Choice>
-        <mc:Fallback>
+        <mc:Fallback xmlns="">
           <p:sp>
             <p:nvSpPr>
               <p:cNvPr id="7" name="Oval 6">
@@ -30770,8 +31230,8 @@
           </a:fontRef>
         </p:style>
       </p:cxnSp>
-      <mc:AlternateContent xmlns:mc="http://schemas.openxmlformats.org/markup-compatibility/2006">
-        <mc:Choice xmlns:a14="http://schemas.microsoft.com/office/drawing/2010/main" Requires="a14">
+      <mc:AlternateContent xmlns:mc="http://schemas.openxmlformats.org/markup-compatibility/2006" xmlns:a14="http://schemas.microsoft.com/office/drawing/2010/main">
+        <mc:Choice Requires="a14">
           <p:sp>
             <p:nvSpPr>
               <p:cNvPr id="12" name="TextBox 11">
@@ -30800,6 +31260,7 @@
               </a:bodyPr>
               <a:lstStyle/>
               <a:p>
+                <a:pPr/>
                 <a14:m>
                   <m:oMathPara xmlns:m="http://schemas.openxmlformats.org/officeDocument/2006/math">
                     <m:oMathParaPr>
@@ -30857,7 +31318,7 @@
             </p:txBody>
           </p:sp>
         </mc:Choice>
-        <mc:Fallback>
+        <mc:Fallback xmlns="">
           <p:sp>
             <p:nvSpPr>
               <p:cNvPr id="12" name="TextBox 11">
@@ -30902,8 +31363,8 @@
           </p:sp>
         </mc:Fallback>
       </mc:AlternateContent>
-      <mc:AlternateContent xmlns:mc="http://schemas.openxmlformats.org/markup-compatibility/2006">
-        <mc:Choice xmlns:a14="http://schemas.microsoft.com/office/drawing/2010/main" Requires="a14">
+      <mc:AlternateContent xmlns:mc="http://schemas.openxmlformats.org/markup-compatibility/2006" xmlns:a14="http://schemas.microsoft.com/office/drawing/2010/main">
+        <mc:Choice Requires="a14">
           <p:sp>
             <p:nvSpPr>
               <p:cNvPr id="27" name="TextBox 26">
@@ -30932,6 +31393,7 @@
               </a:bodyPr>
               <a:lstStyle/>
               <a:p>
+                <a:pPr/>
                 <a14:m>
                   <m:oMathPara xmlns:m="http://schemas.openxmlformats.org/officeDocument/2006/math">
                     <m:oMathParaPr>
@@ -30979,7 +31441,7 @@
             </p:txBody>
           </p:sp>
         </mc:Choice>
-        <mc:Fallback>
+        <mc:Fallback xmlns="">
           <p:sp>
             <p:nvSpPr>
               <p:cNvPr id="27" name="TextBox 26">
@@ -31024,8 +31486,8 @@
           </p:sp>
         </mc:Fallback>
       </mc:AlternateContent>
-      <mc:AlternateContent xmlns:mc="http://schemas.openxmlformats.org/markup-compatibility/2006">
-        <mc:Choice xmlns:a14="http://schemas.microsoft.com/office/drawing/2010/main" Requires="a14">
+      <mc:AlternateContent xmlns:mc="http://schemas.openxmlformats.org/markup-compatibility/2006" xmlns:a14="http://schemas.microsoft.com/office/drawing/2010/main">
+        <mc:Choice Requires="a14">
           <p:sp>
             <p:nvSpPr>
               <p:cNvPr id="19" name="TextBox 18">
@@ -31054,6 +31516,7 @@
               </a:bodyPr>
               <a:lstStyle/>
               <a:p>
+                <a:pPr/>
                 <a14:m>
                   <m:oMathPara xmlns:m="http://schemas.openxmlformats.org/officeDocument/2006/math">
                     <m:oMathParaPr>
@@ -31101,7 +31564,7 @@
             </p:txBody>
           </p:sp>
         </mc:Choice>
-        <mc:Fallback>
+        <mc:Fallback xmlns="">
           <p:sp>
             <p:nvSpPr>
               <p:cNvPr id="19" name="TextBox 18">
@@ -31146,8 +31609,8 @@
           </p:sp>
         </mc:Fallback>
       </mc:AlternateContent>
-      <mc:AlternateContent xmlns:mc="http://schemas.openxmlformats.org/markup-compatibility/2006">
-        <mc:Choice xmlns:a14="http://schemas.microsoft.com/office/drawing/2010/main" Requires="a14">
+      <mc:AlternateContent xmlns:mc="http://schemas.openxmlformats.org/markup-compatibility/2006" xmlns:a14="http://schemas.microsoft.com/office/drawing/2010/main">
+        <mc:Choice Requires="a14">
           <p:sp>
             <p:nvSpPr>
               <p:cNvPr id="21" name="TextBox 20">
@@ -31176,6 +31639,7 @@
               </a:bodyPr>
               <a:lstStyle/>
               <a:p>
+                <a:pPr/>
                 <a14:m>
                   <m:oMathPara xmlns:m="http://schemas.openxmlformats.org/officeDocument/2006/math">
                     <m:oMathParaPr>
@@ -31223,7 +31687,7 @@
             </p:txBody>
           </p:sp>
         </mc:Choice>
-        <mc:Fallback>
+        <mc:Fallback xmlns="">
           <p:sp>
             <p:nvSpPr>
               <p:cNvPr id="21" name="TextBox 20">
@@ -31268,8 +31732,8 @@
           </p:sp>
         </mc:Fallback>
       </mc:AlternateContent>
-      <mc:AlternateContent xmlns:mc="http://schemas.openxmlformats.org/markup-compatibility/2006">
-        <mc:Choice xmlns:a14="http://schemas.microsoft.com/office/drawing/2010/main" Requires="a14">
+      <mc:AlternateContent xmlns:mc="http://schemas.openxmlformats.org/markup-compatibility/2006" xmlns:a14="http://schemas.microsoft.com/office/drawing/2010/main">
+        <mc:Choice Requires="a14">
           <p:sp>
             <p:nvSpPr>
               <p:cNvPr id="20" name="TextBox 19">
@@ -31298,6 +31762,7 @@
               </a:bodyPr>
               <a:lstStyle/>
               <a:p>
+                <a:pPr/>
                 <a14:m>
                   <m:oMathPara xmlns:m="http://schemas.openxmlformats.org/officeDocument/2006/math">
                     <m:oMathParaPr>
@@ -31429,7 +31894,7 @@
             </p:txBody>
           </p:sp>
         </mc:Choice>
-        <mc:Fallback>
+        <mc:Fallback xmlns="">
           <p:sp>
             <p:nvSpPr>
               <p:cNvPr id="20" name="TextBox 19">
@@ -31474,8 +31939,8 @@
           </p:sp>
         </mc:Fallback>
       </mc:AlternateContent>
-      <mc:AlternateContent xmlns:mc="http://schemas.openxmlformats.org/markup-compatibility/2006">
-        <mc:Choice xmlns:a14="http://schemas.microsoft.com/office/drawing/2010/main" Requires="a14">
+      <mc:AlternateContent xmlns:mc="http://schemas.openxmlformats.org/markup-compatibility/2006" xmlns:a14="http://schemas.microsoft.com/office/drawing/2010/main">
+        <mc:Choice Requires="a14">
           <p:sp>
             <p:nvSpPr>
               <p:cNvPr id="22" name="TextBox 21">
@@ -31504,6 +31969,7 @@
               </a:bodyPr>
               <a:lstStyle/>
               <a:p>
+                <a:pPr/>
                 <a14:m>
                   <m:oMathPara xmlns:m="http://schemas.openxmlformats.org/officeDocument/2006/math">
                     <m:oMathParaPr>
@@ -31605,7 +32071,7 @@
             </p:txBody>
           </p:sp>
         </mc:Choice>
-        <mc:Fallback>
+        <mc:Fallback xmlns="">
           <p:sp>
             <p:nvSpPr>
               <p:cNvPr id="22" name="TextBox 21">
@@ -31650,8 +32116,8 @@
           </p:sp>
         </mc:Fallback>
       </mc:AlternateContent>
-      <mc:AlternateContent xmlns:mc="http://schemas.openxmlformats.org/markup-compatibility/2006">
-        <mc:Choice xmlns:a14="http://schemas.microsoft.com/office/drawing/2010/main" Requires="a14">
+      <mc:AlternateContent xmlns:mc="http://schemas.openxmlformats.org/markup-compatibility/2006" xmlns:a14="http://schemas.microsoft.com/office/drawing/2010/main">
+        <mc:Choice Requires="a14">
           <p:sp>
             <p:nvSpPr>
               <p:cNvPr id="24" name="TextBox 23">
@@ -31680,6 +32146,7 @@
               </a:bodyPr>
               <a:lstStyle/>
               <a:p>
+                <a:pPr/>
                 <a14:m>
                   <m:oMathPara xmlns:m="http://schemas.openxmlformats.org/officeDocument/2006/math">
                     <m:oMathParaPr>
@@ -31873,7 +32340,7 @@
             </p:txBody>
           </p:sp>
         </mc:Choice>
-        <mc:Fallback>
+        <mc:Fallback xmlns="">
           <p:sp>
             <p:nvSpPr>
               <p:cNvPr id="24" name="TextBox 23">
@@ -31918,8 +32385,8 @@
           </p:sp>
         </mc:Fallback>
       </mc:AlternateContent>
-      <mc:AlternateContent xmlns:mc="http://schemas.openxmlformats.org/markup-compatibility/2006">
-        <mc:Choice xmlns:a14="http://schemas.microsoft.com/office/drawing/2010/main" Requires="a14">
+      <mc:AlternateContent xmlns:mc="http://schemas.openxmlformats.org/markup-compatibility/2006" xmlns:a14="http://schemas.microsoft.com/office/drawing/2010/main">
+        <mc:Choice Requires="a14">
           <p:sp>
             <p:nvSpPr>
               <p:cNvPr id="26" name="TextBox 25">
@@ -31948,6 +32415,7 @@
               </a:bodyPr>
               <a:lstStyle/>
               <a:p>
+                <a:pPr/>
                 <a14:m>
                   <m:oMathPara xmlns:m="http://schemas.openxmlformats.org/officeDocument/2006/math">
                     <m:oMathParaPr>
@@ -32173,7 +32641,7 @@
             </p:txBody>
           </p:sp>
         </mc:Choice>
-        <mc:Fallback>
+        <mc:Fallback xmlns="">
           <p:sp>
             <p:nvSpPr>
               <p:cNvPr id="26" name="TextBox 25">
@@ -32218,8 +32686,8 @@
           </p:sp>
         </mc:Fallback>
       </mc:AlternateContent>
-      <mc:AlternateContent xmlns:mc="http://schemas.openxmlformats.org/markup-compatibility/2006">
-        <mc:Choice xmlns:a14="http://schemas.microsoft.com/office/drawing/2010/main" Requires="a14">
+      <mc:AlternateContent xmlns:mc="http://schemas.openxmlformats.org/markup-compatibility/2006" xmlns:a14="http://schemas.microsoft.com/office/drawing/2010/main">
+        <mc:Choice Requires="a14">
           <p:sp>
             <p:nvSpPr>
               <p:cNvPr id="28" name="TextBox 27">
@@ -32248,6 +32716,7 @@
               </a:bodyPr>
               <a:lstStyle/>
               <a:p>
+                <a:pPr/>
                 <a14:m>
                   <m:oMathPara xmlns:m="http://schemas.openxmlformats.org/officeDocument/2006/math">
                     <m:oMathParaPr>
@@ -32496,7 +32965,7 @@
             </p:txBody>
           </p:sp>
         </mc:Choice>
-        <mc:Fallback>
+        <mc:Fallback xmlns="">
           <p:sp>
             <p:nvSpPr>
               <p:cNvPr id="28" name="TextBox 27">
@@ -32541,8 +33010,8 @@
           </p:sp>
         </mc:Fallback>
       </mc:AlternateContent>
-      <mc:AlternateContent xmlns:mc="http://schemas.openxmlformats.org/markup-compatibility/2006">
-        <mc:Choice xmlns:a14="http://schemas.microsoft.com/office/drawing/2010/main" Requires="a14">
+      <mc:AlternateContent xmlns:mc="http://schemas.openxmlformats.org/markup-compatibility/2006" xmlns:a14="http://schemas.microsoft.com/office/drawing/2010/main">
+        <mc:Choice Requires="a14">
           <p:sp>
             <p:nvSpPr>
               <p:cNvPr id="29" name="TextBox 28">
@@ -32571,6 +33040,7 @@
               </a:bodyPr>
               <a:lstStyle/>
               <a:p>
+                <a:pPr/>
                 <a14:m>
                   <m:oMathPara xmlns:m="http://schemas.openxmlformats.org/officeDocument/2006/math">
                     <m:oMathParaPr>
@@ -32747,7 +33217,7 @@
             </p:txBody>
           </p:sp>
         </mc:Choice>
-        <mc:Fallback>
+        <mc:Fallback xmlns="">
           <p:sp>
             <p:nvSpPr>
               <p:cNvPr id="29" name="TextBox 28">
@@ -32792,8 +33262,8 @@
           </p:sp>
         </mc:Fallback>
       </mc:AlternateContent>
-      <mc:AlternateContent xmlns:mc="http://schemas.openxmlformats.org/markup-compatibility/2006">
-        <mc:Choice xmlns:a14="http://schemas.microsoft.com/office/drawing/2010/main" Requires="a14">
+      <mc:AlternateContent xmlns:mc="http://schemas.openxmlformats.org/markup-compatibility/2006" xmlns:a14="http://schemas.microsoft.com/office/drawing/2010/main">
+        <mc:Choice Requires="a14">
           <p:sp>
             <p:nvSpPr>
               <p:cNvPr id="3" name="TextBox 2">
@@ -32822,6 +33292,7 @@
               </a:bodyPr>
               <a:lstStyle/>
               <a:p>
+                <a:pPr/>
                 <a14:m>
                   <m:oMathPara xmlns:m="http://schemas.openxmlformats.org/officeDocument/2006/math">
                     <m:oMathParaPr>
@@ -33127,7 +33598,7 @@
             </p:txBody>
           </p:sp>
         </mc:Choice>
-        <mc:Fallback>
+        <mc:Fallback xmlns="">
           <p:sp>
             <p:nvSpPr>
               <p:cNvPr id="3" name="TextBox 2">
@@ -33172,8 +33643,8 @@
           </p:sp>
         </mc:Fallback>
       </mc:AlternateContent>
-      <mc:AlternateContent xmlns:mc="http://schemas.openxmlformats.org/markup-compatibility/2006">
-        <mc:Choice xmlns:a14="http://schemas.microsoft.com/office/drawing/2010/main" Requires="a14">
+      <mc:AlternateContent xmlns:mc="http://schemas.openxmlformats.org/markup-compatibility/2006" xmlns:a14="http://schemas.microsoft.com/office/drawing/2010/main">
+        <mc:Choice Requires="a14">
           <p:sp>
             <p:nvSpPr>
               <p:cNvPr id="13" name="Rectangle 12">
@@ -33201,6 +33672,7 @@
               </a:bodyPr>
               <a:lstStyle/>
               <a:p>
+                <a:pPr/>
                 <a14:m>
                   <m:oMathPara xmlns:m="http://schemas.openxmlformats.org/officeDocument/2006/math">
                     <m:oMathParaPr>
@@ -33304,7 +33776,7 @@
             </p:txBody>
           </p:sp>
         </mc:Choice>
-        <mc:Fallback>
+        <mc:Fallback xmlns="">
           <p:sp>
             <p:nvSpPr>
               <p:cNvPr id="13" name="Rectangle 12">
@@ -33349,8 +33821,8 @@
           </p:sp>
         </mc:Fallback>
       </mc:AlternateContent>
-      <mc:AlternateContent xmlns:mc="http://schemas.openxmlformats.org/markup-compatibility/2006">
-        <mc:Choice xmlns:a14="http://schemas.microsoft.com/office/drawing/2010/main" Requires="a14">
+      <mc:AlternateContent xmlns:mc="http://schemas.openxmlformats.org/markup-compatibility/2006" xmlns:a14="http://schemas.microsoft.com/office/drawing/2010/main">
+        <mc:Choice Requires="a14">
           <p:sp>
             <p:nvSpPr>
               <p:cNvPr id="23" name="Rectangle 22">
@@ -33378,6 +33850,7 @@
               </a:bodyPr>
               <a:lstStyle/>
               <a:p>
+                <a:pPr/>
                 <a14:m>
                   <m:oMathPara xmlns:m="http://schemas.openxmlformats.org/officeDocument/2006/math">
                     <m:oMathParaPr>
@@ -33422,7 +33895,7 @@
             </p:txBody>
           </p:sp>
         </mc:Choice>
-        <mc:Fallback>
+        <mc:Fallback xmlns="">
           <p:sp>
             <p:nvSpPr>
               <p:cNvPr id="23" name="Rectangle 22">
@@ -33467,8 +33940,8 @@
           </p:sp>
         </mc:Fallback>
       </mc:AlternateContent>
-      <mc:AlternateContent xmlns:mc="http://schemas.openxmlformats.org/markup-compatibility/2006">
-        <mc:Choice xmlns:a14="http://schemas.microsoft.com/office/drawing/2010/main" Requires="a14">
+      <mc:AlternateContent xmlns:mc="http://schemas.openxmlformats.org/markup-compatibility/2006" xmlns:a14="http://schemas.microsoft.com/office/drawing/2010/main">
+        <mc:Choice Requires="a14">
           <p:sp>
             <p:nvSpPr>
               <p:cNvPr id="14" name="TextBox 13">
@@ -33590,7 +34063,7 @@
             </p:txBody>
           </p:sp>
         </mc:Choice>
-        <mc:Fallback>
+        <mc:Fallback xmlns="">
           <p:sp>
             <p:nvSpPr>
               <p:cNvPr id="14" name="TextBox 13">
@@ -33635,8 +34108,8 @@
           </p:sp>
         </mc:Fallback>
       </mc:AlternateContent>
-      <mc:AlternateContent xmlns:mc="http://schemas.openxmlformats.org/markup-compatibility/2006">
-        <mc:Choice xmlns:a14="http://schemas.microsoft.com/office/drawing/2010/main" Requires="a14">
+      <mc:AlternateContent xmlns:mc="http://schemas.openxmlformats.org/markup-compatibility/2006" xmlns:a14="http://schemas.microsoft.com/office/drawing/2010/main">
+        <mc:Choice Requires="a14">
           <p:sp>
             <p:nvSpPr>
               <p:cNvPr id="25" name="TextBox 24">
@@ -33729,7 +34202,7 @@
             </p:txBody>
           </p:sp>
         </mc:Choice>
-        <mc:Fallback>
+        <mc:Fallback xmlns="">
           <p:sp>
             <p:nvSpPr>
               <p:cNvPr id="25" name="TextBox 24">
@@ -33774,8 +34247,8 @@
           </p:sp>
         </mc:Fallback>
       </mc:AlternateContent>
-      <mc:AlternateContent xmlns:mc="http://schemas.openxmlformats.org/markup-compatibility/2006">
-        <mc:Choice xmlns:a14="http://schemas.microsoft.com/office/drawing/2010/main" Requires="a14">
+      <mc:AlternateContent xmlns:mc="http://schemas.openxmlformats.org/markup-compatibility/2006" xmlns:a14="http://schemas.microsoft.com/office/drawing/2010/main">
+        <mc:Choice Requires="a14">
           <p:sp>
             <p:nvSpPr>
               <p:cNvPr id="30" name="Oval 29">
@@ -33858,7 +34331,7 @@
             </p:txBody>
           </p:sp>
         </mc:Choice>
-        <mc:Fallback>
+        <mc:Fallback xmlns="">
           <p:sp>
             <p:nvSpPr>
               <p:cNvPr id="30" name="Oval 29">
@@ -33952,8 +34425,8 @@
           </a:fontRef>
         </p:style>
       </p:cxnSp>
-      <mc:AlternateContent xmlns:mc="http://schemas.openxmlformats.org/markup-compatibility/2006">
-        <mc:Choice xmlns:a14="http://schemas.microsoft.com/office/drawing/2010/main" Requires="a14">
+      <mc:AlternateContent xmlns:mc="http://schemas.openxmlformats.org/markup-compatibility/2006" xmlns:a14="http://schemas.microsoft.com/office/drawing/2010/main">
+        <mc:Choice Requires="a14">
           <p:sp>
             <p:nvSpPr>
               <p:cNvPr id="32" name="TextBox 31">
@@ -33982,6 +34455,7 @@
               </a:bodyPr>
               <a:lstStyle/>
               <a:p>
+                <a:pPr/>
                 <a14:m>
                   <m:oMathPara xmlns:m="http://schemas.openxmlformats.org/officeDocument/2006/math">
                     <m:oMathParaPr>
@@ -34029,7 +34503,7 @@
             </p:txBody>
           </p:sp>
         </mc:Choice>
-        <mc:Fallback>
+        <mc:Fallback xmlns="">
           <p:sp>
             <p:nvSpPr>
               <p:cNvPr id="32" name="TextBox 31">
@@ -34109,8 +34583,8 @@
           </a:p>
         </p:txBody>
       </p:sp>
-      <mc:AlternateContent xmlns:mc="http://schemas.openxmlformats.org/markup-compatibility/2006">
-        <mc:Choice xmlns:a14="http://schemas.microsoft.com/office/drawing/2010/main" Requires="a14">
+      <mc:AlternateContent xmlns:mc="http://schemas.openxmlformats.org/markup-compatibility/2006" xmlns:a14="http://schemas.microsoft.com/office/drawing/2010/main">
+        <mc:Choice Requires="a14">
           <p:sp>
             <p:nvSpPr>
               <p:cNvPr id="16" name="Rectangle 15">
@@ -34244,7 +34718,7 @@
             </p:txBody>
           </p:sp>
         </mc:Choice>
-        <mc:Fallback>
+        <mc:Fallback xmlns="">
           <p:sp>
             <p:nvSpPr>
               <p:cNvPr id="16" name="Rectangle 15">
@@ -34299,13 +34773,13 @@
   <p:clrMapOvr>
     <a:masterClrMapping/>
   </p:clrMapOvr>
-  <mc:AlternateContent xmlns:mc="http://schemas.openxmlformats.org/markup-compatibility/2006">
-    <mc:Choice xmlns:p159="http://schemas.microsoft.com/office/powerpoint/2015/09/main" Requires="p159">
+  <mc:AlternateContent xmlns:mc="http://schemas.openxmlformats.org/markup-compatibility/2006" xmlns:p159="http://schemas.microsoft.com/office/powerpoint/2015/09/main">
+    <mc:Choice Requires="p159">
       <p:transition xmlns:p14="http://schemas.microsoft.com/office/powerpoint/2010/main" spd="slow" p14:dur="2000">
         <p159:morph option="byObject"/>
       </p:transition>
     </mc:Choice>
-    <mc:Fallback>
+    <mc:Fallback xmlns="">
       <p:transition spd="slow">
         <p:fade/>
       </p:transition>
@@ -34364,8 +34838,8 @@
           </a:p>
         </p:txBody>
       </p:sp>
-      <mc:AlternateContent xmlns:mc="http://schemas.openxmlformats.org/markup-compatibility/2006">
-        <mc:Choice xmlns:a14="http://schemas.microsoft.com/office/drawing/2010/main" Requires="a14">
+      <mc:AlternateContent xmlns:mc="http://schemas.openxmlformats.org/markup-compatibility/2006" xmlns:a14="http://schemas.microsoft.com/office/drawing/2010/main">
+        <mc:Choice Requires="a14">
           <p:sp>
             <p:nvSpPr>
               <p:cNvPr id="4" name="Oval 3">
@@ -34445,7 +34919,7 @@
             </p:txBody>
           </p:sp>
         </mc:Choice>
-        <mc:Fallback>
+        <mc:Fallback xmlns="">
           <p:sp>
             <p:nvSpPr>
               <p:cNvPr id="4" name="Oval 3">
@@ -34490,8 +34964,8 @@
           </p:sp>
         </mc:Fallback>
       </mc:AlternateContent>
-      <mc:AlternateContent xmlns:mc="http://schemas.openxmlformats.org/markup-compatibility/2006">
-        <mc:Choice xmlns:a14="http://schemas.microsoft.com/office/drawing/2010/main" Requires="a14">
+      <mc:AlternateContent xmlns:mc="http://schemas.openxmlformats.org/markup-compatibility/2006" xmlns:a14="http://schemas.microsoft.com/office/drawing/2010/main">
+        <mc:Choice Requires="a14">
           <p:sp>
             <p:nvSpPr>
               <p:cNvPr id="5" name="Oval 4">
@@ -34571,7 +35045,7 @@
             </p:txBody>
           </p:sp>
         </mc:Choice>
-        <mc:Fallback>
+        <mc:Fallback xmlns="">
           <p:sp>
             <p:nvSpPr>
               <p:cNvPr id="5" name="Oval 4">
@@ -34616,8 +35090,8 @@
           </p:sp>
         </mc:Fallback>
       </mc:AlternateContent>
-      <mc:AlternateContent xmlns:mc="http://schemas.openxmlformats.org/markup-compatibility/2006">
-        <mc:Choice xmlns:a14="http://schemas.microsoft.com/office/drawing/2010/main" Requires="a14">
+      <mc:AlternateContent xmlns:mc="http://schemas.openxmlformats.org/markup-compatibility/2006" xmlns:a14="http://schemas.microsoft.com/office/drawing/2010/main">
+        <mc:Choice Requires="a14">
           <p:sp>
             <p:nvSpPr>
               <p:cNvPr id="6" name="Oval 5">
@@ -34697,7 +35171,7 @@
             </p:txBody>
           </p:sp>
         </mc:Choice>
-        <mc:Fallback>
+        <mc:Fallback xmlns="">
           <p:sp>
             <p:nvSpPr>
               <p:cNvPr id="6" name="Oval 5">
@@ -34742,8 +35216,8 @@
           </p:sp>
         </mc:Fallback>
       </mc:AlternateContent>
-      <mc:AlternateContent xmlns:mc="http://schemas.openxmlformats.org/markup-compatibility/2006">
-        <mc:Choice xmlns:a14="http://schemas.microsoft.com/office/drawing/2010/main" Requires="a14">
+      <mc:AlternateContent xmlns:mc="http://schemas.openxmlformats.org/markup-compatibility/2006" xmlns:a14="http://schemas.microsoft.com/office/drawing/2010/main">
+        <mc:Choice Requires="a14">
           <p:sp>
             <p:nvSpPr>
               <p:cNvPr id="7" name="Oval 6">
@@ -34831,7 +35305,7 @@
             </p:txBody>
           </p:sp>
         </mc:Choice>
-        <mc:Fallback>
+        <mc:Fallback xmlns="">
           <p:sp>
             <p:nvSpPr>
               <p:cNvPr id="7" name="Oval 6">
@@ -35060,8 +35534,8 @@
           </a:fontRef>
         </p:style>
       </p:cxnSp>
-      <mc:AlternateContent xmlns:mc="http://schemas.openxmlformats.org/markup-compatibility/2006">
-        <mc:Choice xmlns:a14="http://schemas.microsoft.com/office/drawing/2010/main" Requires="a14">
+      <mc:AlternateContent xmlns:mc="http://schemas.openxmlformats.org/markup-compatibility/2006" xmlns:a14="http://schemas.microsoft.com/office/drawing/2010/main">
+        <mc:Choice Requires="a14">
           <p:sp>
             <p:nvSpPr>
               <p:cNvPr id="12" name="TextBox 11">
@@ -35090,6 +35564,7 @@
               </a:bodyPr>
               <a:lstStyle/>
               <a:p>
+                <a:pPr/>
                 <a14:m>
                   <m:oMathPara xmlns:m="http://schemas.openxmlformats.org/officeDocument/2006/math">
                     <m:oMathParaPr>
@@ -35147,7 +35622,7 @@
             </p:txBody>
           </p:sp>
         </mc:Choice>
-        <mc:Fallback>
+        <mc:Fallback xmlns="">
           <p:sp>
             <p:nvSpPr>
               <p:cNvPr id="12" name="TextBox 11">
@@ -35192,8 +35667,8 @@
           </p:sp>
         </mc:Fallback>
       </mc:AlternateContent>
-      <mc:AlternateContent xmlns:mc="http://schemas.openxmlformats.org/markup-compatibility/2006">
-        <mc:Choice xmlns:a14="http://schemas.microsoft.com/office/drawing/2010/main" Requires="a14">
+      <mc:AlternateContent xmlns:mc="http://schemas.openxmlformats.org/markup-compatibility/2006" xmlns:a14="http://schemas.microsoft.com/office/drawing/2010/main">
+        <mc:Choice Requires="a14">
           <p:sp>
             <p:nvSpPr>
               <p:cNvPr id="27" name="TextBox 26">
@@ -35222,6 +35697,7 @@
               </a:bodyPr>
               <a:lstStyle/>
               <a:p>
+                <a:pPr/>
                 <a14:m>
                   <m:oMathPara xmlns:m="http://schemas.openxmlformats.org/officeDocument/2006/math">
                     <m:oMathParaPr>
@@ -35269,7 +35745,7 @@
             </p:txBody>
           </p:sp>
         </mc:Choice>
-        <mc:Fallback>
+        <mc:Fallback xmlns="">
           <p:sp>
             <p:nvSpPr>
               <p:cNvPr id="27" name="TextBox 26">
@@ -35314,8 +35790,8 @@
           </p:sp>
         </mc:Fallback>
       </mc:AlternateContent>
-      <mc:AlternateContent xmlns:mc="http://schemas.openxmlformats.org/markup-compatibility/2006">
-        <mc:Choice xmlns:a14="http://schemas.microsoft.com/office/drawing/2010/main" Requires="a14">
+      <mc:AlternateContent xmlns:mc="http://schemas.openxmlformats.org/markup-compatibility/2006" xmlns:a14="http://schemas.microsoft.com/office/drawing/2010/main">
+        <mc:Choice Requires="a14">
           <p:sp>
             <p:nvSpPr>
               <p:cNvPr id="19" name="TextBox 18">
@@ -35344,6 +35820,7 @@
               </a:bodyPr>
               <a:lstStyle/>
               <a:p>
+                <a:pPr/>
                 <a14:m>
                   <m:oMathPara xmlns:m="http://schemas.openxmlformats.org/officeDocument/2006/math">
                     <m:oMathParaPr>
@@ -35391,7 +35868,7 @@
             </p:txBody>
           </p:sp>
         </mc:Choice>
-        <mc:Fallback>
+        <mc:Fallback xmlns="">
           <p:sp>
             <p:nvSpPr>
               <p:cNvPr id="19" name="TextBox 18">
@@ -35436,8 +35913,8 @@
           </p:sp>
         </mc:Fallback>
       </mc:AlternateContent>
-      <mc:AlternateContent xmlns:mc="http://schemas.openxmlformats.org/markup-compatibility/2006">
-        <mc:Choice xmlns:a14="http://schemas.microsoft.com/office/drawing/2010/main" Requires="a14">
+      <mc:AlternateContent xmlns:mc="http://schemas.openxmlformats.org/markup-compatibility/2006" xmlns:a14="http://schemas.microsoft.com/office/drawing/2010/main">
+        <mc:Choice Requires="a14">
           <p:sp>
             <p:nvSpPr>
               <p:cNvPr id="21" name="TextBox 20">
@@ -35466,6 +35943,7 @@
               </a:bodyPr>
               <a:lstStyle/>
               <a:p>
+                <a:pPr/>
                 <a14:m>
                   <m:oMathPara xmlns:m="http://schemas.openxmlformats.org/officeDocument/2006/math">
                     <m:oMathParaPr>
@@ -35513,7 +35991,7 @@
             </p:txBody>
           </p:sp>
         </mc:Choice>
-        <mc:Fallback>
+        <mc:Fallback xmlns="">
           <p:sp>
             <p:nvSpPr>
               <p:cNvPr id="21" name="TextBox 20">
@@ -35558,8 +36036,8 @@
           </p:sp>
         </mc:Fallback>
       </mc:AlternateContent>
-      <mc:AlternateContent xmlns:mc="http://schemas.openxmlformats.org/markup-compatibility/2006">
-        <mc:Choice xmlns:a14="http://schemas.microsoft.com/office/drawing/2010/main" Requires="a14">
+      <mc:AlternateContent xmlns:mc="http://schemas.openxmlformats.org/markup-compatibility/2006" xmlns:a14="http://schemas.microsoft.com/office/drawing/2010/main">
+        <mc:Choice Requires="a14">
           <p:sp>
             <p:nvSpPr>
               <p:cNvPr id="33" name="Oval 32">
@@ -35647,7 +36125,7 @@
             </p:txBody>
           </p:sp>
         </mc:Choice>
-        <mc:Fallback>
+        <mc:Fallback xmlns="">
           <p:sp>
             <p:nvSpPr>
               <p:cNvPr id="33" name="Oval 32">
@@ -35692,8 +36170,8 @@
           </p:sp>
         </mc:Fallback>
       </mc:AlternateContent>
-      <mc:AlternateContent xmlns:mc="http://schemas.openxmlformats.org/markup-compatibility/2006">
-        <mc:Choice xmlns:a14="http://schemas.microsoft.com/office/drawing/2010/main" Requires="a14">
+      <mc:AlternateContent xmlns:mc="http://schemas.openxmlformats.org/markup-compatibility/2006" xmlns:a14="http://schemas.microsoft.com/office/drawing/2010/main">
+        <mc:Choice Requires="a14">
           <p:sp>
             <p:nvSpPr>
               <p:cNvPr id="34" name="Oval 33">
@@ -35781,7 +36259,7 @@
             </p:txBody>
           </p:sp>
         </mc:Choice>
-        <mc:Fallback>
+        <mc:Fallback xmlns="">
           <p:sp>
             <p:nvSpPr>
               <p:cNvPr id="34" name="Oval 33">
@@ -36102,8 +36580,8 @@
           </a:fontRef>
         </p:style>
       </p:cxnSp>
-      <mc:AlternateContent xmlns:mc="http://schemas.openxmlformats.org/markup-compatibility/2006">
-        <mc:Choice xmlns:a14="http://schemas.microsoft.com/office/drawing/2010/main" Requires="a14">
+      <mc:AlternateContent xmlns:mc="http://schemas.openxmlformats.org/markup-compatibility/2006" xmlns:a14="http://schemas.microsoft.com/office/drawing/2010/main">
+        <mc:Choice Requires="a14">
           <p:sp>
             <p:nvSpPr>
               <p:cNvPr id="63" name="TextBox 62">
@@ -36132,6 +36610,7 @@
               </a:bodyPr>
               <a:lstStyle/>
               <a:p>
+                <a:pPr/>
                 <a14:m>
                   <m:oMathPara xmlns:m="http://schemas.openxmlformats.org/officeDocument/2006/math">
                     <m:oMathParaPr>
@@ -36179,7 +36658,7 @@
             </p:txBody>
           </p:sp>
         </mc:Choice>
-        <mc:Fallback>
+        <mc:Fallback xmlns="">
           <p:sp>
             <p:nvSpPr>
               <p:cNvPr id="63" name="TextBox 62">
@@ -36224,8 +36703,8 @@
           </p:sp>
         </mc:Fallback>
       </mc:AlternateContent>
-      <mc:AlternateContent xmlns:mc="http://schemas.openxmlformats.org/markup-compatibility/2006">
-        <mc:Choice xmlns:a14="http://schemas.microsoft.com/office/drawing/2010/main" Requires="a14">
+      <mc:AlternateContent xmlns:mc="http://schemas.openxmlformats.org/markup-compatibility/2006" xmlns:a14="http://schemas.microsoft.com/office/drawing/2010/main">
+        <mc:Choice Requires="a14">
           <p:sp>
             <p:nvSpPr>
               <p:cNvPr id="64" name="TextBox 63">
@@ -36254,6 +36733,7 @@
               </a:bodyPr>
               <a:lstStyle/>
               <a:p>
+                <a:pPr/>
                 <a14:m>
                   <m:oMathPara xmlns:m="http://schemas.openxmlformats.org/officeDocument/2006/math">
                     <m:oMathParaPr>
@@ -36301,7 +36781,7 @@
             </p:txBody>
           </p:sp>
         </mc:Choice>
-        <mc:Fallback>
+        <mc:Fallback xmlns="">
           <p:sp>
             <p:nvSpPr>
               <p:cNvPr id="64" name="TextBox 63">
@@ -36346,8 +36826,8 @@
           </p:sp>
         </mc:Fallback>
       </mc:AlternateContent>
-      <mc:AlternateContent xmlns:mc="http://schemas.openxmlformats.org/markup-compatibility/2006">
-        <mc:Choice xmlns:a14="http://schemas.microsoft.com/office/drawing/2010/main" Requires="a14">
+      <mc:AlternateContent xmlns:mc="http://schemas.openxmlformats.org/markup-compatibility/2006" xmlns:a14="http://schemas.microsoft.com/office/drawing/2010/main">
+        <mc:Choice Requires="a14">
           <p:sp>
             <p:nvSpPr>
               <p:cNvPr id="65" name="TextBox 64">
@@ -36376,6 +36856,7 @@
               </a:bodyPr>
               <a:lstStyle/>
               <a:p>
+                <a:pPr/>
                 <a14:m>
                   <m:oMathPara xmlns:m="http://schemas.openxmlformats.org/officeDocument/2006/math">
                     <m:oMathParaPr>
@@ -36423,7 +36904,7 @@
             </p:txBody>
           </p:sp>
         </mc:Choice>
-        <mc:Fallback>
+        <mc:Fallback xmlns="">
           <p:sp>
             <p:nvSpPr>
               <p:cNvPr id="65" name="TextBox 64">
@@ -36468,8 +36949,8 @@
           </p:sp>
         </mc:Fallback>
       </mc:AlternateContent>
-      <mc:AlternateContent xmlns:mc="http://schemas.openxmlformats.org/markup-compatibility/2006">
-        <mc:Choice xmlns:a14="http://schemas.microsoft.com/office/drawing/2010/main" Requires="a14">
+      <mc:AlternateContent xmlns:mc="http://schemas.openxmlformats.org/markup-compatibility/2006" xmlns:a14="http://schemas.microsoft.com/office/drawing/2010/main">
+        <mc:Choice Requires="a14">
           <p:sp>
             <p:nvSpPr>
               <p:cNvPr id="66" name="TextBox 65">
@@ -36498,6 +36979,7 @@
               </a:bodyPr>
               <a:lstStyle/>
               <a:p>
+                <a:pPr/>
                 <a14:m>
                   <m:oMathPara xmlns:m="http://schemas.openxmlformats.org/officeDocument/2006/math">
                     <m:oMathParaPr>
@@ -36545,7 +37027,7 @@
             </p:txBody>
           </p:sp>
         </mc:Choice>
-        <mc:Fallback>
+        <mc:Fallback xmlns="">
           <p:sp>
             <p:nvSpPr>
               <p:cNvPr id="66" name="TextBox 65">
@@ -36590,8 +37072,8 @@
           </p:sp>
         </mc:Fallback>
       </mc:AlternateContent>
-      <mc:AlternateContent xmlns:mc="http://schemas.openxmlformats.org/markup-compatibility/2006">
-        <mc:Choice xmlns:a14="http://schemas.microsoft.com/office/drawing/2010/main" Requires="a14">
+      <mc:AlternateContent xmlns:mc="http://schemas.openxmlformats.org/markup-compatibility/2006" xmlns:a14="http://schemas.microsoft.com/office/drawing/2010/main">
+        <mc:Choice Requires="a14">
           <p:sp>
             <p:nvSpPr>
               <p:cNvPr id="67" name="TextBox 66">
@@ -36620,6 +37102,7 @@
               </a:bodyPr>
               <a:lstStyle/>
               <a:p>
+                <a:pPr/>
                 <a14:m>
                   <m:oMathPara xmlns:m="http://schemas.openxmlformats.org/officeDocument/2006/math">
                     <m:oMathParaPr>
@@ -36667,7 +37150,7 @@
             </p:txBody>
           </p:sp>
         </mc:Choice>
-        <mc:Fallback>
+        <mc:Fallback xmlns="">
           <p:sp>
             <p:nvSpPr>
               <p:cNvPr id="67" name="TextBox 66">
@@ -36712,8 +37195,8 @@
           </p:sp>
         </mc:Fallback>
       </mc:AlternateContent>
-      <mc:AlternateContent xmlns:mc="http://schemas.openxmlformats.org/markup-compatibility/2006">
-        <mc:Choice xmlns:a14="http://schemas.microsoft.com/office/drawing/2010/main" Requires="a14">
+      <mc:AlternateContent xmlns:mc="http://schemas.openxmlformats.org/markup-compatibility/2006" xmlns:a14="http://schemas.microsoft.com/office/drawing/2010/main">
+        <mc:Choice Requires="a14">
           <p:sp>
             <p:nvSpPr>
               <p:cNvPr id="68" name="TextBox 67">
@@ -36742,6 +37225,7 @@
               </a:bodyPr>
               <a:lstStyle/>
               <a:p>
+                <a:pPr/>
                 <a14:m>
                   <m:oMathPara xmlns:m="http://schemas.openxmlformats.org/officeDocument/2006/math">
                     <m:oMathParaPr>
@@ -36789,7 +37273,7 @@
             </p:txBody>
           </p:sp>
         </mc:Choice>
-        <mc:Fallback>
+        <mc:Fallback xmlns="">
           <p:sp>
             <p:nvSpPr>
               <p:cNvPr id="68" name="TextBox 67">
@@ -36926,8 +37410,8 @@
           </a:fontRef>
         </p:style>
       </p:cxnSp>
-      <mc:AlternateContent xmlns:mc="http://schemas.openxmlformats.org/markup-compatibility/2006">
-        <mc:Choice xmlns:a14="http://schemas.microsoft.com/office/drawing/2010/main" Requires="a14">
+      <mc:AlternateContent xmlns:mc="http://schemas.openxmlformats.org/markup-compatibility/2006" xmlns:a14="http://schemas.microsoft.com/office/drawing/2010/main">
+        <mc:Choice Requires="a14">
           <p:sp>
             <p:nvSpPr>
               <p:cNvPr id="35" name="TextBox 34">
@@ -36956,6 +37440,7 @@
               </a:bodyPr>
               <a:lstStyle/>
               <a:p>
+                <a:pPr/>
                 <a14:m>
                   <m:oMathPara xmlns:m="http://schemas.openxmlformats.org/officeDocument/2006/math">
                     <m:oMathParaPr>
@@ -37149,7 +37634,7 @@
             </p:txBody>
           </p:sp>
         </mc:Choice>
-        <mc:Fallback>
+        <mc:Fallback xmlns="">
           <p:sp>
             <p:nvSpPr>
               <p:cNvPr id="35" name="TextBox 34">
@@ -37194,8 +37679,8 @@
           </p:sp>
         </mc:Fallback>
       </mc:AlternateContent>
-      <mc:AlternateContent xmlns:mc="http://schemas.openxmlformats.org/markup-compatibility/2006">
-        <mc:Choice xmlns:a14="http://schemas.microsoft.com/office/drawing/2010/main" Requires="a14">
+      <mc:AlternateContent xmlns:mc="http://schemas.openxmlformats.org/markup-compatibility/2006" xmlns:a14="http://schemas.microsoft.com/office/drawing/2010/main">
+        <mc:Choice Requires="a14">
           <p:sp>
             <p:nvSpPr>
               <p:cNvPr id="38" name="TextBox 37">
@@ -37224,6 +37709,7 @@
               </a:bodyPr>
               <a:lstStyle/>
               <a:p>
+                <a:pPr/>
                 <a14:m>
                   <m:oMathPara xmlns:m="http://schemas.openxmlformats.org/officeDocument/2006/math">
                     <m:oMathParaPr>
@@ -37329,13 +37815,7 @@
                                             <a:rPr lang="en-GB" b="0" i="1" smtClean="0">
                                               <a:latin typeface="Cambria Math" panose="02040503050406030204" pitchFamily="18" charset="0"/>
                                             </a:rPr>
-                                            <m:t>1</m:t>
-                                          </m:r>
-                                          <m:r>
-                                            <a:rPr lang="en-GB" b="0" i="1" smtClean="0">
-                                              <a:latin typeface="Cambria Math" panose="02040503050406030204" pitchFamily="18" charset="0"/>
-                                            </a:rPr>
-                                            <m:t>,0</m:t>
+                                            <m:t>1,0</m:t>
                                           </m:r>
                                         </m:sub>
                                       </m:sSub>
@@ -37362,13 +37842,7 @@
                                             <a:rPr lang="en-GB" b="0" i="1" smtClean="0">
                                               <a:latin typeface="Cambria Math" panose="02040503050406030204" pitchFamily="18" charset="0"/>
                                             </a:rPr>
-                                            <m:t>2</m:t>
-                                          </m:r>
-                                          <m:r>
-                                            <a:rPr lang="en-GB" b="0" i="1" smtClean="0">
-                                              <a:latin typeface="Cambria Math" panose="02040503050406030204" pitchFamily="18" charset="0"/>
-                                            </a:rPr>
-                                            <m:t>,0</m:t>
+                                            <m:t>2,0</m:t>
                                           </m:r>
                                         </m:sub>
                                       </m:sSub>
@@ -37395,13 +37869,7 @@
                                             <a:rPr lang="en-GB" b="0" i="1" smtClean="0">
                                               <a:latin typeface="Cambria Math" panose="02040503050406030204" pitchFamily="18" charset="0"/>
                                             </a:rPr>
-                                            <m:t>3</m:t>
-                                          </m:r>
-                                          <m:r>
-                                            <a:rPr lang="en-GB" b="0" i="1" smtClean="0">
-                                              <a:latin typeface="Cambria Math" panose="02040503050406030204" pitchFamily="18" charset="0"/>
-                                            </a:rPr>
-                                            <m:t>,0</m:t>
+                                            <m:t>3,0</m:t>
                                           </m:r>
                                         </m:sub>
                                       </m:sSub>
@@ -37451,13 +37919,7 @@
                                             <a:rPr lang="en-GB" b="0" i="1" smtClean="0">
                                               <a:latin typeface="Cambria Math" panose="02040503050406030204" pitchFamily="18" charset="0"/>
                                             </a:rPr>
-                                            <m:t>1,</m:t>
-                                          </m:r>
-                                          <m:r>
-                                            <a:rPr lang="en-GB" b="0" i="1" smtClean="0">
-                                              <a:latin typeface="Cambria Math" panose="02040503050406030204" pitchFamily="18" charset="0"/>
-                                            </a:rPr>
-                                            <m:t>1</m:t>
+                                            <m:t>1,1</m:t>
                                           </m:r>
                                         </m:sub>
                                       </m:sSub>
@@ -37484,19 +37946,7 @@
                                             <a:rPr lang="en-GB" b="0" i="1" smtClean="0">
                                               <a:latin typeface="Cambria Math" panose="02040503050406030204" pitchFamily="18" charset="0"/>
                                             </a:rPr>
-                                            <m:t>2</m:t>
-                                          </m:r>
-                                          <m:r>
-                                            <a:rPr lang="en-GB" b="0" i="1" smtClean="0">
-                                              <a:latin typeface="Cambria Math" panose="02040503050406030204" pitchFamily="18" charset="0"/>
-                                            </a:rPr>
-                                            <m:t>,</m:t>
-                                          </m:r>
-                                          <m:r>
-                                            <a:rPr lang="en-GB" b="0" i="1" smtClean="0">
-                                              <a:latin typeface="Cambria Math" panose="02040503050406030204" pitchFamily="18" charset="0"/>
-                                            </a:rPr>
-                                            <m:t>1</m:t>
+                                            <m:t>2,1</m:t>
                                           </m:r>
                                         </m:sub>
                                       </m:sSub>
@@ -37523,19 +37973,7 @@
                                             <a:rPr lang="en-GB" b="0" i="1" smtClean="0">
                                               <a:latin typeface="Cambria Math" panose="02040503050406030204" pitchFamily="18" charset="0"/>
                                             </a:rPr>
-                                            <m:t>3</m:t>
-                                          </m:r>
-                                          <m:r>
-                                            <a:rPr lang="en-GB" b="0" i="1" smtClean="0">
-                                              <a:latin typeface="Cambria Math" panose="02040503050406030204" pitchFamily="18" charset="0"/>
-                                            </a:rPr>
-                                            <m:t>,</m:t>
-                                          </m:r>
-                                          <m:r>
-                                            <a:rPr lang="en-GB" b="0" i="1" smtClean="0">
-                                              <a:latin typeface="Cambria Math" panose="02040503050406030204" pitchFamily="18" charset="0"/>
-                                            </a:rPr>
-                                            <m:t>1</m:t>
+                                            <m:t>3,1</m:t>
                                           </m:r>
                                         </m:sub>
                                       </m:sSub>
@@ -37603,13 +38041,7 @@
                                                   <a:rPr lang="en-GB" b="0" i="1" smtClean="0">
                                                     <a:latin typeface="Cambria Math" panose="02040503050406030204" pitchFamily="18" charset="0"/>
                                                   </a:rPr>
-                                                  <m:t>1,</m:t>
-                                                </m:r>
-                                                <m:r>
-                                                  <a:rPr lang="en-GB" b="0" i="1" smtClean="0">
-                                                    <a:latin typeface="Cambria Math" panose="02040503050406030204" pitchFamily="18" charset="0"/>
-                                                  </a:rPr>
-                                                  <m:t>2</m:t>
+                                                  <m:t>1,2</m:t>
                                                 </m:r>
                                               </m:sub>
                                             </m:sSub>
@@ -37636,19 +38068,7 @@
                                                   <a:rPr lang="en-GB" b="0" i="1" smtClean="0">
                                                     <a:latin typeface="Cambria Math" panose="02040503050406030204" pitchFamily="18" charset="0"/>
                                                   </a:rPr>
-                                                  <m:t>2</m:t>
-                                                </m:r>
-                                                <m:r>
-                                                  <a:rPr lang="en-GB" b="0" i="1" smtClean="0">
-                                                    <a:latin typeface="Cambria Math" panose="02040503050406030204" pitchFamily="18" charset="0"/>
-                                                  </a:rPr>
-                                                  <m:t>,</m:t>
-                                                </m:r>
-                                                <m:r>
-                                                  <a:rPr lang="en-GB" b="0" i="1" smtClean="0">
-                                                    <a:latin typeface="Cambria Math" panose="02040503050406030204" pitchFamily="18" charset="0"/>
-                                                  </a:rPr>
-                                                  <m:t>2</m:t>
+                                                  <m:t>2,2</m:t>
                                                 </m:r>
                                               </m:sub>
                                             </m:sSub>
@@ -37675,19 +38095,7 @@
                                                   <a:rPr lang="en-GB" b="0" i="1" smtClean="0">
                                                     <a:latin typeface="Cambria Math" panose="02040503050406030204" pitchFamily="18" charset="0"/>
                                                   </a:rPr>
-                                                  <m:t>3</m:t>
-                                                </m:r>
-                                                <m:r>
-                                                  <a:rPr lang="en-GB" b="0" i="1" smtClean="0">
-                                                    <a:latin typeface="Cambria Math" panose="02040503050406030204" pitchFamily="18" charset="0"/>
-                                                  </a:rPr>
-                                                  <m:t>,</m:t>
-                                                </m:r>
-                                                <m:r>
-                                                  <a:rPr lang="en-GB" b="0" i="1" smtClean="0">
-                                                    <a:latin typeface="Cambria Math" panose="02040503050406030204" pitchFamily="18" charset="0"/>
-                                                  </a:rPr>
-                                                  <m:t>2</m:t>
+                                                  <m:t>3,2</m:t>
                                                 </m:r>
                                               </m:sub>
                                             </m:sSub>
@@ -37737,13 +38145,7 @@
                                                   <a:rPr lang="en-GB" b="0" i="1" smtClean="0">
                                                     <a:latin typeface="Cambria Math" panose="02040503050406030204" pitchFamily="18" charset="0"/>
                                                   </a:rPr>
-                                                  <m:t>1,</m:t>
-                                                </m:r>
-                                                <m:r>
-                                                  <a:rPr lang="en-GB" b="0" i="1" smtClean="0">
-                                                    <a:latin typeface="Cambria Math" panose="02040503050406030204" pitchFamily="18" charset="0"/>
-                                                  </a:rPr>
-                                                  <m:t>3</m:t>
+                                                  <m:t>1,3</m:t>
                                                 </m:r>
                                               </m:sub>
                                             </m:sSub>
@@ -37770,19 +38172,7 @@
                                                   <a:rPr lang="en-GB" b="0" i="1" smtClean="0">
                                                     <a:latin typeface="Cambria Math" panose="02040503050406030204" pitchFamily="18" charset="0"/>
                                                   </a:rPr>
-                                                  <m:t>2</m:t>
-                                                </m:r>
-                                                <m:r>
-                                                  <a:rPr lang="en-GB" b="0" i="1" smtClean="0">
-                                                    <a:latin typeface="Cambria Math" panose="02040503050406030204" pitchFamily="18" charset="0"/>
-                                                  </a:rPr>
-                                                  <m:t>,</m:t>
-                                                </m:r>
-                                                <m:r>
-                                                  <a:rPr lang="en-GB" b="0" i="1" smtClean="0">
-                                                    <a:latin typeface="Cambria Math" panose="02040503050406030204" pitchFamily="18" charset="0"/>
-                                                  </a:rPr>
-                                                  <m:t>3</m:t>
+                                                  <m:t>2,3</m:t>
                                                 </m:r>
                                               </m:sub>
                                             </m:sSub>
@@ -37809,19 +38199,7 @@
                                                   <a:rPr lang="en-GB" b="0" i="1" smtClean="0">
                                                     <a:latin typeface="Cambria Math" panose="02040503050406030204" pitchFamily="18" charset="0"/>
                                                   </a:rPr>
-                                                  <m:t>3</m:t>
-                                                </m:r>
-                                                <m:r>
-                                                  <a:rPr lang="en-GB" b="0" i="1" smtClean="0">
-                                                    <a:latin typeface="Cambria Math" panose="02040503050406030204" pitchFamily="18" charset="0"/>
-                                                  </a:rPr>
-                                                  <m:t>,</m:t>
-                                                </m:r>
-                                                <m:r>
-                                                  <a:rPr lang="en-GB" b="0" i="1" smtClean="0">
-                                                    <a:latin typeface="Cambria Math" panose="02040503050406030204" pitchFamily="18" charset="0"/>
-                                                  </a:rPr>
-                                                  <m:t>3</m:t>
+                                                  <m:t>3,3</m:t>
                                                 </m:r>
                                               </m:sub>
                                             </m:sSub>
@@ -37844,7 +38222,7 @@
             </p:txBody>
           </p:sp>
         </mc:Choice>
-        <mc:Fallback>
+        <mc:Fallback xmlns="">
           <p:sp>
             <p:nvSpPr>
               <p:cNvPr id="38" name="TextBox 37">
@@ -37889,8 +38267,8 @@
           </p:sp>
         </mc:Fallback>
       </mc:AlternateContent>
-      <mc:AlternateContent xmlns:mc="http://schemas.openxmlformats.org/markup-compatibility/2006">
-        <mc:Choice xmlns:a14="http://schemas.microsoft.com/office/drawing/2010/main" Requires="a14">
+      <mc:AlternateContent xmlns:mc="http://schemas.openxmlformats.org/markup-compatibility/2006" xmlns:a14="http://schemas.microsoft.com/office/drawing/2010/main">
+        <mc:Choice Requires="a14">
           <p:sp>
             <p:nvSpPr>
               <p:cNvPr id="37" name="TextBox 36">
@@ -37919,6 +38297,7 @@
               </a:bodyPr>
               <a:lstStyle/>
               <a:p>
+                <a:pPr/>
                 <a14:m>
                   <m:oMathPara xmlns:m="http://schemas.openxmlformats.org/officeDocument/2006/math">
                     <m:oMathParaPr>
@@ -38050,7 +38429,7 @@
             </p:txBody>
           </p:sp>
         </mc:Choice>
-        <mc:Fallback>
+        <mc:Fallback xmlns="">
           <p:sp>
             <p:nvSpPr>
               <p:cNvPr id="37" name="TextBox 36">
@@ -38095,8 +38474,8 @@
           </p:sp>
         </mc:Fallback>
       </mc:AlternateContent>
-      <mc:AlternateContent xmlns:mc="http://schemas.openxmlformats.org/markup-compatibility/2006">
-        <mc:Choice xmlns:a14="http://schemas.microsoft.com/office/drawing/2010/main" Requires="a14">
+      <mc:AlternateContent xmlns:mc="http://schemas.openxmlformats.org/markup-compatibility/2006" xmlns:a14="http://schemas.microsoft.com/office/drawing/2010/main">
+        <mc:Choice Requires="a14">
           <p:sp>
             <p:nvSpPr>
               <p:cNvPr id="40" name="TextBox 39">
@@ -38125,6 +38504,7 @@
               </a:bodyPr>
               <a:lstStyle/>
               <a:p>
+                <a:pPr/>
                 <a14:m>
                   <m:oMathPara xmlns:m="http://schemas.openxmlformats.org/officeDocument/2006/math">
                     <m:oMathParaPr>
@@ -38226,7 +38606,7 @@
             </p:txBody>
           </p:sp>
         </mc:Choice>
-        <mc:Fallback>
+        <mc:Fallback xmlns="">
           <p:sp>
             <p:nvSpPr>
               <p:cNvPr id="40" name="TextBox 39">
@@ -38271,8 +38651,8 @@
           </p:sp>
         </mc:Fallback>
       </mc:AlternateContent>
-      <mc:AlternateContent xmlns:mc="http://schemas.openxmlformats.org/markup-compatibility/2006">
-        <mc:Choice xmlns:a14="http://schemas.microsoft.com/office/drawing/2010/main" Requires="a14">
+      <mc:AlternateContent xmlns:mc="http://schemas.openxmlformats.org/markup-compatibility/2006" xmlns:a14="http://schemas.microsoft.com/office/drawing/2010/main">
+        <mc:Choice Requires="a14">
           <p:sp>
             <p:nvSpPr>
               <p:cNvPr id="41" name="TextBox 40">
@@ -38301,6 +38681,7 @@
               </a:bodyPr>
               <a:lstStyle/>
               <a:p>
+                <a:pPr/>
                 <a14:m>
                   <m:oMathPara xmlns:m="http://schemas.openxmlformats.org/officeDocument/2006/math">
                     <m:oMathParaPr>
@@ -38549,7 +38930,7 @@
             </p:txBody>
           </p:sp>
         </mc:Choice>
-        <mc:Fallback>
+        <mc:Fallback xmlns="">
           <p:sp>
             <p:nvSpPr>
               <p:cNvPr id="41" name="TextBox 40">
@@ -38594,8 +38975,8 @@
           </p:sp>
         </mc:Fallback>
       </mc:AlternateContent>
-      <mc:AlternateContent xmlns:mc="http://schemas.openxmlformats.org/markup-compatibility/2006">
-        <mc:Choice xmlns:a14="http://schemas.microsoft.com/office/drawing/2010/main" Requires="a14">
+      <mc:AlternateContent xmlns:mc="http://schemas.openxmlformats.org/markup-compatibility/2006" xmlns:a14="http://schemas.microsoft.com/office/drawing/2010/main">
+        <mc:Choice Requires="a14">
           <p:sp>
             <p:nvSpPr>
               <p:cNvPr id="42" name="TextBox 41">
@@ -38624,6 +39005,7 @@
               </a:bodyPr>
               <a:lstStyle/>
               <a:p>
+                <a:pPr/>
                 <a14:m>
                   <m:oMathPara xmlns:m="http://schemas.openxmlformats.org/officeDocument/2006/math">
                     <m:oMathParaPr>
@@ -38800,7 +39182,7 @@
             </p:txBody>
           </p:sp>
         </mc:Choice>
-        <mc:Fallback>
+        <mc:Fallback xmlns="">
           <p:sp>
             <p:nvSpPr>
               <p:cNvPr id="42" name="TextBox 41">
@@ -38845,8 +39227,8 @@
           </p:sp>
         </mc:Fallback>
       </mc:AlternateContent>
-      <mc:AlternateContent xmlns:mc="http://schemas.openxmlformats.org/markup-compatibility/2006">
-        <mc:Choice xmlns:a14="http://schemas.microsoft.com/office/drawing/2010/main" Requires="a14">
+      <mc:AlternateContent xmlns:mc="http://schemas.openxmlformats.org/markup-compatibility/2006" xmlns:a14="http://schemas.microsoft.com/office/drawing/2010/main">
+        <mc:Choice Requires="a14">
           <p:sp>
             <p:nvSpPr>
               <p:cNvPr id="43" name="Rectangle 42">
@@ -38874,6 +39256,7 @@
               </a:bodyPr>
               <a:lstStyle/>
               <a:p>
+                <a:pPr/>
                 <a14:m>
                   <m:oMathPara xmlns:m="http://schemas.openxmlformats.org/officeDocument/2006/math">
                     <m:oMathParaPr>
@@ -38918,7 +39301,7 @@
             </p:txBody>
           </p:sp>
         </mc:Choice>
-        <mc:Fallback>
+        <mc:Fallback xmlns="">
           <p:sp>
             <p:nvSpPr>
               <p:cNvPr id="43" name="Rectangle 42">
@@ -38963,8 +39346,8 @@
           </p:sp>
         </mc:Fallback>
       </mc:AlternateContent>
-      <mc:AlternateContent xmlns:mc="http://schemas.openxmlformats.org/markup-compatibility/2006">
-        <mc:Choice xmlns:a14="http://schemas.microsoft.com/office/drawing/2010/main" Requires="a14">
+      <mc:AlternateContent xmlns:mc="http://schemas.openxmlformats.org/markup-compatibility/2006" xmlns:a14="http://schemas.microsoft.com/office/drawing/2010/main">
+        <mc:Choice Requires="a14">
           <p:sp>
             <p:nvSpPr>
               <p:cNvPr id="44" name="TextBox 43">
@@ -39086,7 +39469,7 @@
             </p:txBody>
           </p:sp>
         </mc:Choice>
-        <mc:Fallback>
+        <mc:Fallback xmlns="">
           <p:sp>
             <p:nvSpPr>
               <p:cNvPr id="44" name="TextBox 43">
@@ -39131,8 +39514,8 @@
           </p:sp>
         </mc:Fallback>
       </mc:AlternateContent>
-      <mc:AlternateContent xmlns:mc="http://schemas.openxmlformats.org/markup-compatibility/2006">
-        <mc:Choice xmlns:a14="http://schemas.microsoft.com/office/drawing/2010/main" Requires="a14">
+      <mc:AlternateContent xmlns:mc="http://schemas.openxmlformats.org/markup-compatibility/2006" xmlns:a14="http://schemas.microsoft.com/office/drawing/2010/main">
+        <mc:Choice Requires="a14">
           <p:sp>
             <p:nvSpPr>
               <p:cNvPr id="45" name="TextBox 44">
@@ -39225,7 +39608,7 @@
             </p:txBody>
           </p:sp>
         </mc:Choice>
-        <mc:Fallback>
+        <mc:Fallback xmlns="">
           <p:sp>
             <p:nvSpPr>
               <p:cNvPr id="45" name="TextBox 44">
@@ -39270,8 +39653,8 @@
           </p:sp>
         </mc:Fallback>
       </mc:AlternateContent>
-      <mc:AlternateContent xmlns:mc="http://schemas.openxmlformats.org/markup-compatibility/2006">
-        <mc:Choice xmlns:a14="http://schemas.microsoft.com/office/drawing/2010/main" Requires="a14">
+      <mc:AlternateContent xmlns:mc="http://schemas.openxmlformats.org/markup-compatibility/2006" xmlns:a14="http://schemas.microsoft.com/office/drawing/2010/main">
+        <mc:Choice Requires="a14">
           <p:sp>
             <p:nvSpPr>
               <p:cNvPr id="50" name="Oval 49">
@@ -39354,7 +39737,7 @@
             </p:txBody>
           </p:sp>
         </mc:Choice>
-        <mc:Fallback>
+        <mc:Fallback xmlns="">
           <p:sp>
             <p:nvSpPr>
               <p:cNvPr id="50" name="Oval 49">
@@ -39449,8 +39832,8 @@
           </a:fontRef>
         </p:style>
       </p:cxnSp>
-      <mc:AlternateContent xmlns:mc="http://schemas.openxmlformats.org/markup-compatibility/2006">
-        <mc:Choice xmlns:a14="http://schemas.microsoft.com/office/drawing/2010/main" Requires="a14">
+      <mc:AlternateContent xmlns:mc="http://schemas.openxmlformats.org/markup-compatibility/2006" xmlns:a14="http://schemas.microsoft.com/office/drawing/2010/main">
+        <mc:Choice Requires="a14">
           <p:sp>
             <p:nvSpPr>
               <p:cNvPr id="53" name="TextBox 52">
@@ -39479,6 +39862,7 @@
               </a:bodyPr>
               <a:lstStyle/>
               <a:p>
+                <a:pPr/>
                 <a14:m>
                   <m:oMathPara xmlns:m="http://schemas.openxmlformats.org/officeDocument/2006/math">
                     <m:oMathParaPr>
@@ -39526,7 +39910,7 @@
             </p:txBody>
           </p:sp>
         </mc:Choice>
-        <mc:Fallback>
+        <mc:Fallback xmlns="">
           <p:sp>
             <p:nvSpPr>
               <p:cNvPr id="53" name="TextBox 52">
@@ -39665,8 +40049,8 @@
           </a:fontRef>
         </p:style>
       </p:cxnSp>
-      <mc:AlternateContent xmlns:mc="http://schemas.openxmlformats.org/markup-compatibility/2006">
-        <mc:Choice xmlns:a14="http://schemas.microsoft.com/office/drawing/2010/main" Requires="a14">
+      <mc:AlternateContent xmlns:mc="http://schemas.openxmlformats.org/markup-compatibility/2006" xmlns:a14="http://schemas.microsoft.com/office/drawing/2010/main">
+        <mc:Choice Requires="a14">
           <p:sp>
             <p:nvSpPr>
               <p:cNvPr id="57" name="TextBox 56">
@@ -39695,6 +40079,7 @@
               </a:bodyPr>
               <a:lstStyle/>
               <a:p>
+                <a:pPr/>
                 <a14:m>
                   <m:oMathPara xmlns:m="http://schemas.openxmlformats.org/officeDocument/2006/math">
                     <m:oMathParaPr>
@@ -39742,7 +40127,7 @@
             </p:txBody>
           </p:sp>
         </mc:Choice>
-        <mc:Fallback>
+        <mc:Fallback xmlns="">
           <p:sp>
             <p:nvSpPr>
               <p:cNvPr id="57" name="TextBox 56">
@@ -39787,8 +40172,8 @@
           </p:sp>
         </mc:Fallback>
       </mc:AlternateContent>
-      <mc:AlternateContent xmlns:mc="http://schemas.openxmlformats.org/markup-compatibility/2006">
-        <mc:Choice xmlns:a14="http://schemas.microsoft.com/office/drawing/2010/main" Requires="a14">
+      <mc:AlternateContent xmlns:mc="http://schemas.openxmlformats.org/markup-compatibility/2006" xmlns:a14="http://schemas.microsoft.com/office/drawing/2010/main">
+        <mc:Choice Requires="a14">
           <p:sp>
             <p:nvSpPr>
               <p:cNvPr id="59" name="TextBox 58">
@@ -39817,6 +40202,7 @@
               </a:bodyPr>
               <a:lstStyle/>
               <a:p>
+                <a:pPr/>
                 <a14:m>
                   <m:oMathPara xmlns:m="http://schemas.openxmlformats.org/officeDocument/2006/math">
                     <m:oMathParaPr>
@@ -39864,7 +40250,7 @@
             </p:txBody>
           </p:sp>
         </mc:Choice>
-        <mc:Fallback>
+        <mc:Fallback xmlns="">
           <p:sp>
             <p:nvSpPr>
               <p:cNvPr id="59" name="TextBox 58">
@@ -39909,8 +40295,8 @@
           </p:sp>
         </mc:Fallback>
       </mc:AlternateContent>
-      <mc:AlternateContent xmlns:mc="http://schemas.openxmlformats.org/markup-compatibility/2006">
-        <mc:Choice xmlns:a14="http://schemas.microsoft.com/office/drawing/2010/main" Requires="a14">
+      <mc:AlternateContent xmlns:mc="http://schemas.openxmlformats.org/markup-compatibility/2006" xmlns:a14="http://schemas.microsoft.com/office/drawing/2010/main">
+        <mc:Choice Requires="a14">
           <p:sp>
             <p:nvSpPr>
               <p:cNvPr id="60" name="TextBox 59">
@@ -39939,6 +40325,7 @@
               </a:bodyPr>
               <a:lstStyle/>
               <a:p>
+                <a:pPr/>
                 <a14:m>
                   <m:oMathPara xmlns:m="http://schemas.openxmlformats.org/officeDocument/2006/math">
                     <m:oMathParaPr>
@@ -40063,13 +40450,7 @@
                                             <a:rPr lang="en-GB" b="0" i="1" smtClean="0">
                                               <a:latin typeface="Cambria Math" panose="02040503050406030204" pitchFamily="18" charset="0"/>
                                             </a:rPr>
-                                            <m:t>1</m:t>
-                                          </m:r>
-                                          <m:r>
-                                            <a:rPr lang="en-GB" b="0" i="1" smtClean="0">
-                                              <a:latin typeface="Cambria Math" panose="02040503050406030204" pitchFamily="18" charset="0"/>
-                                            </a:rPr>
-                                            <m:t>,0</m:t>
+                                            <m:t>1,0</m:t>
                                           </m:r>
                                         </m:sub>
                                       </m:sSub>
@@ -40096,19 +40477,7 @@
                                             <a:rPr lang="en-GB" b="0" i="1" smtClean="0">
                                               <a:latin typeface="Cambria Math" panose="02040503050406030204" pitchFamily="18" charset="0"/>
                                             </a:rPr>
-                                            <m:t>1</m:t>
-                                          </m:r>
-                                          <m:r>
-                                            <a:rPr lang="en-GB" b="0" i="1" smtClean="0">
-                                              <a:latin typeface="Cambria Math" panose="02040503050406030204" pitchFamily="18" charset="0"/>
-                                            </a:rPr>
-                                            <m:t>,</m:t>
-                                          </m:r>
-                                          <m:r>
-                                            <a:rPr lang="en-GB" b="0" i="1" smtClean="0">
-                                              <a:latin typeface="Cambria Math" panose="02040503050406030204" pitchFamily="18" charset="0"/>
-                                            </a:rPr>
-                                            <m:t>1</m:t>
+                                            <m:t>1,1</m:t>
                                           </m:r>
                                         </m:sub>
                                       </m:sSub>
@@ -40153,19 +40522,7 @@
                                                   <a:rPr lang="en-GB" b="0" i="1" smtClean="0">
                                                     <a:latin typeface="Cambria Math" panose="02040503050406030204" pitchFamily="18" charset="0"/>
                                                   </a:rPr>
-                                                  <m:t>1</m:t>
-                                                </m:r>
-                                                <m:r>
-                                                  <a:rPr lang="en-GB" b="0" i="1" smtClean="0">
-                                                    <a:latin typeface="Cambria Math" panose="02040503050406030204" pitchFamily="18" charset="0"/>
-                                                  </a:rPr>
-                                                  <m:t>,</m:t>
-                                                </m:r>
-                                                <m:r>
-                                                  <a:rPr lang="en-GB" b="0" i="1" smtClean="0">
-                                                    <a:latin typeface="Cambria Math" panose="02040503050406030204" pitchFamily="18" charset="0"/>
-                                                  </a:rPr>
-                                                  <m:t>2</m:t>
+                                                  <m:t>1,2</m:t>
                                                 </m:r>
                                               </m:sub>
                                             </m:sSub>
@@ -40192,19 +40549,7 @@
                                                   <a:rPr lang="en-GB" b="0" i="1" smtClean="0">
                                                     <a:latin typeface="Cambria Math" panose="02040503050406030204" pitchFamily="18" charset="0"/>
                                                   </a:rPr>
-                                                  <m:t>1</m:t>
-                                                </m:r>
-                                                <m:r>
-                                                  <a:rPr lang="en-GB" b="0" i="1" smtClean="0">
-                                                    <a:latin typeface="Cambria Math" panose="02040503050406030204" pitchFamily="18" charset="0"/>
-                                                  </a:rPr>
-                                                  <m:t>,</m:t>
-                                                </m:r>
-                                                <m:r>
-                                                  <a:rPr lang="en-GB" b="0" i="1" smtClean="0">
-                                                    <a:latin typeface="Cambria Math" panose="02040503050406030204" pitchFamily="18" charset="0"/>
-                                                  </a:rPr>
-                                                  <m:t>3</m:t>
+                                                  <m:t>1,3</m:t>
                                                 </m:r>
                                               </m:sub>
                                             </m:sSub>
@@ -40257,19 +40602,7 @@
                                             <a:rPr lang="en-GB" b="0" i="1" smtClean="0">
                                               <a:latin typeface="Cambria Math" panose="02040503050406030204" pitchFamily="18" charset="0"/>
                                             </a:rPr>
-                                            <m:t>2</m:t>
-                                          </m:r>
-                                          <m:r>
-                                            <a:rPr lang="en-GB" b="0" i="1" smtClean="0">
-                                              <a:latin typeface="Cambria Math" panose="02040503050406030204" pitchFamily="18" charset="0"/>
-                                            </a:rPr>
-                                            <m:t>,</m:t>
-                                          </m:r>
-                                          <m:r>
-                                            <a:rPr lang="en-GB" b="0" i="1" smtClean="0">
-                                              <a:latin typeface="Cambria Math" panose="02040503050406030204" pitchFamily="18" charset="0"/>
-                                            </a:rPr>
-                                            <m:t>0</m:t>
+                                            <m:t>2,0</m:t>
                                           </m:r>
                                         </m:sub>
                                       </m:sSub>
@@ -40296,19 +40629,7 @@
                                             <a:rPr lang="en-GB" b="0" i="1" smtClean="0">
                                               <a:latin typeface="Cambria Math" panose="02040503050406030204" pitchFamily="18" charset="0"/>
                                             </a:rPr>
-                                            <m:t>2</m:t>
-                                          </m:r>
-                                          <m:r>
-                                            <a:rPr lang="en-GB" b="0" i="1" smtClean="0">
-                                              <a:latin typeface="Cambria Math" panose="02040503050406030204" pitchFamily="18" charset="0"/>
-                                            </a:rPr>
-                                            <m:t>,</m:t>
-                                          </m:r>
-                                          <m:r>
-                                            <a:rPr lang="en-GB" b="0" i="1" smtClean="0">
-                                              <a:latin typeface="Cambria Math" panose="02040503050406030204" pitchFamily="18" charset="0"/>
-                                            </a:rPr>
-                                            <m:t>1</m:t>
+                                            <m:t>2,1</m:t>
                                           </m:r>
                                         </m:sub>
                                       </m:sSub>
@@ -40353,13 +40674,7 @@
                                                   <a:rPr lang="en-GB" b="0" i="1" smtClean="0">
                                                     <a:latin typeface="Cambria Math" panose="02040503050406030204" pitchFamily="18" charset="0"/>
                                                   </a:rPr>
-                                                  <m:t>2,</m:t>
-                                                </m:r>
-                                                <m:r>
-                                                  <a:rPr lang="en-GB" b="0" i="1" smtClean="0">
-                                                    <a:latin typeface="Cambria Math" panose="02040503050406030204" pitchFamily="18" charset="0"/>
-                                                  </a:rPr>
-                                                  <m:t>2</m:t>
+                                                  <m:t>2,2</m:t>
                                                 </m:r>
                                               </m:sub>
                                             </m:sSub>
@@ -40386,13 +40701,7 @@
                                                   <a:rPr lang="en-GB" b="0" i="1" smtClean="0">
                                                     <a:latin typeface="Cambria Math" panose="02040503050406030204" pitchFamily="18" charset="0"/>
                                                   </a:rPr>
-                                                  <m:t>2,</m:t>
-                                                </m:r>
-                                                <m:r>
-                                                  <a:rPr lang="en-GB" b="0" i="1" smtClean="0">
-                                                    <a:latin typeface="Cambria Math" panose="02040503050406030204" pitchFamily="18" charset="0"/>
-                                                  </a:rPr>
-                                                  <m:t>3</m:t>
+                                                  <m:t>2,3</m:t>
                                                 </m:r>
                                               </m:sub>
                                             </m:sSub>
@@ -40445,13 +40754,7 @@
                                             <a:rPr lang="en-GB" b="0" i="1" smtClean="0">
                                               <a:latin typeface="Cambria Math" panose="02040503050406030204" pitchFamily="18" charset="0"/>
                                             </a:rPr>
-                                            <m:t>3</m:t>
-                                          </m:r>
-                                          <m:r>
-                                            <a:rPr lang="en-GB" b="0" i="1" smtClean="0">
-                                              <a:latin typeface="Cambria Math" panose="02040503050406030204" pitchFamily="18" charset="0"/>
-                                            </a:rPr>
-                                            <m:t>,0</m:t>
+                                            <m:t>3,0</m:t>
                                           </m:r>
                                         </m:sub>
                                       </m:sSub>
@@ -40478,19 +40781,7 @@
                                             <a:rPr lang="en-GB" b="0" i="1" smtClean="0">
                                               <a:latin typeface="Cambria Math" panose="02040503050406030204" pitchFamily="18" charset="0"/>
                                             </a:rPr>
-                                            <m:t>3</m:t>
-                                          </m:r>
-                                          <m:r>
-                                            <a:rPr lang="en-GB" b="0" i="1" smtClean="0">
-                                              <a:latin typeface="Cambria Math" panose="02040503050406030204" pitchFamily="18" charset="0"/>
-                                            </a:rPr>
-                                            <m:t>,</m:t>
-                                          </m:r>
-                                          <m:r>
-                                            <a:rPr lang="en-GB" b="0" i="1" smtClean="0">
-                                              <a:latin typeface="Cambria Math" panose="02040503050406030204" pitchFamily="18" charset="0"/>
-                                            </a:rPr>
-                                            <m:t>1</m:t>
+                                            <m:t>3,1</m:t>
                                           </m:r>
                                         </m:sub>
                                       </m:sSub>
@@ -40535,19 +40826,7 @@
                                                   <a:rPr lang="en-GB" b="0" i="1" smtClean="0">
                                                     <a:latin typeface="Cambria Math" panose="02040503050406030204" pitchFamily="18" charset="0"/>
                                                   </a:rPr>
-                                                  <m:t>3</m:t>
-                                                </m:r>
-                                                <m:r>
-                                                  <a:rPr lang="en-GB" b="0" i="1" smtClean="0">
-                                                    <a:latin typeface="Cambria Math" panose="02040503050406030204" pitchFamily="18" charset="0"/>
-                                                  </a:rPr>
-                                                  <m:t>,</m:t>
-                                                </m:r>
-                                                <m:r>
-                                                  <a:rPr lang="en-GB" b="0" i="1" smtClean="0">
-                                                    <a:latin typeface="Cambria Math" panose="02040503050406030204" pitchFamily="18" charset="0"/>
-                                                  </a:rPr>
-                                                  <m:t>2</m:t>
+                                                  <m:t>3,2</m:t>
                                                 </m:r>
                                               </m:sub>
                                             </m:sSub>
@@ -40574,19 +40853,7 @@
                                                   <a:rPr lang="en-GB" b="0" i="1" smtClean="0">
                                                     <a:latin typeface="Cambria Math" panose="02040503050406030204" pitchFamily="18" charset="0"/>
                                                   </a:rPr>
-                                                  <m:t>3</m:t>
-                                                </m:r>
-                                                <m:r>
-                                                  <a:rPr lang="en-GB" b="0" i="1" smtClean="0">
-                                                    <a:latin typeface="Cambria Math" panose="02040503050406030204" pitchFamily="18" charset="0"/>
-                                                  </a:rPr>
-                                                  <m:t>,</m:t>
-                                                </m:r>
-                                                <m:r>
-                                                  <a:rPr lang="en-GB" b="0" i="1" smtClean="0">
-                                                    <a:latin typeface="Cambria Math" panose="02040503050406030204" pitchFamily="18" charset="0"/>
-                                                  </a:rPr>
-                                                  <m:t>3</m:t>
+                                                  <m:t>3,3</m:t>
                                                 </m:r>
                                               </m:sub>
                                             </m:sSub>
@@ -40609,7 +40876,7 @@
             </p:txBody>
           </p:sp>
         </mc:Choice>
-        <mc:Fallback>
+        <mc:Fallback xmlns="">
           <p:sp>
             <p:nvSpPr>
               <p:cNvPr id="60" name="TextBox 59">
@@ -40664,13 +40931,13 @@
   <p:clrMapOvr>
     <a:masterClrMapping/>
   </p:clrMapOvr>
-  <mc:AlternateContent xmlns:mc="http://schemas.openxmlformats.org/markup-compatibility/2006">
-    <mc:Choice xmlns:p159="http://schemas.microsoft.com/office/powerpoint/2015/09/main" Requires="p159">
+  <mc:AlternateContent xmlns:mc="http://schemas.openxmlformats.org/markup-compatibility/2006" xmlns:p159="http://schemas.microsoft.com/office/powerpoint/2015/09/main">
+    <mc:Choice Requires="p159">
       <p:transition xmlns:p14="http://schemas.microsoft.com/office/powerpoint/2010/main" spd="slow" p14:dur="2000">
         <p159:morph option="byObject"/>
       </p:transition>
     </mc:Choice>
-    <mc:Fallback>
+    <mc:Fallback xmlns="">
       <p:transition spd="slow">
         <p:fade/>
       </p:transition>
